--- a/1. Study Summary/Paper Review/[3rd_Paper Review] NVIDIA TensorRT - Inference 최적화 및 가속화를 위한 NVIDIA의 Toolkit.pptx
+++ b/1. Study Summary/Paper Review/[3rd_Paper Review] NVIDIA TensorRT - Inference 최적화 및 가속화를 위한 NVIDIA의 Toolkit.pptx
@@ -5,7 +5,7 @@
     <p:sldMasterId id="2147483648" r:id="rId1"/>
   </p:sldMasterIdLst>
   <p:notesMasterIdLst>
-    <p:notesMasterId r:id="rId25"/>
+    <p:notesMasterId r:id="rId29"/>
   </p:notesMasterIdLst>
   <p:sldIdLst>
     <p:sldId id="256" r:id="rId2"/>
@@ -23,14 +23,18 @@
     <p:sldId id="345" r:id="rId14"/>
     <p:sldId id="327" r:id="rId15"/>
     <p:sldId id="344" r:id="rId16"/>
-    <p:sldId id="346" r:id="rId17"/>
-    <p:sldId id="347" r:id="rId18"/>
-    <p:sldId id="348" r:id="rId19"/>
-    <p:sldId id="349" r:id="rId20"/>
-    <p:sldId id="321" r:id="rId21"/>
-    <p:sldId id="284" r:id="rId22"/>
-    <p:sldId id="316" r:id="rId23"/>
-    <p:sldId id="329" r:id="rId24"/>
+    <p:sldId id="353" r:id="rId17"/>
+    <p:sldId id="350" r:id="rId18"/>
+    <p:sldId id="346" r:id="rId19"/>
+    <p:sldId id="351" r:id="rId20"/>
+    <p:sldId id="352" r:id="rId21"/>
+    <p:sldId id="347" r:id="rId22"/>
+    <p:sldId id="348" r:id="rId23"/>
+    <p:sldId id="349" r:id="rId24"/>
+    <p:sldId id="321" r:id="rId25"/>
+    <p:sldId id="284" r:id="rId26"/>
+    <p:sldId id="316" r:id="rId27"/>
+    <p:sldId id="329" r:id="rId28"/>
   </p:sldIdLst>
   <p:sldSz cx="12192000" cy="6858000"/>
   <p:notesSz cx="6858000" cy="9144000"/>
@@ -219,7 +223,7 @@
           <a:p>
             <a:fld id="{FB8C714C-B4A7-457B-92AA-320F1353C73F}" type="datetimeFigureOut">
               <a:rPr lang="ko-KR" altLang="en-US" smtClean="0"/>
-              <a:t>2022-08-02</a:t>
+              <a:t>2022-08-03</a:t>
             </a:fld>
             <a:endParaRPr lang="ko-KR" altLang="en-US"/>
           </a:p>
@@ -1813,13 +1817,56 @@
               </a:rPr>
               <a:t>보다 덜 복잡하고 더 나은 결과를 가져올 수 있으며</a:t>
             </a:r>
-            <a:endParaRPr lang="en-US" altLang="ko-KR" b="0" i="0" dirty="0">
-              <a:solidFill>
-                <a:srgbClr val="000000"/>
-              </a:solidFill>
-              <a:effectLst/>
-              <a:latin typeface="Roboto" panose="02000000000000000000" pitchFamily="2" charset="0"/>
-            </a:endParaRPr>
+            <a:r>
+              <a:rPr lang="en-US" altLang="ko-KR" b="0" i="0" dirty="0">
+                <a:solidFill>
+                  <a:srgbClr val="000000"/>
+                </a:solidFill>
+                <a:effectLst/>
+                <a:latin typeface="Roboto" panose="02000000000000000000" pitchFamily="2" charset="0"/>
+              </a:rPr>
+              <a:t>, </a:t>
+            </a:r>
+            <a:r>
+              <a:rPr lang="ko-KR" altLang="en-US" b="0" i="0" dirty="0">
+                <a:solidFill>
+                  <a:srgbClr val="000000"/>
+                </a:solidFill>
+                <a:effectLst/>
+                <a:latin typeface="Roboto" panose="02000000000000000000" pitchFamily="2" charset="0"/>
+              </a:rPr>
+              <a:t>레이어 </a:t>
+            </a:r>
+            <a:r>
+              <a:rPr lang="en-US" altLang="ko-KR" b="0" i="0" dirty="0">
+                <a:solidFill>
+                  <a:srgbClr val="000000"/>
+                </a:solidFill>
+                <a:effectLst/>
+                <a:latin typeface="Roboto" panose="02000000000000000000" pitchFamily="2" charset="0"/>
+              </a:rPr>
+              <a:t>Fusion </a:t>
+            </a:r>
+            <a:r>
+              <a:rPr lang="ko-KR" altLang="en-US" b="0" i="0" dirty="0">
+                <a:solidFill>
+                  <a:srgbClr val="000000"/>
+                </a:solidFill>
+                <a:effectLst/>
+                <a:latin typeface="Roboto" panose="02000000000000000000" pitchFamily="2" charset="0"/>
+              </a:rPr>
+              <a:t>후에 실행해야 합니다</a:t>
+            </a:r>
+            <a:r>
+              <a:rPr lang="en-US" altLang="ko-KR" b="0" i="0" dirty="0">
+                <a:solidFill>
+                  <a:srgbClr val="000000"/>
+                </a:solidFill>
+                <a:effectLst/>
+                <a:latin typeface="Roboto" panose="02000000000000000000" pitchFamily="2" charset="0"/>
+              </a:rPr>
+              <a:t>.</a:t>
+            </a:r>
           </a:p>
           <a:p>
             <a:pPr marL="0" indent="0">
@@ -1985,7 +2032,104 @@
                 <a:effectLst/>
                 <a:latin typeface="DINPro"/>
               </a:rPr>
-              <a:t>라고 합니다</a:t>
+              <a:t>이며</a:t>
+            </a:r>
+            <a:r>
+              <a:rPr lang="en-US" altLang="ko-KR" b="0" i="0" dirty="0">
+                <a:solidFill>
+                  <a:srgbClr val="000000"/>
+                </a:solidFill>
+                <a:effectLst/>
+                <a:latin typeface="DINPro"/>
+              </a:rPr>
+              <a:t>,</a:t>
+            </a:r>
+          </a:p>
+          <a:p>
+            <a:pPr marL="0" indent="0">
+              <a:buNone/>
+            </a:pPr>
+            <a:endParaRPr lang="en-US" altLang="ko-KR" b="0" i="0" dirty="0">
+              <a:solidFill>
+                <a:srgbClr val="000000"/>
+              </a:solidFill>
+              <a:effectLst/>
+              <a:latin typeface="DINPro"/>
+            </a:endParaRPr>
+          </a:p>
+          <a:p>
+            <a:pPr marL="0" indent="0">
+              <a:buNone/>
+            </a:pPr>
+            <a:r>
+              <a:rPr lang="en-US" altLang="ko-KR" b="0" i="0" dirty="0" err="1">
+                <a:solidFill>
+                  <a:srgbClr val="000000"/>
+                </a:solidFill>
+                <a:effectLst/>
+                <a:latin typeface="DINPro"/>
+              </a:rPr>
+              <a:t>Entronpy</a:t>
+            </a:r>
+            <a:r>
+              <a:rPr lang="en-US" altLang="ko-KR" b="0" i="0" dirty="0">
+                <a:solidFill>
+                  <a:srgbClr val="000000"/>
+                </a:solidFill>
+                <a:effectLst/>
+                <a:latin typeface="DINPro"/>
+              </a:rPr>
+              <a:t> Calibrator2</a:t>
+            </a:r>
+            <a:r>
+              <a:rPr lang="ko-KR" altLang="en-US" b="0" i="0" dirty="0">
+                <a:solidFill>
+                  <a:srgbClr val="000000"/>
+                </a:solidFill>
+                <a:effectLst/>
+                <a:latin typeface="DINPro"/>
+              </a:rPr>
+              <a:t>는 레이어 </a:t>
+            </a:r>
+            <a:r>
+              <a:rPr lang="en-US" altLang="ko-KR" b="0" i="0" dirty="0">
+                <a:solidFill>
+                  <a:srgbClr val="000000"/>
+                </a:solidFill>
+                <a:effectLst/>
+                <a:latin typeface="DINPro"/>
+              </a:rPr>
+              <a:t>Fusion </a:t>
+            </a:r>
+            <a:r>
+              <a:rPr lang="ko-KR" altLang="en-US" b="0" i="0" dirty="0">
+                <a:solidFill>
+                  <a:srgbClr val="000000"/>
+                </a:solidFill>
+                <a:effectLst/>
+                <a:latin typeface="DINPro"/>
+              </a:rPr>
+              <a:t>전에 실행되고</a:t>
+            </a:r>
+            <a:r>
+              <a:rPr lang="en-US" altLang="ko-KR" b="0" i="0" dirty="0">
+                <a:solidFill>
+                  <a:srgbClr val="000000"/>
+                </a:solidFill>
+                <a:effectLst/>
+                <a:latin typeface="DINPro"/>
+              </a:rPr>
+              <a:t>, CNN</a:t>
+            </a:r>
+            <a:r>
+              <a:rPr lang="ko-KR" altLang="en-US" b="0" i="0" dirty="0">
+                <a:solidFill>
+                  <a:srgbClr val="000000"/>
+                </a:solidFill>
+                <a:effectLst/>
+                <a:latin typeface="DINPro"/>
+              </a:rPr>
+              <a:t>기반 네트워크에 권장되는 방식입니다</a:t>
             </a:r>
             <a:r>
               <a:rPr lang="en-US" altLang="ko-KR" b="0" i="0" dirty="0">
@@ -1996,6 +2140,93 @@
                 <a:latin typeface="DINPro"/>
               </a:rPr>
               <a:t>.</a:t>
+            </a:r>
+          </a:p>
+          <a:p>
+            <a:pPr marL="0" indent="0">
+              <a:buNone/>
+            </a:pPr>
+            <a:endParaRPr lang="en-US" altLang="ko-KR" b="0" i="0" dirty="0">
+              <a:solidFill>
+                <a:srgbClr val="000000"/>
+              </a:solidFill>
+              <a:effectLst/>
+              <a:latin typeface="DINPro"/>
+            </a:endParaRPr>
+          </a:p>
+          <a:p>
+            <a:pPr marL="0" indent="0">
+              <a:buNone/>
+            </a:pPr>
+            <a:r>
+              <a:rPr lang="ko-KR" altLang="en-US" b="0" i="0" dirty="0">
+                <a:solidFill>
+                  <a:srgbClr val="000000"/>
+                </a:solidFill>
+                <a:effectLst/>
+                <a:latin typeface="DINPro"/>
+              </a:rPr>
+              <a:t>반면</a:t>
+            </a:r>
+            <a:r>
+              <a:rPr lang="en-US" altLang="ko-KR" b="0" i="0" dirty="0">
+                <a:solidFill>
+                  <a:srgbClr val="000000"/>
+                </a:solidFill>
+                <a:effectLst/>
+                <a:latin typeface="DINPro"/>
+              </a:rPr>
+              <a:t>, </a:t>
+            </a:r>
+            <a:r>
+              <a:rPr lang="en-US" altLang="ko-KR" b="0" i="0" dirty="0" err="1">
+                <a:solidFill>
+                  <a:srgbClr val="000000"/>
+                </a:solidFill>
+                <a:effectLst/>
+                <a:latin typeface="DINPro"/>
+              </a:rPr>
+              <a:t>MinMaxCalibrator</a:t>
+            </a:r>
+            <a:r>
+              <a:rPr lang="ko-KR" altLang="en-US" b="0" i="0" dirty="0">
+                <a:solidFill>
+                  <a:srgbClr val="000000"/>
+                </a:solidFill>
+                <a:effectLst/>
+                <a:latin typeface="DINPro"/>
+              </a:rPr>
+              <a:t>는 </a:t>
+            </a:r>
+            <a:r>
+              <a:rPr lang="en-US" altLang="ko-KR" b="0" i="0" dirty="0">
+                <a:solidFill>
+                  <a:srgbClr val="000000"/>
+                </a:solidFill>
+                <a:effectLst/>
+                <a:latin typeface="DINPro"/>
+              </a:rPr>
+              <a:t>NLP</a:t>
+            </a:r>
+            <a:r>
+              <a:rPr lang="ko-KR" altLang="en-US" b="0" i="0" dirty="0">
+                <a:solidFill>
+                  <a:srgbClr val="000000"/>
+                </a:solidFill>
+                <a:effectLst/>
+                <a:latin typeface="DINPro"/>
+              </a:rPr>
+              <a:t>자연어처리 작업에 권장되는 방식이고</a:t>
+            </a:r>
+            <a:r>
+              <a:rPr lang="en-US" altLang="ko-KR" b="0" i="0" dirty="0">
+                <a:solidFill>
+                  <a:srgbClr val="000000"/>
+                </a:solidFill>
+                <a:effectLst/>
+                <a:latin typeface="DINPro"/>
+              </a:rPr>
+              <a:t>,</a:t>
             </a:r>
           </a:p>
           <a:p>
@@ -3908,7 +4139,7 @@
                 <a:effectLst/>
                 <a:latin typeface="noto"/>
               </a:rPr>
-              <a:t>대칭 양자화를 사용하여 활성화 데이터와 모델 가중치를 모두 나타낸다</a:t>
+              <a:t>대칭 양자화를 사용하여 활성화 데이터와 모델 가중치를 나타낸다</a:t>
             </a:r>
             <a:r>
               <a:rPr lang="en-US" altLang="ko-KR" b="0" i="0" dirty="0">
@@ -4226,7 +4457,7 @@
                 <a:effectLst/>
                 <a:latin typeface="noto"/>
               </a:rPr>
-              <a:t>로 선택하고</a:t>
+              <a:t>라는 변수에 지정해주고</a:t>
             </a:r>
             <a:r>
               <a:rPr lang="en-US" altLang="ko-KR" b="0" i="0" dirty="0">
@@ -4236,7 +4467,7 @@
                 <a:effectLst/>
                 <a:latin typeface="noto"/>
               </a:rPr>
-              <a:t>, </a:t>
+              <a:t>,</a:t>
             </a:r>
           </a:p>
           <a:p>
@@ -4255,6 +4486,151 @@
             <a:pPr marL="0" indent="0">
               <a:buNone/>
             </a:pPr>
+            <a:r>
+              <a:rPr lang="ko-KR" altLang="en-US" b="0" i="0" dirty="0">
+                <a:solidFill>
+                  <a:srgbClr val="000000"/>
+                </a:solidFill>
+                <a:effectLst/>
+                <a:latin typeface="noto"/>
+              </a:rPr>
+              <a:t>대칭 범위를 </a:t>
+            </a:r>
+            <a:r>
+              <a:rPr lang="en-US" altLang="ko-KR" b="0" i="0" dirty="0">
+                <a:solidFill>
+                  <a:srgbClr val="000000"/>
+                </a:solidFill>
+                <a:effectLst/>
+                <a:latin typeface="noto"/>
+              </a:rPr>
+              <a:t>8</a:t>
+            </a:r>
+            <a:r>
+              <a:rPr lang="ko-KR" altLang="en-US" b="0" i="0" dirty="0">
+                <a:solidFill>
+                  <a:srgbClr val="000000"/>
+                </a:solidFill>
+                <a:effectLst/>
+                <a:latin typeface="noto"/>
+              </a:rPr>
+              <a:t>비트에 대해 총 </a:t>
+            </a:r>
+            <a:r>
+              <a:rPr lang="en-US" altLang="ko-KR" b="0" i="0" dirty="0">
+                <a:solidFill>
+                  <a:srgbClr val="000000"/>
+                </a:solidFill>
+                <a:effectLst/>
+                <a:latin typeface="noto"/>
+              </a:rPr>
+              <a:t>256</a:t>
+            </a:r>
+            <a:r>
+              <a:rPr lang="ko-KR" altLang="en-US" b="0" i="0" dirty="0">
+                <a:solidFill>
+                  <a:srgbClr val="000000"/>
+                </a:solidFill>
+                <a:effectLst/>
+                <a:latin typeface="noto"/>
+              </a:rPr>
+              <a:t>등분해줍니다</a:t>
+            </a:r>
+            <a:r>
+              <a:rPr lang="en-US" altLang="ko-KR" b="0" i="0" dirty="0">
+                <a:solidFill>
+                  <a:srgbClr val="000000"/>
+                </a:solidFill>
+                <a:effectLst/>
+                <a:latin typeface="noto"/>
+              </a:rPr>
+              <a:t>. </a:t>
+            </a:r>
+            <a:r>
+              <a:rPr lang="ko-KR" altLang="en-US" b="0" i="0" dirty="0">
+                <a:solidFill>
+                  <a:srgbClr val="000000"/>
+                </a:solidFill>
+                <a:effectLst/>
+                <a:latin typeface="noto"/>
+              </a:rPr>
+              <a:t>이 값이 </a:t>
+            </a:r>
+            <a:r>
+              <a:rPr lang="en-US" altLang="ko-KR" b="0" i="0" dirty="0">
+                <a:solidFill>
+                  <a:srgbClr val="000000"/>
+                </a:solidFill>
+                <a:effectLst/>
+                <a:latin typeface="noto"/>
+              </a:rPr>
+              <a:t>Scale</a:t>
+            </a:r>
+            <a:r>
+              <a:rPr lang="ko-KR" altLang="en-US" b="0" i="0" dirty="0">
+                <a:solidFill>
+                  <a:srgbClr val="000000"/>
+                </a:solidFill>
+                <a:effectLst/>
+                <a:latin typeface="noto"/>
+              </a:rPr>
+              <a:t>값인데</a:t>
+            </a:r>
+            <a:r>
+              <a:rPr lang="en-US" altLang="ko-KR" b="0" i="0" dirty="0">
+                <a:solidFill>
+                  <a:srgbClr val="000000"/>
+                </a:solidFill>
+                <a:effectLst/>
+                <a:latin typeface="noto"/>
+              </a:rPr>
+              <a:t>, </a:t>
+            </a:r>
+            <a:r>
+              <a:rPr lang="ko-KR" altLang="en-US" b="0" i="0" dirty="0">
+                <a:solidFill>
+                  <a:srgbClr val="000000"/>
+                </a:solidFill>
+                <a:effectLst/>
+                <a:latin typeface="noto"/>
+              </a:rPr>
+              <a:t>이 값이 클수록 정밀도가 낮은 것이고</a:t>
+            </a:r>
+            <a:r>
+              <a:rPr lang="en-US" altLang="ko-KR" b="0" i="0" dirty="0">
+                <a:solidFill>
+                  <a:srgbClr val="000000"/>
+                </a:solidFill>
+                <a:effectLst/>
+                <a:latin typeface="noto"/>
+              </a:rPr>
+              <a:t>, </a:t>
+            </a:r>
+            <a:r>
+              <a:rPr lang="ko-KR" altLang="en-US" b="0" i="0" dirty="0">
+                <a:solidFill>
+                  <a:srgbClr val="000000"/>
+                </a:solidFill>
+                <a:effectLst/>
+                <a:latin typeface="noto"/>
+              </a:rPr>
+              <a:t>이 값이 작을수록 정밀도가 높다고 볼 수 있겠습니다</a:t>
+            </a:r>
+            <a:r>
+              <a:rPr lang="en-US" altLang="ko-KR" b="0" i="0" dirty="0">
+                <a:solidFill>
+                  <a:srgbClr val="000000"/>
+                </a:solidFill>
+                <a:effectLst/>
+                <a:latin typeface="noto"/>
+              </a:rPr>
+              <a:t>.</a:t>
+            </a:r>
+          </a:p>
+          <a:p>
+            <a:pPr marL="0" indent="0">
+              <a:buNone/>
+            </a:pPr>
             <a:endParaRPr lang="en-US" altLang="ko-KR" b="0" i="0" dirty="0">
               <a:solidFill>
                 <a:srgbClr val="000000"/>
@@ -4262,6 +4638,332 @@
               <a:effectLst/>
               <a:latin typeface="noto"/>
             </a:endParaRPr>
+          </a:p>
+          <a:p>
+            <a:pPr marL="0" indent="0">
+              <a:buNone/>
+            </a:pPr>
+            <a:r>
+              <a:rPr lang="ko-KR" altLang="en-US" b="0" i="0" dirty="0">
+                <a:solidFill>
+                  <a:srgbClr val="000000"/>
+                </a:solidFill>
+                <a:effectLst/>
+                <a:latin typeface="noto"/>
+              </a:rPr>
+              <a:t>그리고</a:t>
+            </a:r>
+            <a:r>
+              <a:rPr lang="en-US" altLang="ko-KR" b="0" i="0" dirty="0">
+                <a:solidFill>
+                  <a:srgbClr val="000000"/>
+                </a:solidFill>
+                <a:effectLst/>
+                <a:latin typeface="noto"/>
+              </a:rPr>
+              <a:t>, Mapping </a:t>
+            </a:r>
+            <a:r>
+              <a:rPr lang="ko-KR" altLang="en-US" b="0" i="0" dirty="0">
+                <a:solidFill>
+                  <a:srgbClr val="000000"/>
+                </a:solidFill>
+                <a:effectLst/>
+                <a:latin typeface="noto"/>
+              </a:rPr>
+              <a:t>하려는 </a:t>
+            </a:r>
+            <a:r>
+              <a:rPr lang="en-US" altLang="ko-KR" b="0" i="0" dirty="0">
+                <a:solidFill>
+                  <a:srgbClr val="000000"/>
+                </a:solidFill>
+                <a:effectLst/>
+                <a:latin typeface="noto"/>
+              </a:rPr>
+              <a:t>Float Type</a:t>
+            </a:r>
+            <a:r>
+              <a:rPr lang="ko-KR" altLang="en-US" b="0" i="0" dirty="0">
+                <a:solidFill>
+                  <a:srgbClr val="000000"/>
+                </a:solidFill>
+                <a:effectLst/>
+                <a:latin typeface="noto"/>
+              </a:rPr>
+              <a:t>의 값을 </a:t>
+            </a:r>
+            <a:r>
+              <a:rPr lang="en-US" altLang="ko-KR" b="0" i="0" dirty="0">
+                <a:solidFill>
+                  <a:srgbClr val="000000"/>
+                </a:solidFill>
+                <a:effectLst/>
+                <a:latin typeface="noto"/>
+              </a:rPr>
+              <a:t>Scale</a:t>
+            </a:r>
+            <a:r>
+              <a:rPr lang="ko-KR" altLang="en-US" b="0" i="0" dirty="0">
+                <a:solidFill>
+                  <a:srgbClr val="000000"/>
+                </a:solidFill>
+                <a:effectLst/>
+                <a:latin typeface="noto"/>
+              </a:rPr>
+              <a:t>인자로 나누고 반올림한 뒤에</a:t>
+            </a:r>
+            <a:r>
+              <a:rPr lang="en-US" altLang="ko-KR" b="0" i="0" dirty="0">
+                <a:solidFill>
+                  <a:srgbClr val="000000"/>
+                </a:solidFill>
+                <a:effectLst/>
+                <a:latin typeface="noto"/>
+              </a:rPr>
+              <a:t>, Outlier</a:t>
+            </a:r>
+            <a:r>
+              <a:rPr lang="ko-KR" altLang="en-US" b="0" i="0" dirty="0">
+                <a:solidFill>
+                  <a:srgbClr val="000000"/>
+                </a:solidFill>
+                <a:effectLst/>
+                <a:latin typeface="noto"/>
+              </a:rPr>
+              <a:t>는 </a:t>
+            </a:r>
+            <a:r>
+              <a:rPr lang="en-US" altLang="ko-KR" b="0" i="0" dirty="0">
+                <a:solidFill>
+                  <a:srgbClr val="000000"/>
+                </a:solidFill>
+                <a:effectLst/>
+                <a:latin typeface="noto"/>
+              </a:rPr>
+              <a:t>Clip</a:t>
+            </a:r>
+            <a:r>
+              <a:rPr lang="ko-KR" altLang="en-US" b="0" i="0" dirty="0">
+                <a:solidFill>
+                  <a:srgbClr val="000000"/>
+                </a:solidFill>
+                <a:effectLst/>
+                <a:latin typeface="noto"/>
+              </a:rPr>
+              <a:t>하는 방식입니다</a:t>
+            </a:r>
+            <a:r>
+              <a:rPr lang="en-US" altLang="ko-KR" b="0" i="0" dirty="0">
+                <a:solidFill>
+                  <a:srgbClr val="000000"/>
+                </a:solidFill>
+                <a:effectLst/>
+                <a:latin typeface="noto"/>
+              </a:rPr>
+              <a:t>.</a:t>
+            </a:r>
+          </a:p>
+          <a:p>
+            <a:pPr marL="0" indent="0">
+              <a:buNone/>
+            </a:pPr>
+            <a:endParaRPr lang="en-US" altLang="ko-KR" b="0" i="0" dirty="0">
+              <a:solidFill>
+                <a:srgbClr val="000000"/>
+              </a:solidFill>
+              <a:effectLst/>
+              <a:latin typeface="noto"/>
+            </a:endParaRPr>
+          </a:p>
+          <a:p>
+            <a:pPr marL="0" indent="0">
+              <a:buNone/>
+            </a:pPr>
+            <a:r>
+              <a:rPr lang="ko-KR" altLang="en-US" b="0" i="0" dirty="0">
+                <a:solidFill>
+                  <a:srgbClr val="000000"/>
+                </a:solidFill>
+                <a:effectLst/>
+                <a:latin typeface="noto"/>
+              </a:rPr>
+              <a:t>이처럼 양자화를 진행할 때</a:t>
+            </a:r>
+            <a:r>
+              <a:rPr lang="en-US" altLang="ko-KR" b="0" i="0" dirty="0">
+                <a:solidFill>
+                  <a:srgbClr val="000000"/>
+                </a:solidFill>
+                <a:effectLst/>
+                <a:latin typeface="noto"/>
+              </a:rPr>
+              <a:t>, </a:t>
+            </a:r>
+            <a:r>
+              <a:rPr lang="ko-KR" altLang="en-US" b="0" i="0" dirty="0">
+                <a:solidFill>
+                  <a:srgbClr val="000000"/>
+                </a:solidFill>
+                <a:effectLst/>
+                <a:latin typeface="noto"/>
+              </a:rPr>
+              <a:t>사용하는 수식은 보다 수식이 간단한 </a:t>
+            </a:r>
+            <a:r>
+              <a:rPr lang="en-US" altLang="ko-KR" b="0" i="0" dirty="0">
+                <a:solidFill>
+                  <a:srgbClr val="000000"/>
+                </a:solidFill>
+                <a:effectLst/>
+                <a:latin typeface="noto"/>
+              </a:rPr>
+              <a:t>Scale Quantization</a:t>
+            </a:r>
+            <a:r>
+              <a:rPr lang="ko-KR" altLang="en-US" b="0" i="0" dirty="0">
+                <a:solidFill>
+                  <a:srgbClr val="000000"/>
+                </a:solidFill>
+                <a:effectLst/>
+                <a:latin typeface="noto"/>
+              </a:rPr>
+              <a:t>을 적용하고 있었습니다</a:t>
+            </a:r>
+            <a:r>
+              <a:rPr lang="en-US" altLang="ko-KR" b="0" i="0" dirty="0">
+                <a:solidFill>
+                  <a:srgbClr val="000000"/>
+                </a:solidFill>
+                <a:effectLst/>
+                <a:latin typeface="noto"/>
+              </a:rPr>
+              <a:t>.</a:t>
+            </a:r>
+            <a:r>
+              <a:rPr lang="ko-KR" altLang="en-US" b="0" i="0" dirty="0">
+                <a:solidFill>
+                  <a:srgbClr val="000000"/>
+                </a:solidFill>
+                <a:effectLst/>
+                <a:latin typeface="noto"/>
+              </a:rPr>
+              <a:t> </a:t>
+            </a:r>
+            <a:endParaRPr lang="en-US" altLang="ko-KR" b="0" i="0" dirty="0">
+              <a:solidFill>
+                <a:srgbClr val="000000"/>
+              </a:solidFill>
+              <a:effectLst/>
+              <a:latin typeface="noto"/>
+            </a:endParaRPr>
+          </a:p>
+          <a:p>
+            <a:pPr marL="0" indent="0">
+              <a:buNone/>
+            </a:pPr>
+            <a:endParaRPr lang="en-US" altLang="ko-KR" b="0" i="0" dirty="0">
+              <a:solidFill>
+                <a:srgbClr val="000000"/>
+              </a:solidFill>
+              <a:effectLst/>
+              <a:latin typeface="noto"/>
+            </a:endParaRPr>
+          </a:p>
+          <a:p>
+            <a:pPr marL="0" indent="0">
+              <a:buNone/>
+            </a:pPr>
+            <a:r>
+              <a:rPr lang="ko-KR" altLang="en-US" b="0" i="0" dirty="0">
+                <a:solidFill>
+                  <a:srgbClr val="000000"/>
+                </a:solidFill>
+                <a:effectLst/>
+                <a:latin typeface="noto"/>
+              </a:rPr>
+              <a:t>그리고</a:t>
+            </a:r>
+            <a:r>
+              <a:rPr lang="en-US" altLang="ko-KR" b="0" i="0" dirty="0">
+                <a:solidFill>
+                  <a:srgbClr val="000000"/>
+                </a:solidFill>
+                <a:effectLst/>
+                <a:latin typeface="noto"/>
+              </a:rPr>
+              <a:t>, </a:t>
+            </a:r>
+            <a:r>
+              <a:rPr lang="ko-KR" altLang="en-US" b="0" i="0" dirty="0">
+                <a:solidFill>
+                  <a:srgbClr val="000000"/>
+                </a:solidFill>
+                <a:effectLst/>
+                <a:latin typeface="noto"/>
+              </a:rPr>
+              <a:t>화면에서 볼 수 있듯이</a:t>
+            </a:r>
+            <a:r>
+              <a:rPr lang="en-US" altLang="ko-KR" b="0" i="0" dirty="0">
+                <a:solidFill>
+                  <a:srgbClr val="000000"/>
+                </a:solidFill>
+                <a:effectLst/>
+                <a:latin typeface="noto"/>
+              </a:rPr>
+              <a:t>, Nvidia </a:t>
+            </a:r>
+            <a:r>
+              <a:rPr lang="en-US" altLang="ko-KR" b="0" i="0" dirty="0" err="1">
+                <a:solidFill>
+                  <a:srgbClr val="000000"/>
+                </a:solidFill>
+                <a:effectLst/>
+                <a:latin typeface="noto"/>
+              </a:rPr>
+              <a:t>TensorRT</a:t>
+            </a:r>
+            <a:r>
+              <a:rPr lang="ko-KR" altLang="en-US" b="0" i="0" dirty="0">
+                <a:solidFill>
+                  <a:srgbClr val="000000"/>
+                </a:solidFill>
+                <a:effectLst/>
+                <a:latin typeface="noto"/>
+              </a:rPr>
+              <a:t>에서는</a:t>
+            </a:r>
+            <a:r>
+              <a:rPr lang="en-US" altLang="ko-KR" b="0" i="0" dirty="0">
+                <a:solidFill>
+                  <a:srgbClr val="000000"/>
+                </a:solidFill>
+                <a:effectLst/>
+                <a:latin typeface="noto"/>
+              </a:rPr>
+              <a:t> </a:t>
+            </a:r>
+            <a:r>
+              <a:rPr lang="ko-KR" altLang="en-US" b="0" i="0" dirty="0">
+                <a:solidFill>
+                  <a:srgbClr val="000000"/>
+                </a:solidFill>
+                <a:effectLst/>
+                <a:latin typeface="noto"/>
+              </a:rPr>
+              <a:t>한 칸 한 칸의 간격이 균일한 균일 양자화에 대해 초점을 맞추고 있었습니다</a:t>
+            </a:r>
+            <a:r>
+              <a:rPr lang="en-US" altLang="ko-KR" b="0" i="0" dirty="0">
+                <a:solidFill>
+                  <a:srgbClr val="000000"/>
+                </a:solidFill>
+                <a:effectLst/>
+                <a:latin typeface="noto"/>
+              </a:rPr>
+              <a:t>.</a:t>
+            </a:r>
           </a:p>
         </p:txBody>
       </p:sp>
@@ -4353,7 +5055,7 @@
                 <a:srgbClr val="000000"/>
               </a:solidFill>
               <a:effectLst/>
-              <a:latin typeface="DINPro"/>
+              <a:latin typeface="noto"/>
             </a:endParaRPr>
           </a:p>
         </p:txBody>
@@ -4384,7 +5086,7 @@
     </p:spTree>
     <p:extLst>
       <p:ext uri="{BB962C8B-B14F-4D97-AF65-F5344CB8AC3E}">
-        <p14:creationId xmlns:p14="http://schemas.microsoft.com/office/powerpoint/2010/main" val="1598334414"/>
+        <p14:creationId xmlns:p14="http://schemas.microsoft.com/office/powerpoint/2010/main" val="1625972370"/>
       </p:ext>
     </p:extLst>
   </p:cSld>
@@ -4441,12 +5143,107 @@
             <a:pPr marL="0" indent="0">
               <a:buNone/>
             </a:pPr>
+            <a:r>
+              <a:rPr lang="ko-KR" altLang="en-US" b="0" i="0" dirty="0">
+                <a:solidFill>
+                  <a:srgbClr val="000000"/>
+                </a:solidFill>
+                <a:effectLst/>
+                <a:latin typeface="noto"/>
+              </a:rPr>
+              <a:t>한 가지 특이했던 점은</a:t>
+            </a:r>
+            <a:r>
+              <a:rPr lang="en-US" altLang="ko-KR" b="0" i="0" dirty="0">
+                <a:solidFill>
+                  <a:srgbClr val="000000"/>
+                </a:solidFill>
+                <a:effectLst/>
+                <a:latin typeface="noto"/>
+              </a:rPr>
+              <a:t>, </a:t>
+            </a:r>
+            <a:r>
+              <a:rPr lang="en-US" altLang="ko-KR" dirty="0"/>
+              <a:t>abs(</a:t>
+            </a:r>
+            <a:r>
+              <a:rPr lang="en-US" altLang="ko-KR" dirty="0" err="1"/>
+              <a:t>min_float</a:t>
+            </a:r>
+            <a:r>
+              <a:rPr lang="en-US" altLang="ko-KR" dirty="0"/>
+              <a:t>) != abs(</a:t>
+            </a:r>
+            <a:r>
+              <a:rPr lang="en-US" altLang="ko-KR" dirty="0" err="1"/>
+              <a:t>max_float</a:t>
+            </a:r>
+            <a:r>
+              <a:rPr lang="en-US" altLang="ko-KR" dirty="0"/>
+              <a:t>)</a:t>
+            </a:r>
+            <a:r>
+              <a:rPr lang="en-US" altLang="ko-KR" b="0" i="0" dirty="0">
+                <a:solidFill>
+                  <a:srgbClr val="000000"/>
+                </a:solidFill>
+                <a:effectLst/>
+                <a:latin typeface="Trebuchet MS" panose="020B0603020202020204" pitchFamily="34" charset="0"/>
+              </a:rPr>
+              <a:t>, </a:t>
+            </a:r>
+            <a:r>
+              <a:rPr lang="en-US" altLang="ko-KR" b="0" i="0" dirty="0" err="1">
+                <a:solidFill>
+                  <a:srgbClr val="000000"/>
+                </a:solidFill>
+                <a:effectLst/>
+                <a:latin typeface="Trebuchet MS" panose="020B0603020202020204" pitchFamily="34" charset="0"/>
+              </a:rPr>
+              <a:t>TensorRT</a:t>
+            </a:r>
+            <a:r>
+              <a:rPr lang="en-US" altLang="ko-KR" b="0" i="0" dirty="0">
+                <a:solidFill>
+                  <a:srgbClr val="000000"/>
+                </a:solidFill>
+                <a:effectLst/>
+                <a:latin typeface="Trebuchet MS" panose="020B0603020202020204" pitchFamily="34" charset="0"/>
+              </a:rPr>
+              <a:t> uses a larger dynamic-range than configured, which may increase the rounding error. </a:t>
+            </a:r>
+            <a:r>
+              <a:rPr lang="ko-KR" altLang="en-US" b="0" i="0" dirty="0">
+                <a:solidFill>
+                  <a:srgbClr val="000000"/>
+                </a:solidFill>
+                <a:effectLst/>
+                <a:latin typeface="Trebuchet MS" panose="020B0603020202020204" pitchFamily="34" charset="0"/>
+              </a:rPr>
+              <a:t>입니다</a:t>
+            </a:r>
+            <a:r>
+              <a:rPr lang="en-US" altLang="ko-KR" b="0" i="0" dirty="0">
+                <a:solidFill>
+                  <a:srgbClr val="000000"/>
+                </a:solidFill>
+                <a:effectLst/>
+                <a:latin typeface="Trebuchet MS" panose="020B0603020202020204" pitchFamily="34" charset="0"/>
+              </a:rPr>
+              <a:t>.</a:t>
+            </a:r>
+          </a:p>
+          <a:p>
+            <a:pPr marL="0" indent="0">
+              <a:buNone/>
+            </a:pPr>
             <a:endParaRPr lang="en-US" altLang="ko-KR" b="0" i="0" dirty="0">
               <a:solidFill>
                 <a:srgbClr val="000000"/>
               </a:solidFill>
               <a:effectLst/>
-              <a:latin typeface="DINPro"/>
+              <a:latin typeface="noto"/>
             </a:endParaRPr>
           </a:p>
         </p:txBody>
@@ -4477,7 +5274,7 @@
     </p:spTree>
     <p:extLst>
       <p:ext uri="{BB962C8B-B14F-4D97-AF65-F5344CB8AC3E}">
-        <p14:creationId xmlns:p14="http://schemas.microsoft.com/office/powerpoint/2010/main" val="3987670117"/>
+        <p14:creationId xmlns:p14="http://schemas.microsoft.com/office/powerpoint/2010/main" val="4037295874"/>
       </p:ext>
     </p:extLst>
   </p:cSld>
@@ -4534,6 +5331,91 @@
             <a:pPr marL="0" indent="0">
               <a:buNone/>
             </a:pPr>
+            <a:r>
+              <a:rPr lang="ko-KR" altLang="en-US" b="0" i="0" dirty="0">
+                <a:solidFill>
+                  <a:srgbClr val="000000"/>
+                </a:solidFill>
+                <a:effectLst/>
+                <a:latin typeface="DINPro"/>
+              </a:rPr>
+              <a:t>이러한 방식으로 </a:t>
+            </a:r>
+            <a:r>
+              <a:rPr lang="en-US" altLang="ko-KR" b="0" i="0" dirty="0" err="1">
+                <a:solidFill>
+                  <a:srgbClr val="000000"/>
+                </a:solidFill>
+                <a:effectLst/>
+                <a:latin typeface="DINPro"/>
+              </a:rPr>
+              <a:t>tensorRT</a:t>
+            </a:r>
+            <a:r>
+              <a:rPr lang="ko-KR" altLang="en-US" b="0" i="0" dirty="0">
+                <a:solidFill>
+                  <a:srgbClr val="000000"/>
+                </a:solidFill>
+                <a:effectLst/>
+                <a:latin typeface="DINPro"/>
+              </a:rPr>
+              <a:t>에서는 두 가지 양자화 방식을 제공하고 있는데</a:t>
+            </a:r>
+            <a:r>
+              <a:rPr lang="en-US" altLang="ko-KR" b="0" i="0" dirty="0">
+                <a:solidFill>
+                  <a:srgbClr val="000000"/>
+                </a:solidFill>
+                <a:effectLst/>
+                <a:latin typeface="DINPro"/>
+              </a:rPr>
+              <a:t>, PTQ</a:t>
+            </a:r>
+            <a:r>
+              <a:rPr lang="ko-KR" altLang="en-US" b="0" i="0" dirty="0">
+                <a:solidFill>
+                  <a:srgbClr val="000000"/>
+                </a:solidFill>
+                <a:effectLst/>
+                <a:latin typeface="DINPro"/>
+              </a:rPr>
+              <a:t>와 </a:t>
+            </a:r>
+            <a:r>
+              <a:rPr lang="en-US" altLang="ko-KR" b="0" i="0" dirty="0">
+                <a:solidFill>
+                  <a:srgbClr val="000000"/>
+                </a:solidFill>
+                <a:effectLst/>
+                <a:latin typeface="DINPro"/>
+              </a:rPr>
+              <a:t>QAT</a:t>
+            </a:r>
+            <a:r>
+              <a:rPr lang="ko-KR" altLang="en-US" b="0" i="0" dirty="0">
+                <a:solidFill>
+                  <a:srgbClr val="000000"/>
+                </a:solidFill>
+                <a:effectLst/>
+                <a:latin typeface="DINPro"/>
+              </a:rPr>
+              <a:t>입니다</a:t>
+            </a:r>
+            <a:r>
+              <a:rPr lang="en-US" altLang="ko-KR" b="0" i="0" dirty="0">
+                <a:solidFill>
+                  <a:srgbClr val="000000"/>
+                </a:solidFill>
+                <a:effectLst/>
+                <a:latin typeface="DINPro"/>
+              </a:rPr>
+              <a:t>.</a:t>
+            </a:r>
+          </a:p>
+          <a:p>
+            <a:pPr marL="0" indent="0">
+              <a:buNone/>
+            </a:pPr>
             <a:endParaRPr lang="en-US" altLang="ko-KR" b="0" i="0" dirty="0">
               <a:solidFill>
                 <a:srgbClr val="000000"/>
@@ -4542,6 +5424,1087 @@
               <a:latin typeface="DINPro"/>
             </a:endParaRPr>
           </a:p>
+          <a:p>
+            <a:pPr marL="0" indent="0">
+              <a:buNone/>
+            </a:pPr>
+            <a:r>
+              <a:rPr lang="en-US" altLang="ko-KR" b="0" i="0" dirty="0">
+                <a:solidFill>
+                  <a:srgbClr val="000000"/>
+                </a:solidFill>
+                <a:effectLst/>
+                <a:latin typeface="DINPro"/>
+              </a:rPr>
+              <a:t>PTQ</a:t>
+            </a:r>
+            <a:r>
+              <a:rPr lang="ko-KR" altLang="en-US" b="0" i="0" dirty="0">
+                <a:solidFill>
+                  <a:srgbClr val="000000"/>
+                </a:solidFill>
+                <a:effectLst/>
+                <a:latin typeface="DINPro"/>
+              </a:rPr>
+              <a:t>는 이름에서도 알 수 있듯이</a:t>
+            </a:r>
+            <a:r>
+              <a:rPr lang="en-US" altLang="ko-KR" b="0" i="0" dirty="0">
+                <a:solidFill>
+                  <a:srgbClr val="000000"/>
+                </a:solidFill>
+                <a:effectLst/>
+                <a:latin typeface="DINPro"/>
+              </a:rPr>
+              <a:t>, </a:t>
+            </a:r>
+            <a:r>
+              <a:rPr lang="ko-KR" altLang="en-US" b="0" i="0" dirty="0">
+                <a:solidFill>
+                  <a:srgbClr val="000000"/>
+                </a:solidFill>
+                <a:effectLst/>
+                <a:latin typeface="DINPro"/>
+              </a:rPr>
+              <a:t>이미 훈련을 마친 모델에 대해 양자화를 진행하는 것으로</a:t>
+            </a:r>
+            <a:r>
+              <a:rPr lang="en-US" altLang="ko-KR" b="0" i="0" dirty="0">
+                <a:solidFill>
+                  <a:srgbClr val="000000"/>
+                </a:solidFill>
+                <a:effectLst/>
+                <a:latin typeface="DINPro"/>
+              </a:rPr>
+              <a:t>,</a:t>
+            </a:r>
+          </a:p>
+          <a:p>
+            <a:pPr marL="0" indent="0">
+              <a:buNone/>
+            </a:pPr>
+            <a:endParaRPr lang="en-US" altLang="ko-KR" b="0" i="0" dirty="0">
+              <a:solidFill>
+                <a:srgbClr val="000000"/>
+              </a:solidFill>
+              <a:effectLst/>
+              <a:latin typeface="DINPro"/>
+            </a:endParaRPr>
+          </a:p>
+          <a:p>
+            <a:pPr marL="0" indent="0">
+              <a:buNone/>
+            </a:pPr>
+            <a:r>
+              <a:rPr lang="ko-KR" altLang="en-US" b="0" i="0" dirty="0">
+                <a:solidFill>
+                  <a:srgbClr val="000000"/>
+                </a:solidFill>
+                <a:effectLst/>
+                <a:latin typeface="DINPro"/>
+              </a:rPr>
+              <a:t>이미</a:t>
+            </a:r>
+            <a:r>
+              <a:rPr lang="en-US" altLang="ko-KR" b="0" i="0" dirty="0">
+                <a:solidFill>
+                  <a:srgbClr val="000000"/>
+                </a:solidFill>
+                <a:effectLst/>
+                <a:latin typeface="DINPro"/>
+              </a:rPr>
+              <a:t> </a:t>
+            </a:r>
+            <a:r>
+              <a:rPr lang="ko-KR" altLang="en-US" b="0" i="0" dirty="0">
+                <a:solidFill>
+                  <a:srgbClr val="000000"/>
+                </a:solidFill>
+                <a:effectLst/>
+                <a:latin typeface="DINPro"/>
+              </a:rPr>
+              <a:t>훈련을 마쳤기에 </a:t>
+            </a:r>
+            <a:r>
+              <a:rPr lang="en-US" altLang="ko-KR" b="0" i="0" dirty="0">
+                <a:solidFill>
+                  <a:srgbClr val="000000"/>
+                </a:solidFill>
+                <a:effectLst/>
+                <a:latin typeface="DINPro"/>
+              </a:rPr>
+              <a:t>Weight</a:t>
+            </a:r>
+            <a:r>
+              <a:rPr lang="ko-KR" altLang="en-US" b="0" i="0" dirty="0">
+                <a:solidFill>
+                  <a:srgbClr val="000000"/>
+                </a:solidFill>
+                <a:effectLst/>
+                <a:latin typeface="DINPro"/>
+              </a:rPr>
+              <a:t>값에 접근하기가 쉬운 반면에</a:t>
+            </a:r>
+            <a:r>
+              <a:rPr lang="en-US" altLang="ko-KR" b="0" i="0" dirty="0">
+                <a:solidFill>
+                  <a:srgbClr val="000000"/>
+                </a:solidFill>
+                <a:effectLst/>
+                <a:latin typeface="DINPro"/>
+              </a:rPr>
+              <a:t>,</a:t>
+            </a:r>
+          </a:p>
+          <a:p>
+            <a:pPr marL="0" indent="0">
+              <a:buNone/>
+            </a:pPr>
+            <a:endParaRPr lang="en-US" altLang="ko-KR" b="0" i="0" u="sng" dirty="0">
+              <a:solidFill>
+                <a:srgbClr val="000000"/>
+              </a:solidFill>
+              <a:effectLst/>
+              <a:latin typeface="DINPro"/>
+            </a:endParaRPr>
+          </a:p>
+          <a:p>
+            <a:pPr marL="0" indent="0">
+              <a:buNone/>
+            </a:pPr>
+            <a:r>
+              <a:rPr lang="en-US" altLang="ko-KR" b="0" i="0" dirty="0">
+                <a:solidFill>
+                  <a:srgbClr val="000000"/>
+                </a:solidFill>
+                <a:effectLst/>
+                <a:latin typeface="DINPro"/>
+              </a:rPr>
+              <a:t>Activation</a:t>
+            </a:r>
+            <a:r>
+              <a:rPr lang="ko-KR" altLang="en-US" b="0" i="0" dirty="0">
+                <a:solidFill>
+                  <a:srgbClr val="000000"/>
+                </a:solidFill>
+                <a:effectLst/>
+                <a:latin typeface="DINPro"/>
+              </a:rPr>
+              <a:t>을 </a:t>
+            </a:r>
+            <a:r>
+              <a:rPr lang="ko-KR" altLang="en-US" b="0" i="0" dirty="0" err="1">
+                <a:solidFill>
+                  <a:srgbClr val="000000"/>
+                </a:solidFill>
+                <a:effectLst/>
+                <a:latin typeface="DINPro"/>
+              </a:rPr>
+              <a:t>양자화하는</a:t>
+            </a:r>
+            <a:r>
+              <a:rPr lang="ko-KR" altLang="en-US" b="0" i="0" dirty="0">
+                <a:solidFill>
+                  <a:srgbClr val="000000"/>
+                </a:solidFill>
+                <a:effectLst/>
+                <a:latin typeface="DINPro"/>
+              </a:rPr>
+              <a:t> 것은 어렵기 때문에 실제 입력 데이터로 </a:t>
+            </a:r>
+            <a:r>
+              <a:rPr lang="en-US" altLang="ko-KR" b="0" i="0" dirty="0">
+                <a:solidFill>
+                  <a:srgbClr val="000000"/>
+                </a:solidFill>
+                <a:effectLst/>
+                <a:latin typeface="DINPro"/>
+              </a:rPr>
+              <a:t>Activation</a:t>
+            </a:r>
+            <a:r>
+              <a:rPr lang="ko-KR" altLang="en-US" b="0" i="0" dirty="0">
+                <a:solidFill>
+                  <a:srgbClr val="000000"/>
+                </a:solidFill>
+                <a:effectLst/>
+                <a:latin typeface="DINPro"/>
+              </a:rPr>
+              <a:t>의 분포를 파악하도록 하는 것이 필요하다</a:t>
+            </a:r>
+            <a:r>
+              <a:rPr lang="en-US" altLang="ko-KR" b="0" i="0" dirty="0">
+                <a:solidFill>
+                  <a:srgbClr val="000000"/>
+                </a:solidFill>
+                <a:effectLst/>
+                <a:latin typeface="DINPro"/>
+              </a:rPr>
+              <a:t>.</a:t>
+            </a:r>
+          </a:p>
+          <a:p>
+            <a:pPr marL="0" indent="0">
+              <a:buNone/>
+            </a:pPr>
+            <a:endParaRPr lang="en-US" altLang="ko-KR" b="0" i="0" dirty="0">
+              <a:solidFill>
+                <a:srgbClr val="000000"/>
+              </a:solidFill>
+              <a:effectLst/>
+              <a:latin typeface="DINPro"/>
+            </a:endParaRPr>
+          </a:p>
+          <a:p>
+            <a:pPr marL="0" indent="0">
+              <a:buNone/>
+            </a:pPr>
+            <a:r>
+              <a:rPr lang="ko-KR" altLang="en-US" b="0" i="0" dirty="0">
+                <a:solidFill>
+                  <a:srgbClr val="000000"/>
+                </a:solidFill>
+                <a:effectLst/>
+                <a:latin typeface="DINPro"/>
+              </a:rPr>
+              <a:t>즉</a:t>
+            </a:r>
+            <a:r>
+              <a:rPr lang="en-US" altLang="ko-KR" b="0" i="0" dirty="0">
+                <a:solidFill>
+                  <a:srgbClr val="000000"/>
+                </a:solidFill>
+                <a:effectLst/>
+                <a:latin typeface="DINPro"/>
+              </a:rPr>
+              <a:t>, </a:t>
+            </a:r>
+            <a:r>
+              <a:rPr lang="en-US" altLang="ko-KR" b="0" i="0" dirty="0" err="1">
+                <a:solidFill>
+                  <a:srgbClr val="000000"/>
+                </a:solidFill>
+                <a:effectLst/>
+                <a:latin typeface="DINPro"/>
+              </a:rPr>
+              <a:t>tensorRT</a:t>
+            </a:r>
+            <a:r>
+              <a:rPr lang="ko-KR" altLang="en-US" b="0" i="0" dirty="0">
+                <a:solidFill>
+                  <a:srgbClr val="000000"/>
+                </a:solidFill>
+                <a:effectLst/>
+                <a:latin typeface="DINPro"/>
+              </a:rPr>
+              <a:t>에서도 대표 </a:t>
+            </a:r>
+            <a:r>
+              <a:rPr lang="en-US" altLang="ko-KR" b="0" i="0" dirty="0">
+                <a:solidFill>
+                  <a:srgbClr val="000000"/>
+                </a:solidFill>
+                <a:effectLst/>
+                <a:latin typeface="DINPro"/>
+              </a:rPr>
+              <a:t>Dataset</a:t>
+            </a:r>
+            <a:r>
+              <a:rPr lang="ko-KR" altLang="en-US" b="0" i="0" dirty="0">
+                <a:solidFill>
+                  <a:srgbClr val="000000"/>
+                </a:solidFill>
+                <a:effectLst/>
+                <a:latin typeface="DINPro"/>
+              </a:rPr>
+              <a:t>으로 </a:t>
+            </a:r>
+            <a:r>
+              <a:rPr lang="en-US" altLang="ko-KR" b="0" i="0" dirty="0">
+                <a:solidFill>
+                  <a:srgbClr val="000000"/>
+                </a:solidFill>
+                <a:effectLst/>
+                <a:latin typeface="DINPro"/>
+              </a:rPr>
+              <a:t>Calibration</a:t>
+            </a:r>
+            <a:r>
+              <a:rPr lang="ko-KR" altLang="en-US" b="0" i="0" dirty="0">
+                <a:solidFill>
+                  <a:srgbClr val="000000"/>
+                </a:solidFill>
+                <a:effectLst/>
+                <a:latin typeface="DINPro"/>
+              </a:rPr>
+              <a:t>을 진행하는 과정을 필요로 하고 있었다</a:t>
+            </a:r>
+            <a:r>
+              <a:rPr lang="en-US" altLang="ko-KR" b="0" i="0" dirty="0">
+                <a:solidFill>
+                  <a:srgbClr val="000000"/>
+                </a:solidFill>
+                <a:effectLst/>
+                <a:latin typeface="DINPro"/>
+              </a:rPr>
+              <a:t>. Documentation</a:t>
+            </a:r>
+            <a:r>
+              <a:rPr lang="ko-KR" altLang="en-US" b="0" i="0" dirty="0">
+                <a:solidFill>
+                  <a:srgbClr val="000000"/>
+                </a:solidFill>
+                <a:effectLst/>
+                <a:latin typeface="DINPro"/>
+              </a:rPr>
+              <a:t>에 의하면 </a:t>
+            </a:r>
+            <a:r>
+              <a:rPr lang="en-US" altLang="ko-KR" b="0" i="0" dirty="0">
+                <a:solidFill>
+                  <a:srgbClr val="000000"/>
+                </a:solidFill>
+                <a:effectLst/>
+                <a:latin typeface="DINPro"/>
+              </a:rPr>
+              <a:t>ImageNet</a:t>
+            </a:r>
+            <a:r>
+              <a:rPr lang="ko-KR" altLang="en-US" b="0" i="0" dirty="0">
+                <a:solidFill>
+                  <a:srgbClr val="000000"/>
+                </a:solidFill>
+                <a:effectLst/>
+                <a:latin typeface="DINPro"/>
+              </a:rPr>
+              <a:t>의 경우</a:t>
+            </a:r>
+            <a:r>
+              <a:rPr lang="en-US" altLang="ko-KR" b="0" i="0" dirty="0">
+                <a:solidFill>
+                  <a:srgbClr val="000000"/>
+                </a:solidFill>
+                <a:effectLst/>
+                <a:latin typeface="DINPro"/>
+              </a:rPr>
+              <a:t>, </a:t>
+            </a:r>
+            <a:r>
+              <a:rPr lang="ko-KR" altLang="en-US" b="0" i="0" dirty="0">
+                <a:solidFill>
+                  <a:srgbClr val="000000"/>
+                </a:solidFill>
+                <a:effectLst/>
+                <a:latin typeface="DINPro"/>
+              </a:rPr>
+              <a:t>분류 네트워크를 </a:t>
+            </a:r>
+            <a:r>
+              <a:rPr lang="ko-KR" altLang="en-US" b="0" i="0" dirty="0" err="1">
+                <a:solidFill>
+                  <a:srgbClr val="000000"/>
+                </a:solidFill>
+                <a:effectLst/>
+                <a:latin typeface="DINPro"/>
+              </a:rPr>
+              <a:t>보정하는데에만</a:t>
+            </a:r>
+            <a:r>
+              <a:rPr lang="ko-KR" altLang="en-US" b="0" i="0" dirty="0">
+                <a:solidFill>
+                  <a:srgbClr val="000000"/>
+                </a:solidFill>
+                <a:effectLst/>
+                <a:latin typeface="DINPro"/>
+              </a:rPr>
+              <a:t> </a:t>
+            </a:r>
+            <a:r>
+              <a:rPr lang="en-US" altLang="ko-KR" b="0" i="0" dirty="0">
+                <a:solidFill>
+                  <a:srgbClr val="000000"/>
+                </a:solidFill>
+                <a:effectLst/>
+                <a:latin typeface="DINPro"/>
+              </a:rPr>
+              <a:t>500</a:t>
+            </a:r>
+            <a:r>
+              <a:rPr lang="ko-KR" altLang="en-US" b="0" i="0" dirty="0">
+                <a:solidFill>
+                  <a:srgbClr val="000000"/>
+                </a:solidFill>
+                <a:effectLst/>
+                <a:latin typeface="DINPro"/>
+              </a:rPr>
+              <a:t>장의 이미지가 필요했다 한다</a:t>
+            </a:r>
+            <a:r>
+              <a:rPr lang="en-US" altLang="ko-KR" b="0" i="0" dirty="0">
+                <a:solidFill>
+                  <a:srgbClr val="000000"/>
+                </a:solidFill>
+                <a:effectLst/>
+                <a:latin typeface="DINPro"/>
+              </a:rPr>
+              <a:t>.</a:t>
+            </a:r>
+          </a:p>
+          <a:p>
+            <a:pPr marL="0" indent="0">
+              <a:buNone/>
+            </a:pPr>
+            <a:endParaRPr lang="en-US" altLang="ko-KR" b="0" i="0" dirty="0">
+              <a:solidFill>
+                <a:srgbClr val="000000"/>
+              </a:solidFill>
+              <a:effectLst/>
+              <a:latin typeface="DINPro"/>
+            </a:endParaRPr>
+          </a:p>
+          <a:p>
+            <a:pPr marL="0" indent="0">
+              <a:buNone/>
+            </a:pPr>
+            <a:r>
+              <a:rPr lang="ko-KR" altLang="en-US" b="0" i="0" dirty="0" err="1">
+                <a:solidFill>
+                  <a:srgbClr val="000000"/>
+                </a:solidFill>
+                <a:effectLst/>
+                <a:latin typeface="DINPro"/>
+              </a:rPr>
+              <a:t>캘리브래이션을</a:t>
+            </a:r>
+            <a:r>
+              <a:rPr lang="ko-KR" altLang="en-US" b="0" i="0" dirty="0">
+                <a:solidFill>
+                  <a:srgbClr val="000000"/>
+                </a:solidFill>
+                <a:effectLst/>
+                <a:latin typeface="DINPro"/>
+              </a:rPr>
+              <a:t> 위해서는 앞서 설명했던 </a:t>
+            </a:r>
+            <a:r>
+              <a:rPr lang="en-US" altLang="ko-KR" b="0" i="0" dirty="0">
+                <a:solidFill>
+                  <a:srgbClr val="000000"/>
+                </a:solidFill>
+                <a:effectLst/>
+                <a:latin typeface="DINPro"/>
+              </a:rPr>
+              <a:t>4</a:t>
+            </a:r>
+            <a:r>
+              <a:rPr lang="ko-KR" altLang="en-US" b="0" i="0" dirty="0">
+                <a:solidFill>
+                  <a:srgbClr val="000000"/>
+                </a:solidFill>
+                <a:effectLst/>
+                <a:latin typeface="DINPro"/>
+              </a:rPr>
+              <a:t>가지 </a:t>
+            </a:r>
+            <a:r>
+              <a:rPr lang="ko-KR" altLang="en-US" b="0" i="0" dirty="0" err="1">
+                <a:solidFill>
+                  <a:srgbClr val="000000"/>
+                </a:solidFill>
+                <a:effectLst/>
+                <a:latin typeface="DINPro"/>
+              </a:rPr>
+              <a:t>방식중에서</a:t>
+            </a:r>
+            <a:r>
+              <a:rPr lang="en-US" altLang="ko-KR" b="0" i="0" dirty="0">
+                <a:solidFill>
+                  <a:srgbClr val="000000"/>
+                </a:solidFill>
+                <a:effectLst/>
+                <a:latin typeface="DINPro"/>
+              </a:rPr>
+              <a:t>, Entropy Calibrator2</a:t>
+            </a:r>
+            <a:r>
+              <a:rPr lang="ko-KR" altLang="en-US" b="0" i="0" dirty="0">
+                <a:solidFill>
+                  <a:srgbClr val="000000"/>
+                </a:solidFill>
+                <a:effectLst/>
+                <a:latin typeface="DINPro"/>
+              </a:rPr>
+              <a:t>를 </a:t>
+            </a:r>
+            <a:r>
+              <a:rPr lang="en-US" altLang="ko-KR" b="0" i="0" dirty="0">
+                <a:solidFill>
+                  <a:srgbClr val="000000"/>
+                </a:solidFill>
+                <a:effectLst/>
+                <a:latin typeface="DINPro"/>
+              </a:rPr>
+              <a:t>CNN</a:t>
+            </a:r>
+            <a:r>
+              <a:rPr lang="ko-KR" altLang="en-US" b="0" i="0" dirty="0">
+                <a:solidFill>
+                  <a:srgbClr val="000000"/>
+                </a:solidFill>
+                <a:effectLst/>
+                <a:latin typeface="DINPro"/>
+              </a:rPr>
+              <a:t>에서 주로 쓰는데</a:t>
+            </a:r>
+            <a:r>
+              <a:rPr lang="en-US" altLang="ko-KR" b="0" i="0" dirty="0">
+                <a:solidFill>
+                  <a:srgbClr val="000000"/>
+                </a:solidFill>
+                <a:effectLst/>
+                <a:latin typeface="DINPro"/>
+              </a:rPr>
+              <a:t>, </a:t>
+            </a:r>
+            <a:r>
+              <a:rPr lang="en-US" altLang="ko-KR" b="0" i="0" dirty="0" err="1">
+                <a:solidFill>
+                  <a:srgbClr val="000000"/>
+                </a:solidFill>
+                <a:effectLst/>
+                <a:latin typeface="DINPro"/>
+              </a:rPr>
+              <a:t>Pytorch</a:t>
+            </a:r>
+            <a:r>
+              <a:rPr lang="ko-KR" altLang="en-US" b="0" i="0" dirty="0">
+                <a:solidFill>
+                  <a:srgbClr val="000000"/>
+                </a:solidFill>
+                <a:effectLst/>
+                <a:latin typeface="DINPro"/>
+              </a:rPr>
+              <a:t>에서와 차이점이</a:t>
+            </a:r>
+            <a:r>
+              <a:rPr lang="en-US" altLang="ko-KR" b="0" i="0" dirty="0">
+                <a:solidFill>
+                  <a:srgbClr val="000000"/>
+                </a:solidFill>
+                <a:effectLst/>
+                <a:latin typeface="DINPro"/>
+              </a:rPr>
+              <a:t>, Calibration</a:t>
+            </a:r>
+            <a:r>
+              <a:rPr lang="ko-KR" altLang="en-US" b="0" i="0" dirty="0">
+                <a:solidFill>
+                  <a:srgbClr val="000000"/>
+                </a:solidFill>
+                <a:effectLst/>
+                <a:latin typeface="DINPro"/>
+              </a:rPr>
+              <a:t>을 </a:t>
+            </a:r>
+            <a:r>
+              <a:rPr lang="en-US" altLang="ko-KR" b="0" i="0" dirty="0">
+                <a:solidFill>
+                  <a:srgbClr val="000000"/>
+                </a:solidFill>
+                <a:effectLst/>
+                <a:latin typeface="DINPro"/>
+              </a:rPr>
+              <a:t>Layer Fusion </a:t>
+            </a:r>
+            <a:r>
+              <a:rPr lang="ko-KR" altLang="en-US" b="0" i="0" dirty="0">
+                <a:solidFill>
+                  <a:srgbClr val="000000"/>
+                </a:solidFill>
+                <a:effectLst/>
+                <a:latin typeface="DINPro"/>
+              </a:rPr>
+              <a:t>전에 한다는 점이었습니다</a:t>
+            </a:r>
+            <a:r>
+              <a:rPr lang="en-US" altLang="ko-KR" b="0" i="0" dirty="0">
+                <a:solidFill>
+                  <a:srgbClr val="000000"/>
+                </a:solidFill>
+                <a:effectLst/>
+                <a:latin typeface="DINPro"/>
+              </a:rPr>
+              <a:t>.</a:t>
+            </a:r>
+          </a:p>
+          <a:p>
+            <a:pPr marL="0" indent="0">
+              <a:buNone/>
+            </a:pPr>
+            <a:endParaRPr lang="en-US" altLang="ko-KR" b="0" i="0" dirty="0">
+              <a:solidFill>
+                <a:srgbClr val="000000"/>
+              </a:solidFill>
+              <a:effectLst/>
+              <a:latin typeface="DINPro"/>
+            </a:endParaRPr>
+          </a:p>
+          <a:p>
+            <a:pPr marL="0" indent="0">
+              <a:buNone/>
+            </a:pPr>
+            <a:r>
+              <a:rPr lang="en-US" altLang="ko-KR" b="0" i="0" dirty="0" err="1">
+                <a:solidFill>
+                  <a:srgbClr val="000000"/>
+                </a:solidFill>
+                <a:effectLst/>
+                <a:latin typeface="DINPro"/>
+              </a:rPr>
+              <a:t>TensorRT</a:t>
+            </a:r>
+            <a:r>
+              <a:rPr lang="ko-KR" altLang="en-US" b="0" i="0" dirty="0">
+                <a:solidFill>
+                  <a:srgbClr val="000000"/>
+                </a:solidFill>
+                <a:effectLst/>
+                <a:latin typeface="DINPro"/>
+              </a:rPr>
+              <a:t>에서 </a:t>
+            </a:r>
+            <a:r>
+              <a:rPr lang="en-US" altLang="ko-KR" b="0" i="0" dirty="0">
+                <a:solidFill>
+                  <a:srgbClr val="000000"/>
+                </a:solidFill>
+                <a:effectLst/>
+                <a:latin typeface="DINPro"/>
+              </a:rPr>
+              <a:t>Calibration</a:t>
+            </a:r>
+            <a:r>
+              <a:rPr lang="ko-KR" altLang="en-US" b="0" i="0" dirty="0">
+                <a:solidFill>
+                  <a:srgbClr val="000000"/>
+                </a:solidFill>
+                <a:effectLst/>
+                <a:latin typeface="DINPro"/>
+              </a:rPr>
+              <a:t>은 위의 </a:t>
+            </a:r>
+            <a:r>
+              <a:rPr lang="en-US" altLang="ko-KR" b="0" i="0" dirty="0">
+                <a:solidFill>
+                  <a:srgbClr val="000000"/>
+                </a:solidFill>
+                <a:effectLst/>
+                <a:latin typeface="DINPro"/>
+              </a:rPr>
+              <a:t>Flow</a:t>
+            </a:r>
+            <a:r>
+              <a:rPr lang="ko-KR" altLang="en-US" b="0" i="0" dirty="0">
+                <a:solidFill>
+                  <a:srgbClr val="000000"/>
+                </a:solidFill>
+                <a:effectLst/>
+                <a:latin typeface="DINPro"/>
+              </a:rPr>
+              <a:t>로 진행하며 디폴트 캘리브레이션 방식은 </a:t>
+            </a:r>
+            <a:r>
+              <a:rPr lang="en-US" altLang="ko-KR" b="0" i="0" dirty="0">
+                <a:solidFill>
+                  <a:srgbClr val="000000"/>
+                </a:solidFill>
+                <a:effectLst/>
+                <a:latin typeface="DINPro"/>
+              </a:rPr>
+              <a:t>Entropy</a:t>
+            </a:r>
+            <a:r>
+              <a:rPr lang="ko-KR" altLang="en-US" b="0" i="0" dirty="0">
+                <a:solidFill>
+                  <a:srgbClr val="000000"/>
+                </a:solidFill>
+                <a:effectLst/>
+                <a:latin typeface="DINPro"/>
+              </a:rPr>
+              <a:t>입니다</a:t>
+            </a:r>
+            <a:r>
+              <a:rPr lang="en-US" altLang="ko-KR" b="0" i="0" dirty="0">
+                <a:solidFill>
+                  <a:srgbClr val="000000"/>
+                </a:solidFill>
+                <a:effectLst/>
+                <a:latin typeface="DINPro"/>
+              </a:rPr>
+              <a:t>.</a:t>
+            </a:r>
+          </a:p>
+          <a:p>
+            <a:pPr marL="0" indent="0">
+              <a:buNone/>
+            </a:pPr>
+            <a:endParaRPr lang="en-US" altLang="ko-KR" b="0" i="0" dirty="0">
+              <a:solidFill>
+                <a:srgbClr val="000000"/>
+              </a:solidFill>
+              <a:effectLst/>
+              <a:latin typeface="DINPro"/>
+            </a:endParaRPr>
+          </a:p>
+          <a:p>
+            <a:pPr marL="0" indent="0">
+              <a:buNone/>
+            </a:pPr>
+            <a:endParaRPr lang="en-US" altLang="ko-KR" b="0" i="0" dirty="0">
+              <a:solidFill>
+                <a:srgbClr val="000000"/>
+              </a:solidFill>
+              <a:effectLst/>
+              <a:latin typeface="DINPro"/>
+            </a:endParaRPr>
+          </a:p>
+          <a:p>
+            <a:pPr marL="0" indent="0">
+              <a:buNone/>
+            </a:pPr>
+            <a:r>
+              <a:rPr lang="en-US" altLang="ko-KR" b="0" i="0" dirty="0">
+                <a:solidFill>
+                  <a:srgbClr val="000000"/>
+                </a:solidFill>
+                <a:effectLst/>
+                <a:latin typeface="DINPro"/>
+              </a:rPr>
+              <a:t>-------------------------------------</a:t>
+            </a:r>
+          </a:p>
+          <a:p>
+            <a:pPr marL="0" indent="0">
+              <a:buNone/>
+            </a:pPr>
+            <a:endParaRPr lang="en-US" altLang="ko-KR" b="0" i="0" dirty="0">
+              <a:solidFill>
+                <a:srgbClr val="000000"/>
+              </a:solidFill>
+              <a:effectLst/>
+              <a:latin typeface="DINPro"/>
+            </a:endParaRPr>
+          </a:p>
+          <a:p>
+            <a:pPr marL="0" indent="0">
+              <a:buNone/>
+            </a:pPr>
+            <a:endParaRPr lang="en-US" altLang="ko-KR" b="0" i="0" dirty="0">
+              <a:solidFill>
+                <a:srgbClr val="000000"/>
+              </a:solidFill>
+              <a:effectLst/>
+              <a:latin typeface="DINPro"/>
+            </a:endParaRPr>
+          </a:p>
+          <a:p>
+            <a:pPr marL="0" indent="0">
+              <a:buNone/>
+            </a:pPr>
+            <a:r>
+              <a:rPr lang="ko-KR" altLang="en-US" b="0" i="0" dirty="0">
+                <a:solidFill>
+                  <a:srgbClr val="000000"/>
+                </a:solidFill>
+                <a:effectLst/>
+                <a:latin typeface="noto"/>
+              </a:rPr>
+              <a:t>이름에서 알 수 있듯이 </a:t>
+            </a:r>
+            <a:r>
+              <a:rPr lang="en-US" altLang="ko-KR" b="0" i="0" dirty="0">
+                <a:solidFill>
+                  <a:srgbClr val="000000"/>
+                </a:solidFill>
+                <a:effectLst/>
+                <a:latin typeface="noto"/>
+              </a:rPr>
+              <a:t>PTQ</a:t>
+            </a:r>
+            <a:r>
+              <a:rPr lang="ko-KR" altLang="en-US" b="0" i="0" dirty="0">
+                <a:solidFill>
+                  <a:srgbClr val="000000"/>
+                </a:solidFill>
+                <a:effectLst/>
+                <a:latin typeface="noto"/>
+              </a:rPr>
+              <a:t>는 </a:t>
+            </a:r>
+            <a:r>
+              <a:rPr lang="ko-KR" altLang="en-US" b="0" i="0" dirty="0" err="1">
+                <a:solidFill>
+                  <a:srgbClr val="000000"/>
+                </a:solidFill>
+                <a:effectLst/>
+                <a:latin typeface="noto"/>
+              </a:rPr>
+              <a:t>고정밀</a:t>
+            </a:r>
+            <a:r>
+              <a:rPr lang="ko-KR" altLang="en-US" b="0" i="0" dirty="0">
+                <a:solidFill>
+                  <a:srgbClr val="000000"/>
+                </a:solidFill>
+                <a:effectLst/>
+                <a:latin typeface="noto"/>
+              </a:rPr>
+              <a:t> 모델을 학습한 후에 수행된다</a:t>
+            </a:r>
+            <a:r>
+              <a:rPr lang="en-US" altLang="ko-KR" b="0" i="0" dirty="0">
+                <a:solidFill>
+                  <a:srgbClr val="000000"/>
+                </a:solidFill>
+                <a:effectLst/>
+                <a:latin typeface="noto"/>
+              </a:rPr>
+              <a:t>. PTQ</a:t>
+            </a:r>
+            <a:r>
+              <a:rPr lang="ko-KR" altLang="en-US" b="0" i="0" dirty="0">
+                <a:solidFill>
+                  <a:srgbClr val="000000"/>
+                </a:solidFill>
+                <a:effectLst/>
+                <a:latin typeface="noto"/>
+              </a:rPr>
+              <a:t>를 사용하면 가중치를 </a:t>
+            </a:r>
+            <a:r>
+              <a:rPr lang="ko-KR" altLang="en-US" b="0" i="0" dirty="0" err="1">
+                <a:solidFill>
+                  <a:srgbClr val="000000"/>
+                </a:solidFill>
+                <a:effectLst/>
+                <a:latin typeface="noto"/>
+              </a:rPr>
+              <a:t>양자화하는</a:t>
+            </a:r>
+            <a:r>
+              <a:rPr lang="ko-KR" altLang="en-US" b="0" i="0" dirty="0">
+                <a:solidFill>
+                  <a:srgbClr val="000000"/>
+                </a:solidFill>
+                <a:effectLst/>
+                <a:latin typeface="noto"/>
+              </a:rPr>
+              <a:t> 것이 쉽습니다</a:t>
+            </a:r>
+            <a:r>
+              <a:rPr lang="en-US" altLang="ko-KR" b="0" i="0" dirty="0">
+                <a:solidFill>
+                  <a:srgbClr val="000000"/>
+                </a:solidFill>
+                <a:effectLst/>
+                <a:latin typeface="noto"/>
+              </a:rPr>
+              <a:t>. </a:t>
+            </a:r>
+            <a:r>
+              <a:rPr lang="ko-KR" altLang="en-US" b="0" i="0" dirty="0">
+                <a:solidFill>
+                  <a:srgbClr val="000000"/>
+                </a:solidFill>
+                <a:effectLst/>
+                <a:latin typeface="noto"/>
+              </a:rPr>
+              <a:t>체중 </a:t>
+            </a:r>
+            <a:r>
+              <a:rPr lang="ko-KR" altLang="en-US" b="0" i="0" dirty="0" err="1">
+                <a:solidFill>
+                  <a:srgbClr val="000000"/>
+                </a:solidFill>
+                <a:effectLst/>
+                <a:latin typeface="noto"/>
+              </a:rPr>
+              <a:t>텐서에</a:t>
+            </a:r>
+            <a:r>
+              <a:rPr lang="ko-KR" altLang="en-US" b="0" i="0" dirty="0">
+                <a:solidFill>
+                  <a:srgbClr val="000000"/>
+                </a:solidFill>
+                <a:effectLst/>
+                <a:latin typeface="noto"/>
+              </a:rPr>
+              <a:t> 액세스할 수 있으며 체중 </a:t>
+            </a:r>
+            <a:r>
+              <a:rPr lang="ko-KR" altLang="en-US" b="0" i="0" dirty="0" err="1">
+                <a:solidFill>
+                  <a:srgbClr val="000000"/>
+                </a:solidFill>
+                <a:effectLst/>
+                <a:latin typeface="noto"/>
+              </a:rPr>
+              <a:t>텐서의</a:t>
+            </a:r>
+            <a:r>
+              <a:rPr lang="ko-KR" altLang="en-US" b="0" i="0" dirty="0">
+                <a:solidFill>
+                  <a:srgbClr val="000000"/>
+                </a:solidFill>
+                <a:effectLst/>
+                <a:latin typeface="noto"/>
+              </a:rPr>
+              <a:t> 분포를 측정할 수 있습니다</a:t>
+            </a:r>
+            <a:r>
+              <a:rPr lang="en-US" altLang="ko-KR" b="0" i="0" dirty="0">
+                <a:solidFill>
+                  <a:srgbClr val="000000"/>
+                </a:solidFill>
+                <a:effectLst/>
+                <a:latin typeface="noto"/>
+              </a:rPr>
+              <a:t>. </a:t>
+            </a:r>
+            <a:r>
+              <a:rPr lang="ko-KR" altLang="en-US" b="0" i="0" dirty="0">
+                <a:solidFill>
+                  <a:srgbClr val="000000"/>
+                </a:solidFill>
+                <a:effectLst/>
+                <a:latin typeface="noto"/>
+              </a:rPr>
+              <a:t>활성화 분포를 실제 입력 데이터를 사용하여 측정해야 하므로 활성화의 양자화는 더 어렵다</a:t>
+            </a:r>
+            <a:r>
+              <a:rPr lang="en-US" altLang="ko-KR" b="0" i="0" dirty="0">
+                <a:solidFill>
+                  <a:srgbClr val="000000"/>
+                </a:solidFill>
+                <a:effectLst/>
+                <a:latin typeface="noto"/>
+              </a:rPr>
+              <a:t>.</a:t>
+            </a:r>
+            <a:br>
+              <a:rPr lang="ko-KR" altLang="en-US" dirty="0"/>
+            </a:br>
+            <a:br>
+              <a:rPr lang="ko-KR" altLang="en-US" dirty="0"/>
+            </a:br>
+            <a:r>
+              <a:rPr lang="ko-KR" altLang="en-US" b="0" i="0" dirty="0">
+                <a:solidFill>
+                  <a:srgbClr val="000000"/>
+                </a:solidFill>
+                <a:effectLst/>
+                <a:latin typeface="noto"/>
+              </a:rPr>
+              <a:t>이를 위해 훈련된 부동소수점 모델은 작업의 실제 입력 데이터를 대표하는 작은 데이터 세트를 사용하여 평가되고 계층 간 활성화 분포에 대한 통계가 수집된다</a:t>
+            </a:r>
+            <a:r>
+              <a:rPr lang="en-US" altLang="ko-KR" b="0" i="0" dirty="0">
+                <a:solidFill>
+                  <a:srgbClr val="000000"/>
+                </a:solidFill>
+                <a:effectLst/>
+                <a:latin typeface="noto"/>
+              </a:rPr>
+              <a:t>. </a:t>
+            </a:r>
+            <a:r>
+              <a:rPr lang="ko-KR" altLang="en-US" b="0" i="0" dirty="0">
+                <a:solidFill>
+                  <a:srgbClr val="000000"/>
+                </a:solidFill>
+                <a:effectLst/>
+                <a:latin typeface="noto"/>
+              </a:rPr>
+              <a:t>마지막 단계로</a:t>
+            </a:r>
+            <a:r>
+              <a:rPr lang="en-US" altLang="ko-KR" b="0" i="0" dirty="0">
+                <a:solidFill>
+                  <a:srgbClr val="000000"/>
+                </a:solidFill>
+                <a:effectLst/>
+                <a:latin typeface="noto"/>
+              </a:rPr>
+              <a:t>, </a:t>
+            </a:r>
+            <a:r>
+              <a:rPr lang="ko-KR" altLang="en-US" b="0" i="0" dirty="0">
+                <a:solidFill>
+                  <a:srgbClr val="000000"/>
+                </a:solidFill>
+                <a:effectLst/>
+                <a:latin typeface="noto"/>
+              </a:rPr>
+              <a:t>모델의 활성화 </a:t>
+            </a:r>
+            <a:r>
+              <a:rPr lang="ko-KR" altLang="en-US" b="0" i="0" dirty="0" err="1">
+                <a:solidFill>
+                  <a:srgbClr val="000000"/>
+                </a:solidFill>
+                <a:effectLst/>
+                <a:latin typeface="noto"/>
+              </a:rPr>
+              <a:t>텐서의</a:t>
+            </a:r>
+            <a:r>
+              <a:rPr lang="ko-KR" altLang="en-US" b="0" i="0" dirty="0">
+                <a:solidFill>
+                  <a:srgbClr val="000000"/>
+                </a:solidFill>
+                <a:effectLst/>
+                <a:latin typeface="noto"/>
+              </a:rPr>
+              <a:t> 양자화 스케일은 여러 최적화 목표 중 하나를 사용하여 결정된다</a:t>
+            </a:r>
+            <a:r>
+              <a:rPr lang="en-US" altLang="ko-KR" b="0" i="0" dirty="0">
+                <a:solidFill>
+                  <a:srgbClr val="000000"/>
+                </a:solidFill>
+                <a:effectLst/>
+                <a:latin typeface="noto"/>
+              </a:rPr>
+              <a:t>. </a:t>
+            </a:r>
+            <a:r>
+              <a:rPr lang="ko-KR" altLang="en-US" b="0" i="0" dirty="0">
+                <a:solidFill>
+                  <a:srgbClr val="000000"/>
+                </a:solidFill>
+                <a:effectLst/>
+                <a:latin typeface="noto"/>
+              </a:rPr>
+              <a:t>이 프로세스는 교정이며 사용되는 대표적인 데이터 세트는 교정 데이터 세트이다</a:t>
+            </a:r>
+            <a:r>
+              <a:rPr lang="en-US" altLang="ko-KR" b="0" i="0" dirty="0">
+                <a:solidFill>
+                  <a:srgbClr val="000000"/>
+                </a:solidFill>
+                <a:effectLst/>
+                <a:latin typeface="noto"/>
+              </a:rPr>
+              <a:t>.</a:t>
+            </a:r>
+            <a:endParaRPr lang="en-US" altLang="ko-KR" b="0" i="0" dirty="0">
+              <a:solidFill>
+                <a:srgbClr val="000000"/>
+              </a:solidFill>
+              <a:effectLst/>
+              <a:latin typeface="DINPro"/>
+            </a:endParaRPr>
+          </a:p>
         </p:txBody>
       </p:sp>
       <p:sp>
@@ -4570,7 +6533,7 @@
     </p:spTree>
     <p:extLst>
       <p:ext uri="{BB962C8B-B14F-4D97-AF65-F5344CB8AC3E}">
-        <p14:creationId xmlns:p14="http://schemas.microsoft.com/office/powerpoint/2010/main" val="3308444867"/>
+        <p14:creationId xmlns:p14="http://schemas.microsoft.com/office/powerpoint/2010/main" val="1598334414"/>
       </p:ext>
     </p:extLst>
   </p:cSld>
@@ -4627,6 +6590,121 @@
             <a:pPr marL="0" indent="0">
               <a:buNone/>
             </a:pPr>
+            <a:r>
+              <a:rPr lang="ko-KR" altLang="en-US" b="0" i="0" dirty="0">
+                <a:solidFill>
+                  <a:srgbClr val="000000"/>
+                </a:solidFill>
+                <a:effectLst/>
+                <a:latin typeface="DINPro"/>
+              </a:rPr>
+              <a:t>그리고</a:t>
+            </a:r>
+            <a:r>
+              <a:rPr lang="en-US" altLang="ko-KR" b="0" i="0" dirty="0">
+                <a:solidFill>
+                  <a:srgbClr val="000000"/>
+                </a:solidFill>
+                <a:effectLst/>
+                <a:latin typeface="DINPro"/>
+              </a:rPr>
+              <a:t>, </a:t>
+            </a:r>
+            <a:r>
+              <a:rPr lang="en-US" altLang="ko-KR" b="0" i="0" dirty="0" err="1">
+                <a:solidFill>
+                  <a:srgbClr val="000000"/>
+                </a:solidFill>
+                <a:effectLst/>
+                <a:latin typeface="DINPro"/>
+              </a:rPr>
+              <a:t>TensorRT</a:t>
+            </a:r>
+            <a:r>
+              <a:rPr lang="ko-KR" altLang="en-US" b="0" i="0" dirty="0">
+                <a:solidFill>
+                  <a:srgbClr val="000000"/>
+                </a:solidFill>
+                <a:effectLst/>
+                <a:latin typeface="DINPro"/>
+              </a:rPr>
+              <a:t>에서는 </a:t>
+            </a:r>
+            <a:r>
+              <a:rPr lang="ko-KR" altLang="en-US" b="0" i="0" dirty="0" err="1">
+                <a:solidFill>
+                  <a:srgbClr val="000000"/>
+                </a:solidFill>
+                <a:effectLst/>
+                <a:latin typeface="DINPro"/>
+              </a:rPr>
+              <a:t>색다로웠던</a:t>
+            </a:r>
+            <a:r>
+              <a:rPr lang="ko-KR" altLang="en-US" b="0" i="0" dirty="0">
+                <a:solidFill>
+                  <a:srgbClr val="000000"/>
+                </a:solidFill>
+                <a:effectLst/>
+                <a:latin typeface="DINPro"/>
+              </a:rPr>
+              <a:t> 것은 암시적 양자화가 있는 신경망의 경우에는 </a:t>
+            </a:r>
+            <a:r>
+              <a:rPr lang="ko-KR" altLang="en-US" b="0" i="0" dirty="0" err="1">
+                <a:solidFill>
+                  <a:srgbClr val="000000"/>
+                </a:solidFill>
+                <a:effectLst/>
+                <a:latin typeface="DINPro"/>
+              </a:rPr>
+              <a:t>출력단</a:t>
+            </a:r>
+            <a:r>
+              <a:rPr lang="ko-KR" altLang="en-US" b="0" i="0" dirty="0">
+                <a:solidFill>
+                  <a:srgbClr val="000000"/>
+                </a:solidFill>
+                <a:effectLst/>
+                <a:latin typeface="DINPro"/>
+              </a:rPr>
+              <a:t> 근처 레이어를 </a:t>
+            </a:r>
+            <a:r>
+              <a:rPr lang="en-US" altLang="ko-KR" b="0" i="0" dirty="0">
+                <a:solidFill>
+                  <a:srgbClr val="000000"/>
+                </a:solidFill>
+                <a:effectLst/>
+                <a:latin typeface="DINPro"/>
+              </a:rPr>
+              <a:t>FP32</a:t>
+            </a:r>
+            <a:r>
+              <a:rPr lang="ko-KR" altLang="en-US" b="0" i="0" dirty="0">
+                <a:solidFill>
+                  <a:srgbClr val="000000"/>
+                </a:solidFill>
+                <a:effectLst/>
+                <a:latin typeface="DINPro"/>
+              </a:rPr>
+              <a:t>에서 강제 실행하여 출력의 양자화 노이즈를 줄이려고 시도하고 있었습니다</a:t>
+            </a:r>
+            <a:r>
+              <a:rPr lang="en-US" altLang="ko-KR" b="0" i="0" dirty="0">
+                <a:solidFill>
+                  <a:srgbClr val="000000"/>
+                </a:solidFill>
+                <a:effectLst/>
+                <a:latin typeface="DINPro"/>
+              </a:rPr>
+              <a:t>.</a:t>
+            </a:r>
+          </a:p>
+          <a:p>
+            <a:pPr marL="0" indent="0">
+              <a:buNone/>
+            </a:pPr>
             <a:endParaRPr lang="en-US" altLang="ko-KR" b="0" i="0" dirty="0">
               <a:solidFill>
                 <a:srgbClr val="000000"/>
@@ -4635,6 +6713,298 @@
               <a:latin typeface="DINPro"/>
             </a:endParaRPr>
           </a:p>
+          <a:p>
+            <a:pPr marL="0" indent="0">
+              <a:buNone/>
+            </a:pPr>
+            <a:r>
+              <a:rPr lang="ko-KR" altLang="en-US" b="0" i="0" dirty="0">
+                <a:solidFill>
+                  <a:srgbClr val="000000"/>
+                </a:solidFill>
+                <a:effectLst/>
+                <a:latin typeface="DINPro"/>
+              </a:rPr>
+              <a:t>그리고</a:t>
+            </a:r>
+            <a:r>
+              <a:rPr lang="en-US" altLang="ko-KR" b="0" i="0" dirty="0">
+                <a:solidFill>
+                  <a:srgbClr val="000000"/>
+                </a:solidFill>
+                <a:effectLst/>
+                <a:latin typeface="DINPro"/>
+              </a:rPr>
+              <a:t>, </a:t>
+            </a:r>
+            <a:r>
+              <a:rPr lang="ko-KR" altLang="en-US" b="0" i="0" dirty="0">
+                <a:solidFill>
+                  <a:srgbClr val="000000"/>
+                </a:solidFill>
+                <a:effectLst/>
+                <a:latin typeface="DINPro"/>
+              </a:rPr>
+              <a:t>암시적 양자화와 명시적 양자화를 구분하고 있었는데</a:t>
+            </a:r>
+            <a:r>
+              <a:rPr lang="en-US" altLang="ko-KR" b="0" i="0" dirty="0">
+                <a:solidFill>
+                  <a:srgbClr val="000000"/>
+                </a:solidFill>
+                <a:effectLst/>
+                <a:latin typeface="DINPro"/>
+              </a:rPr>
+              <a:t>,</a:t>
+            </a:r>
+          </a:p>
+          <a:p>
+            <a:pPr marL="0" indent="0">
+              <a:buNone/>
+            </a:pPr>
+            <a:endParaRPr lang="en-US" altLang="ko-KR" b="0" i="0" dirty="0">
+              <a:solidFill>
+                <a:srgbClr val="000000"/>
+              </a:solidFill>
+              <a:effectLst/>
+              <a:latin typeface="DINPro"/>
+            </a:endParaRPr>
+          </a:p>
+          <a:p>
+            <a:pPr marL="0" indent="0">
+              <a:buNone/>
+            </a:pPr>
+            <a:r>
+              <a:rPr lang="ko-KR" altLang="en-US" b="0" i="0" dirty="0">
+                <a:solidFill>
+                  <a:srgbClr val="000000"/>
+                </a:solidFill>
+                <a:effectLst/>
+                <a:latin typeface="DINPro"/>
+              </a:rPr>
+              <a:t>명시적 양자화는 암시적 양자화와 대조적으로 </a:t>
+            </a:r>
+            <a:r>
+              <a:rPr lang="en-US" altLang="ko-KR" b="0" i="0" dirty="0">
+                <a:solidFill>
+                  <a:srgbClr val="000000"/>
+                </a:solidFill>
+                <a:effectLst/>
+                <a:latin typeface="DINPro"/>
+              </a:rPr>
+              <a:t>INT8</a:t>
+            </a:r>
+            <a:r>
+              <a:rPr lang="ko-KR" altLang="en-US" b="0" i="0" dirty="0">
+                <a:solidFill>
+                  <a:srgbClr val="000000"/>
+                </a:solidFill>
+                <a:effectLst/>
+                <a:latin typeface="DINPro"/>
+              </a:rPr>
+              <a:t>로의 변환이 수행되는 위치를 명확히 지정하는 것이며</a:t>
+            </a:r>
+            <a:endParaRPr lang="en-US" altLang="ko-KR" b="0" i="0" dirty="0">
+              <a:solidFill>
+                <a:srgbClr val="000000"/>
+              </a:solidFill>
+              <a:effectLst/>
+              <a:latin typeface="DINPro"/>
+            </a:endParaRPr>
+          </a:p>
+          <a:p>
+            <a:pPr marL="0" indent="0">
+              <a:buNone/>
+            </a:pPr>
+            <a:endParaRPr lang="en-US" altLang="ko-KR" b="0" i="0" dirty="0">
+              <a:solidFill>
+                <a:srgbClr val="000000"/>
+              </a:solidFill>
+              <a:effectLst/>
+              <a:latin typeface="DINPro"/>
+            </a:endParaRPr>
+          </a:p>
+          <a:p>
+            <a:pPr marL="0" indent="0">
+              <a:buNone/>
+            </a:pPr>
+            <a:r>
+              <a:rPr lang="ko-KR" altLang="en-US" b="0" i="0" dirty="0">
+                <a:solidFill>
+                  <a:srgbClr val="000000"/>
+                </a:solidFill>
+                <a:effectLst/>
+                <a:latin typeface="DINPro"/>
+              </a:rPr>
+              <a:t>암시적으로 양자화된 신경망에 대해 </a:t>
+            </a:r>
+            <a:r>
+              <a:rPr lang="en-US" altLang="ko-KR" b="0" i="0" dirty="0" err="1">
+                <a:solidFill>
+                  <a:srgbClr val="000000"/>
+                </a:solidFill>
+                <a:effectLst/>
+                <a:latin typeface="DINPro"/>
+              </a:rPr>
+              <a:t>TensorRT</a:t>
+            </a:r>
+            <a:r>
+              <a:rPr lang="ko-KR" altLang="en-US" b="0" i="0" dirty="0">
+                <a:solidFill>
+                  <a:srgbClr val="000000"/>
+                </a:solidFill>
+                <a:effectLst/>
+                <a:latin typeface="DINPro"/>
+              </a:rPr>
+              <a:t>에서는 성능에 대해서만 최적화를 진행하여 어느 특정한 레이어가 </a:t>
+            </a:r>
+            <a:r>
+              <a:rPr lang="en-US" altLang="ko-KR" b="0" i="0" dirty="0">
+                <a:solidFill>
+                  <a:srgbClr val="000000"/>
+                </a:solidFill>
+                <a:effectLst/>
+                <a:latin typeface="DINPro"/>
+              </a:rPr>
+              <a:t>INT8</a:t>
+            </a:r>
+            <a:r>
+              <a:rPr lang="ko-KR" altLang="en-US" b="0" i="0" dirty="0">
+                <a:solidFill>
+                  <a:srgbClr val="000000"/>
+                </a:solidFill>
+                <a:effectLst/>
+                <a:latin typeface="DINPro"/>
+              </a:rPr>
+              <a:t>에서 더 빠르게 실행된다면 </a:t>
+            </a:r>
+            <a:r>
+              <a:rPr lang="en-US" altLang="ko-KR" b="0" i="0" dirty="0">
+                <a:solidFill>
+                  <a:srgbClr val="000000"/>
+                </a:solidFill>
+                <a:effectLst/>
+                <a:latin typeface="DINPro"/>
+              </a:rPr>
+              <a:t>INT8</a:t>
+            </a:r>
+            <a:r>
+              <a:rPr lang="ko-KR" altLang="en-US" b="0" i="0" dirty="0">
+                <a:solidFill>
+                  <a:srgbClr val="000000"/>
+                </a:solidFill>
+                <a:effectLst/>
+                <a:latin typeface="DINPro"/>
+              </a:rPr>
+              <a:t>에서 실행이 되고</a:t>
+            </a:r>
+            <a:r>
+              <a:rPr lang="en-US" altLang="ko-KR" b="0" i="0" dirty="0">
+                <a:solidFill>
+                  <a:srgbClr val="000000"/>
+                </a:solidFill>
+                <a:effectLst/>
+                <a:latin typeface="DINPro"/>
+              </a:rPr>
+              <a:t>, </a:t>
+            </a:r>
+            <a:r>
+              <a:rPr lang="ko-KR" altLang="en-US" b="0" i="0" dirty="0">
+                <a:solidFill>
+                  <a:srgbClr val="000000"/>
+                </a:solidFill>
+                <a:effectLst/>
+                <a:latin typeface="DINPro"/>
+              </a:rPr>
+              <a:t>그렇지 않으면 </a:t>
+            </a:r>
+            <a:r>
+              <a:rPr lang="en-US" altLang="ko-KR" b="0" i="0" dirty="0">
+                <a:solidFill>
+                  <a:srgbClr val="000000"/>
+                </a:solidFill>
+                <a:effectLst/>
+                <a:latin typeface="DINPro"/>
+              </a:rPr>
+              <a:t>FP16</a:t>
+            </a:r>
+            <a:r>
+              <a:rPr lang="ko-KR" altLang="en-US" b="0" i="0" dirty="0">
+                <a:solidFill>
+                  <a:srgbClr val="000000"/>
+                </a:solidFill>
+                <a:effectLst/>
+                <a:latin typeface="DINPro"/>
+              </a:rPr>
+              <a:t>혹은 </a:t>
+            </a:r>
+            <a:r>
+              <a:rPr lang="en-US" altLang="ko-KR" b="0" i="0" dirty="0">
+                <a:solidFill>
+                  <a:srgbClr val="000000"/>
+                </a:solidFill>
+                <a:effectLst/>
+                <a:latin typeface="DINPro"/>
+              </a:rPr>
+              <a:t>FP32</a:t>
+            </a:r>
+            <a:r>
+              <a:rPr lang="ko-KR" altLang="en-US" b="0" i="0" dirty="0">
+                <a:solidFill>
+                  <a:srgbClr val="000000"/>
+                </a:solidFill>
+                <a:effectLst/>
+                <a:latin typeface="DINPro"/>
+              </a:rPr>
+              <a:t>에서 실행이 되도록 하고 있었습니다</a:t>
+            </a:r>
+            <a:r>
+              <a:rPr lang="en-US" altLang="ko-KR" b="0" i="0" dirty="0">
+                <a:solidFill>
+                  <a:srgbClr val="000000"/>
+                </a:solidFill>
+                <a:effectLst/>
+                <a:latin typeface="DINPro"/>
+              </a:rPr>
+              <a:t>.</a:t>
+            </a:r>
+          </a:p>
+          <a:p>
+            <a:pPr marL="0" indent="0">
+              <a:buNone/>
+            </a:pPr>
+            <a:endParaRPr lang="en-US" altLang="ko-KR" b="0" i="0" dirty="0">
+              <a:solidFill>
+                <a:srgbClr val="000000"/>
+              </a:solidFill>
+              <a:effectLst/>
+              <a:latin typeface="DINPro"/>
+            </a:endParaRPr>
+          </a:p>
+          <a:p>
+            <a:pPr marL="0" indent="0">
+              <a:buNone/>
+            </a:pPr>
+            <a:endParaRPr lang="en-US" altLang="ko-KR" b="0" i="0" dirty="0">
+              <a:solidFill>
+                <a:srgbClr val="000000"/>
+              </a:solidFill>
+              <a:effectLst/>
+              <a:latin typeface="DINPro"/>
+            </a:endParaRPr>
+          </a:p>
+          <a:p>
+            <a:pPr marL="0" indent="0">
+              <a:buNone/>
+            </a:pPr>
+            <a:endParaRPr lang="en-US" altLang="ko-KR" b="0" i="0" dirty="0">
+              <a:solidFill>
+                <a:srgbClr val="000000"/>
+              </a:solidFill>
+              <a:effectLst/>
+              <a:latin typeface="DINPro"/>
+            </a:endParaRPr>
+          </a:p>
         </p:txBody>
       </p:sp>
       <p:sp>
@@ -4663,7 +7033,7 @@
     </p:spTree>
     <p:extLst>
       <p:ext uri="{BB962C8B-B14F-4D97-AF65-F5344CB8AC3E}">
-        <p14:creationId xmlns:p14="http://schemas.microsoft.com/office/powerpoint/2010/main" val="3597702348"/>
+        <p14:creationId xmlns:p14="http://schemas.microsoft.com/office/powerpoint/2010/main" val="3103951380"/>
       </p:ext>
     </p:extLst>
   </p:cSld>
@@ -4804,7 +7174,16 @@
           <a:bodyPr/>
           <a:lstStyle/>
           <a:p>
-            <a:endParaRPr lang="ko-KR" altLang="en-US" dirty="0"/>
+            <a:pPr marL="0" indent="0">
+              <a:buNone/>
+            </a:pPr>
+            <a:endParaRPr lang="en-US" altLang="ko-KR" b="0" i="0" dirty="0">
+              <a:solidFill>
+                <a:srgbClr val="000000"/>
+              </a:solidFill>
+              <a:effectLst/>
+              <a:latin typeface="DINPro"/>
+            </a:endParaRPr>
           </a:p>
         </p:txBody>
       </p:sp>
@@ -4834,7 +7213,7 @@
     </p:spTree>
     <p:extLst>
       <p:ext uri="{BB962C8B-B14F-4D97-AF65-F5344CB8AC3E}">
-        <p14:creationId xmlns:p14="http://schemas.microsoft.com/office/powerpoint/2010/main" val="3196305769"/>
+        <p14:creationId xmlns:p14="http://schemas.microsoft.com/office/powerpoint/2010/main" val="2024477550"/>
       </p:ext>
     </p:extLst>
   </p:cSld>
@@ -4888,15 +7267,689 @@
           <a:bodyPr/>
           <a:lstStyle/>
           <a:p>
-            <a:r>
-              <a:rPr lang="ko-KR" altLang="en-US" dirty="0"/>
-              <a:t>감사합니다</a:t>
-            </a:r>
-            <a:r>
-              <a:rPr lang="en-US" altLang="ko-KR" dirty="0"/>
+            <a:pPr marL="0" indent="0">
+              <a:buNone/>
+            </a:pPr>
+            <a:r>
+              <a:rPr lang="en-US" altLang="ko-KR" b="0" i="0" dirty="0">
+                <a:solidFill>
+                  <a:srgbClr val="000000"/>
+                </a:solidFill>
+                <a:effectLst/>
+                <a:latin typeface="DINPro"/>
+              </a:rPr>
+              <a:t>QAT</a:t>
+            </a:r>
+            <a:r>
+              <a:rPr lang="ko-KR" altLang="en-US" b="0" i="0" dirty="0">
+                <a:solidFill>
+                  <a:srgbClr val="000000"/>
+                </a:solidFill>
+                <a:effectLst/>
+                <a:latin typeface="DINPro"/>
+              </a:rPr>
+              <a:t>의 아이디어는 간단한데</a:t>
+            </a:r>
+            <a:r>
+              <a:rPr lang="en-US" altLang="ko-KR" b="0" i="0" dirty="0">
+                <a:solidFill>
+                  <a:srgbClr val="000000"/>
+                </a:solidFill>
+                <a:effectLst/>
+                <a:latin typeface="DINPro"/>
+              </a:rPr>
+              <a:t>, </a:t>
+            </a:r>
+            <a:r>
+              <a:rPr lang="ko-KR" altLang="en-US" b="0" i="0" dirty="0">
+                <a:solidFill>
+                  <a:srgbClr val="000000"/>
+                </a:solidFill>
+                <a:effectLst/>
+                <a:latin typeface="DINPro"/>
+              </a:rPr>
+              <a:t>훈련 단계에서 양자화 오류를 포함하여 학습한다는 것이다</a:t>
+            </a:r>
+            <a:r>
+              <a:rPr lang="en-US" altLang="ko-KR" b="0" i="0" dirty="0">
+                <a:solidFill>
+                  <a:srgbClr val="000000"/>
+                </a:solidFill>
+                <a:effectLst/>
+                <a:latin typeface="DINPro"/>
+              </a:rPr>
+              <a:t>. </a:t>
+            </a:r>
+          </a:p>
+          <a:p>
+            <a:pPr marL="0" indent="0">
+              <a:buNone/>
+            </a:pPr>
+            <a:endParaRPr lang="en-US" altLang="ko-KR" b="0" i="0" dirty="0">
+              <a:solidFill>
+                <a:srgbClr val="000000"/>
+              </a:solidFill>
+              <a:effectLst/>
+              <a:latin typeface="DINPro"/>
+            </a:endParaRPr>
+          </a:p>
+          <a:p>
+            <a:pPr marL="0" indent="0">
+              <a:buNone/>
+            </a:pPr>
+            <a:r>
+              <a:rPr lang="ko-KR" altLang="en-US" b="0" i="0" dirty="0">
+                <a:solidFill>
+                  <a:srgbClr val="000000"/>
+                </a:solidFill>
+                <a:effectLst/>
+                <a:latin typeface="DINPro"/>
+              </a:rPr>
+              <a:t>즉</a:t>
+            </a:r>
+            <a:r>
+              <a:rPr lang="en-US" altLang="ko-KR" b="0" i="0" dirty="0">
+                <a:solidFill>
+                  <a:srgbClr val="000000"/>
+                </a:solidFill>
+                <a:effectLst/>
+                <a:latin typeface="DINPro"/>
+              </a:rPr>
+              <a:t>, </a:t>
+            </a:r>
+            <a:r>
+              <a:rPr lang="ko-KR" altLang="en-US" b="0" i="0" dirty="0">
+                <a:solidFill>
+                  <a:srgbClr val="000000"/>
+                </a:solidFill>
+                <a:effectLst/>
+                <a:latin typeface="DINPro"/>
+              </a:rPr>
+              <a:t>네트워크</a:t>
+            </a:r>
+            <a:r>
+              <a:rPr lang="en-US" altLang="ko-KR" b="0" i="0" dirty="0">
+                <a:solidFill>
+                  <a:srgbClr val="000000"/>
+                </a:solidFill>
+                <a:effectLst/>
+                <a:latin typeface="DINPro"/>
+              </a:rPr>
+              <a:t>, </a:t>
+            </a:r>
+            <a:r>
+              <a:rPr lang="ko-KR" altLang="en-US" b="0" i="0" dirty="0">
+                <a:solidFill>
+                  <a:srgbClr val="000000"/>
+                </a:solidFill>
+                <a:effectLst/>
+                <a:latin typeface="DINPro"/>
+              </a:rPr>
+              <a:t>신경망 자체가 양자화된 가중차와 활성화에 적응하면서 훈련을 시키겠다는 발상이다</a:t>
+            </a:r>
+            <a:r>
+              <a:rPr lang="en-US" altLang="ko-KR" b="0" i="0" dirty="0">
+                <a:solidFill>
+                  <a:srgbClr val="000000"/>
+                </a:solidFill>
+                <a:effectLst/>
+                <a:latin typeface="DINPro"/>
+              </a:rPr>
               <a:t>.</a:t>
             </a:r>
-            <a:endParaRPr lang="ko-KR" altLang="en-US" dirty="0"/>
+          </a:p>
+          <a:p>
+            <a:pPr marL="0" indent="0">
+              <a:buNone/>
+            </a:pPr>
+            <a:endParaRPr lang="en-US" altLang="ko-KR" b="0" i="0" dirty="0">
+              <a:solidFill>
+                <a:srgbClr val="000000"/>
+              </a:solidFill>
+              <a:effectLst/>
+              <a:latin typeface="DINPro"/>
+            </a:endParaRPr>
+          </a:p>
+          <a:p>
+            <a:pPr marL="0" indent="0">
+              <a:buNone/>
+            </a:pPr>
+            <a:r>
+              <a:rPr lang="ko-KR" altLang="en-US" b="0" i="0" dirty="0">
+                <a:solidFill>
+                  <a:srgbClr val="000000"/>
+                </a:solidFill>
+                <a:effectLst/>
+                <a:latin typeface="DINPro"/>
+              </a:rPr>
+              <a:t>이를 위해</a:t>
+            </a:r>
+            <a:r>
+              <a:rPr lang="en-US" altLang="ko-KR" b="0" i="0" dirty="0">
+                <a:solidFill>
+                  <a:srgbClr val="000000"/>
+                </a:solidFill>
+                <a:effectLst/>
+                <a:latin typeface="DINPro"/>
+              </a:rPr>
+              <a:t>, </a:t>
+            </a:r>
+            <a:r>
+              <a:rPr lang="ko-KR" altLang="en-US" b="0" i="0" dirty="0">
+                <a:solidFill>
+                  <a:srgbClr val="000000"/>
+                </a:solidFill>
+                <a:effectLst/>
+                <a:latin typeface="DINPro"/>
+              </a:rPr>
+              <a:t>가짜 양자화 작업을 훈련 단계에 삽입하는데</a:t>
+            </a:r>
+            <a:r>
+              <a:rPr lang="en-US" altLang="ko-KR" b="0" i="0" dirty="0">
+                <a:solidFill>
+                  <a:srgbClr val="000000"/>
+                </a:solidFill>
+                <a:effectLst/>
+                <a:latin typeface="DINPro"/>
+              </a:rPr>
+              <a:t>, ‘</a:t>
+            </a:r>
+            <a:r>
+              <a:rPr lang="ko-KR" altLang="en-US" b="0" i="0" dirty="0">
+                <a:solidFill>
+                  <a:srgbClr val="000000"/>
+                </a:solidFill>
+                <a:effectLst/>
+                <a:latin typeface="DINPro"/>
+              </a:rPr>
+              <a:t>가짜</a:t>
+            </a:r>
+            <a:r>
+              <a:rPr lang="en-US" altLang="ko-KR" b="0" i="0" dirty="0">
+                <a:solidFill>
+                  <a:srgbClr val="000000"/>
+                </a:solidFill>
+                <a:effectLst/>
+                <a:latin typeface="DINPro"/>
+              </a:rPr>
+              <a:t>＇</a:t>
+            </a:r>
+            <a:r>
+              <a:rPr lang="ko-KR" altLang="en-US" b="0" i="0" dirty="0">
+                <a:solidFill>
+                  <a:srgbClr val="000000"/>
+                </a:solidFill>
+                <a:effectLst/>
+                <a:latin typeface="DINPro"/>
+              </a:rPr>
+              <a:t>양자화라고 부르는 이유는</a:t>
+            </a:r>
+            <a:endParaRPr lang="en-US" altLang="ko-KR" b="0" i="0" dirty="0">
+              <a:solidFill>
+                <a:srgbClr val="000000"/>
+              </a:solidFill>
+              <a:effectLst/>
+              <a:latin typeface="DINPro"/>
+            </a:endParaRPr>
+          </a:p>
+          <a:p>
+            <a:pPr marL="0" indent="0">
+              <a:buNone/>
+            </a:pPr>
+            <a:endParaRPr lang="en-US" altLang="ko-KR" b="0" i="0" dirty="0">
+              <a:solidFill>
+                <a:srgbClr val="000000"/>
+              </a:solidFill>
+              <a:effectLst/>
+              <a:latin typeface="DINPro"/>
+            </a:endParaRPr>
+          </a:p>
+          <a:p>
+            <a:pPr marL="0" indent="0">
+              <a:buNone/>
+            </a:pPr>
+            <a:r>
+              <a:rPr lang="ko-KR" altLang="en-US" b="0" i="0" dirty="0">
+                <a:solidFill>
+                  <a:srgbClr val="000000"/>
+                </a:solidFill>
+                <a:effectLst/>
+                <a:latin typeface="DINPro"/>
+              </a:rPr>
+              <a:t>데이터를 양자화는 하지만</a:t>
+            </a:r>
+            <a:r>
+              <a:rPr lang="en-US" altLang="ko-KR" b="0" i="0" dirty="0">
+                <a:solidFill>
+                  <a:srgbClr val="000000"/>
+                </a:solidFill>
+                <a:effectLst/>
+                <a:latin typeface="DINPro"/>
+              </a:rPr>
+              <a:t>, </a:t>
+            </a:r>
+            <a:r>
+              <a:rPr lang="ko-KR" altLang="en-US" b="0" i="0" dirty="0">
+                <a:solidFill>
+                  <a:srgbClr val="000000"/>
+                </a:solidFill>
+                <a:effectLst/>
+                <a:latin typeface="DINPro"/>
+              </a:rPr>
+              <a:t>양자화 하고 즉시 역 양자화를 진행하여서 학습 과정에서의 연산 자체는 소수점 연산의 정밀도를 유지하기 때문입니다</a:t>
+            </a:r>
+            <a:r>
+              <a:rPr lang="en-US" altLang="ko-KR" b="0" i="0" dirty="0">
+                <a:solidFill>
+                  <a:srgbClr val="000000"/>
+                </a:solidFill>
+                <a:effectLst/>
+                <a:latin typeface="DINPro"/>
+              </a:rPr>
+              <a:t>.</a:t>
+            </a:r>
+          </a:p>
+          <a:p>
+            <a:pPr marL="0" indent="0">
+              <a:buNone/>
+            </a:pPr>
+            <a:endParaRPr lang="en-US" altLang="ko-KR" b="0" i="0" dirty="0">
+              <a:solidFill>
+                <a:srgbClr val="000000"/>
+              </a:solidFill>
+              <a:effectLst/>
+              <a:latin typeface="DINPro"/>
+            </a:endParaRPr>
+          </a:p>
+          <a:p>
+            <a:pPr marL="0" indent="0">
+              <a:buNone/>
+            </a:pPr>
+            <a:r>
+              <a:rPr lang="ko-KR" altLang="en-US" b="0" i="0" dirty="0">
+                <a:solidFill>
+                  <a:srgbClr val="000000"/>
+                </a:solidFill>
+                <a:effectLst/>
+                <a:latin typeface="DINPro"/>
+              </a:rPr>
+              <a:t>가짜 양자화를 통해</a:t>
+            </a:r>
+            <a:r>
+              <a:rPr lang="en-US" altLang="ko-KR" b="0" i="0" dirty="0">
+                <a:solidFill>
+                  <a:srgbClr val="000000"/>
+                </a:solidFill>
+                <a:effectLst/>
+                <a:latin typeface="DINPro"/>
+              </a:rPr>
+              <a:t>, Forward</a:t>
+            </a:r>
+            <a:r>
+              <a:rPr lang="ko-KR" altLang="en-US" b="0" i="0" dirty="0">
+                <a:solidFill>
+                  <a:srgbClr val="000000"/>
+                </a:solidFill>
+                <a:effectLst/>
+                <a:latin typeface="DINPro"/>
+              </a:rPr>
+              <a:t>에서는 부동 소수점 가중치와 활성화를 가짜 양자화 하고</a:t>
+            </a:r>
+            <a:r>
+              <a:rPr lang="en-US" altLang="ko-KR" b="0" i="0" dirty="0">
+                <a:solidFill>
+                  <a:srgbClr val="000000"/>
+                </a:solidFill>
+                <a:effectLst/>
+                <a:latin typeface="DINPro"/>
+              </a:rPr>
+              <a:t>,</a:t>
+            </a:r>
+          </a:p>
+          <a:p>
+            <a:pPr marL="0" indent="0">
+              <a:buNone/>
+            </a:pPr>
+            <a:endParaRPr lang="en-US" altLang="ko-KR" b="0" i="0" dirty="0">
+              <a:solidFill>
+                <a:srgbClr val="000000"/>
+              </a:solidFill>
+              <a:effectLst/>
+              <a:latin typeface="DINPro"/>
+            </a:endParaRPr>
+          </a:p>
+          <a:p>
+            <a:pPr marL="0" indent="0">
+              <a:buNone/>
+            </a:pPr>
+            <a:r>
+              <a:rPr lang="ko-KR" altLang="en-US" b="0" i="0" dirty="0">
+                <a:solidFill>
+                  <a:srgbClr val="000000"/>
+                </a:solidFill>
+                <a:effectLst/>
+                <a:latin typeface="DINPro"/>
+              </a:rPr>
+              <a:t>이러한 가짜 양자화된 가중치와 활성화를 사용하여 계층의 작업을 수행합니다</a:t>
+            </a:r>
+            <a:r>
+              <a:rPr lang="en-US" altLang="ko-KR" b="0" i="0" dirty="0">
+                <a:solidFill>
+                  <a:srgbClr val="000000"/>
+                </a:solidFill>
+                <a:effectLst/>
+                <a:latin typeface="DINPro"/>
+              </a:rPr>
+              <a:t>. </a:t>
+            </a:r>
+          </a:p>
+          <a:p>
+            <a:pPr marL="0" indent="0">
+              <a:buNone/>
+            </a:pPr>
+            <a:endParaRPr lang="en-US" altLang="ko-KR" b="0" i="0" dirty="0">
+              <a:solidFill>
+                <a:srgbClr val="000000"/>
+              </a:solidFill>
+              <a:effectLst/>
+              <a:latin typeface="DINPro"/>
+            </a:endParaRPr>
+          </a:p>
+          <a:p>
+            <a:pPr marL="0" indent="0">
+              <a:buNone/>
+            </a:pPr>
+            <a:r>
+              <a:rPr lang="ko-KR" altLang="en-US" b="0" i="0" dirty="0">
+                <a:solidFill>
+                  <a:srgbClr val="000000"/>
+                </a:solidFill>
+                <a:effectLst/>
+                <a:latin typeface="DINPro"/>
+              </a:rPr>
+              <a:t>그리고</a:t>
+            </a:r>
+            <a:r>
+              <a:rPr lang="en-US" altLang="ko-KR" b="0" i="0" dirty="0">
+                <a:solidFill>
+                  <a:srgbClr val="000000"/>
+                </a:solidFill>
+                <a:effectLst/>
+                <a:latin typeface="DINPro"/>
+              </a:rPr>
+              <a:t>, Backward</a:t>
+            </a:r>
+            <a:r>
+              <a:rPr lang="ko-KR" altLang="en-US" b="0" i="0" dirty="0">
+                <a:solidFill>
+                  <a:srgbClr val="000000"/>
+                </a:solidFill>
+                <a:effectLst/>
+                <a:latin typeface="DINPro"/>
+              </a:rPr>
+              <a:t>에서 가중치의 </a:t>
+            </a:r>
+            <a:r>
+              <a:rPr lang="en-US" altLang="ko-KR" b="0" i="0" dirty="0">
+                <a:solidFill>
+                  <a:srgbClr val="000000"/>
+                </a:solidFill>
+                <a:effectLst/>
+                <a:latin typeface="DINPro"/>
+              </a:rPr>
+              <a:t>Gradient</a:t>
+            </a:r>
+            <a:r>
+              <a:rPr lang="ko-KR" altLang="en-US" b="0" i="0" dirty="0">
+                <a:solidFill>
+                  <a:srgbClr val="000000"/>
+                </a:solidFill>
+                <a:effectLst/>
+                <a:latin typeface="DINPro"/>
+              </a:rPr>
+              <a:t>를 사용해서 부동 소수점 가중치를 업데이트하는 방식입니다</a:t>
+            </a:r>
+            <a:r>
+              <a:rPr lang="en-US" altLang="ko-KR" b="0" i="0" dirty="0">
+                <a:solidFill>
+                  <a:srgbClr val="000000"/>
+                </a:solidFill>
+                <a:effectLst/>
+                <a:latin typeface="DINPro"/>
+              </a:rPr>
+              <a:t>.</a:t>
+            </a:r>
+          </a:p>
+          <a:p>
+            <a:pPr marL="0" indent="0">
+              <a:buNone/>
+            </a:pPr>
+            <a:endParaRPr lang="en-US" altLang="ko-KR" b="0" i="0" dirty="0">
+              <a:solidFill>
+                <a:srgbClr val="000000"/>
+              </a:solidFill>
+              <a:effectLst/>
+              <a:latin typeface="DINPro"/>
+            </a:endParaRPr>
+          </a:p>
+          <a:p>
+            <a:pPr marL="0" indent="0">
+              <a:buNone/>
+            </a:pPr>
+            <a:r>
+              <a:rPr lang="ko-KR" altLang="en-US" b="0" i="0" dirty="0">
+                <a:solidFill>
+                  <a:srgbClr val="000000"/>
+                </a:solidFill>
+                <a:effectLst/>
+                <a:latin typeface="DINPro"/>
+              </a:rPr>
+              <a:t>이러한 </a:t>
+            </a:r>
+            <a:r>
+              <a:rPr lang="en-US" altLang="ko-KR" b="0" i="0" dirty="0">
+                <a:solidFill>
+                  <a:srgbClr val="000000"/>
+                </a:solidFill>
+                <a:effectLst/>
+                <a:latin typeface="DINPro"/>
+              </a:rPr>
+              <a:t>QAT</a:t>
+            </a:r>
+            <a:r>
+              <a:rPr lang="ko-KR" altLang="en-US" b="0" i="0" dirty="0">
+                <a:solidFill>
+                  <a:srgbClr val="000000"/>
+                </a:solidFill>
+                <a:effectLst/>
+                <a:latin typeface="DINPro"/>
+              </a:rPr>
+              <a:t>프로세스가 완료되면</a:t>
+            </a:r>
+            <a:r>
+              <a:rPr lang="en-US" altLang="ko-KR" b="0" i="0" dirty="0">
+                <a:solidFill>
+                  <a:srgbClr val="000000"/>
+                </a:solidFill>
+                <a:effectLst/>
+                <a:latin typeface="DINPro"/>
+              </a:rPr>
+              <a:t>, </a:t>
+            </a:r>
+            <a:r>
+              <a:rPr lang="ko-KR" altLang="en-US" b="0" i="0" dirty="0">
+                <a:solidFill>
+                  <a:srgbClr val="000000"/>
+                </a:solidFill>
+                <a:effectLst/>
+                <a:latin typeface="DINPro"/>
+              </a:rPr>
+              <a:t>가짜 양자화 레이어에는 모델이 추론에 사용할 가중치와 활성화를 </a:t>
+            </a:r>
+            <a:r>
+              <a:rPr lang="ko-KR" altLang="en-US" b="0" i="0" dirty="0" err="1">
+                <a:solidFill>
+                  <a:srgbClr val="000000"/>
+                </a:solidFill>
+                <a:effectLst/>
+                <a:latin typeface="DINPro"/>
+              </a:rPr>
+              <a:t>양자화하는데에</a:t>
+            </a:r>
+            <a:r>
+              <a:rPr lang="ko-KR" altLang="en-US" b="0" i="0" dirty="0">
+                <a:solidFill>
+                  <a:srgbClr val="000000"/>
+                </a:solidFill>
+                <a:effectLst/>
+                <a:latin typeface="DINPro"/>
+              </a:rPr>
+              <a:t> 사용할 양자화 </a:t>
+            </a:r>
+            <a:r>
+              <a:rPr lang="en-US" altLang="ko-KR" b="0" i="0" dirty="0">
+                <a:solidFill>
+                  <a:srgbClr val="000000"/>
+                </a:solidFill>
+                <a:effectLst/>
+                <a:latin typeface="DINPro"/>
+              </a:rPr>
+              <a:t>Scale</a:t>
+            </a:r>
+            <a:r>
+              <a:rPr lang="ko-KR" altLang="en-US" b="0" i="0" dirty="0">
+                <a:solidFill>
+                  <a:srgbClr val="000000"/>
+                </a:solidFill>
+                <a:effectLst/>
+                <a:latin typeface="DINPro"/>
+              </a:rPr>
+              <a:t>값을 가지게 됩니다</a:t>
+            </a:r>
+            <a:r>
+              <a:rPr lang="en-US" altLang="ko-KR" b="0" i="0" dirty="0">
+                <a:solidFill>
+                  <a:srgbClr val="000000"/>
+                </a:solidFill>
+                <a:effectLst/>
+                <a:latin typeface="DINPro"/>
+              </a:rPr>
+              <a:t>.</a:t>
+            </a:r>
+            <a:r>
+              <a:rPr lang="ko-KR" altLang="en-US" b="0" i="0" dirty="0">
+                <a:solidFill>
+                  <a:srgbClr val="000000"/>
+                </a:solidFill>
+                <a:effectLst/>
+                <a:latin typeface="DINPro"/>
+              </a:rPr>
+              <a:t> </a:t>
+            </a:r>
+            <a:endParaRPr lang="en-US" altLang="ko-KR" b="0" i="0" dirty="0">
+              <a:solidFill>
+                <a:srgbClr val="000000"/>
+              </a:solidFill>
+              <a:effectLst/>
+              <a:latin typeface="DINPro"/>
+            </a:endParaRPr>
+          </a:p>
+          <a:p>
+            <a:pPr marL="0" indent="0">
+              <a:buNone/>
+            </a:pPr>
+            <a:endParaRPr lang="en-US" altLang="ko-KR" b="0" i="0" dirty="0">
+              <a:solidFill>
+                <a:srgbClr val="000000"/>
+              </a:solidFill>
+              <a:effectLst/>
+              <a:latin typeface="DINPro"/>
+            </a:endParaRPr>
+          </a:p>
+          <a:p>
+            <a:pPr marL="0" indent="0">
+              <a:buNone/>
+            </a:pPr>
+            <a:r>
+              <a:rPr lang="ko-KR" altLang="en-US" b="0" i="0" dirty="0">
+                <a:solidFill>
+                  <a:srgbClr val="000000"/>
+                </a:solidFill>
+                <a:effectLst/>
+                <a:latin typeface="DINPro"/>
+              </a:rPr>
+              <a:t>그림은 왼쪽이 </a:t>
+            </a:r>
+            <a:r>
+              <a:rPr lang="en-US" altLang="ko-KR" b="0" i="0" dirty="0">
+                <a:solidFill>
+                  <a:srgbClr val="000000"/>
+                </a:solidFill>
+                <a:effectLst/>
+                <a:latin typeface="DINPro"/>
+              </a:rPr>
+              <a:t>Forward Training</a:t>
+            </a:r>
+            <a:r>
+              <a:rPr lang="ko-KR" altLang="en-US" b="0" i="0" dirty="0">
+                <a:solidFill>
+                  <a:srgbClr val="000000"/>
+                </a:solidFill>
+                <a:effectLst/>
+                <a:latin typeface="DINPro"/>
+              </a:rPr>
+              <a:t>과정이고</a:t>
+            </a:r>
+            <a:r>
+              <a:rPr lang="en-US" altLang="ko-KR" b="0" i="0" dirty="0">
+                <a:solidFill>
+                  <a:srgbClr val="000000"/>
+                </a:solidFill>
+                <a:effectLst/>
+                <a:latin typeface="DINPro"/>
+              </a:rPr>
+              <a:t>, </a:t>
+            </a:r>
+            <a:r>
+              <a:rPr lang="ko-KR" altLang="en-US" b="0" i="0" dirty="0">
+                <a:solidFill>
+                  <a:srgbClr val="000000"/>
+                </a:solidFill>
+                <a:effectLst/>
+                <a:latin typeface="DINPro"/>
+              </a:rPr>
+              <a:t>오른쪽이 </a:t>
+            </a:r>
+            <a:r>
+              <a:rPr lang="en-US" altLang="ko-KR" b="0" i="0" dirty="0">
+                <a:solidFill>
+                  <a:srgbClr val="000000"/>
+                </a:solidFill>
+                <a:effectLst/>
+                <a:latin typeface="DINPro"/>
+              </a:rPr>
+              <a:t>Backward Training</a:t>
+            </a:r>
+            <a:r>
+              <a:rPr lang="ko-KR" altLang="en-US" b="0" i="0" dirty="0">
+                <a:solidFill>
+                  <a:srgbClr val="000000"/>
+                </a:solidFill>
+                <a:effectLst/>
+                <a:latin typeface="DINPro"/>
+              </a:rPr>
+              <a:t>과정입니다</a:t>
+            </a:r>
+            <a:r>
+              <a:rPr lang="en-US" altLang="ko-KR" b="0" i="0" dirty="0">
+                <a:solidFill>
+                  <a:srgbClr val="000000"/>
+                </a:solidFill>
+                <a:effectLst/>
+                <a:latin typeface="DINPro"/>
+              </a:rPr>
+              <a:t>.</a:t>
+            </a:r>
           </a:p>
         </p:txBody>
       </p:sp>
@@ -4926,7 +7979,7 @@
     </p:spTree>
     <p:extLst>
       <p:ext uri="{BB962C8B-B14F-4D97-AF65-F5344CB8AC3E}">
-        <p14:creationId xmlns:p14="http://schemas.microsoft.com/office/powerpoint/2010/main" val="3750592975"/>
+        <p14:creationId xmlns:p14="http://schemas.microsoft.com/office/powerpoint/2010/main" val="3987670117"/>
       </p:ext>
     </p:extLst>
   </p:cSld>
@@ -4980,7 +8033,190 @@
           <a:bodyPr/>
           <a:lstStyle/>
           <a:p>
-            <a:endParaRPr lang="ko-KR" altLang="en-US" dirty="0"/>
+            <a:pPr marL="0" indent="0">
+              <a:buNone/>
+            </a:pPr>
+            <a:r>
+              <a:rPr lang="ko-KR" altLang="en-US" b="0" i="0" dirty="0" err="1">
+                <a:solidFill>
+                  <a:srgbClr val="000000"/>
+                </a:solidFill>
+                <a:effectLst/>
+                <a:latin typeface="DINPro"/>
+              </a:rPr>
+              <a:t>특이했던점은</a:t>
+            </a:r>
+            <a:endParaRPr lang="en-US" altLang="ko-KR" b="0" i="0" dirty="0">
+              <a:solidFill>
+                <a:srgbClr val="000000"/>
+              </a:solidFill>
+              <a:effectLst/>
+              <a:latin typeface="DINPro"/>
+            </a:endParaRPr>
+          </a:p>
+          <a:p>
+            <a:pPr marL="0" indent="0">
+              <a:buNone/>
+            </a:pPr>
+            <a:endParaRPr lang="en-US" altLang="ko-KR" b="0" i="0" dirty="0">
+              <a:solidFill>
+                <a:srgbClr val="000000"/>
+              </a:solidFill>
+              <a:effectLst/>
+              <a:latin typeface="DINPro"/>
+            </a:endParaRPr>
+          </a:p>
+          <a:p>
+            <a:pPr marL="0" indent="0">
+              <a:buNone/>
+            </a:pPr>
+            <a:r>
+              <a:rPr lang="en-US" altLang="ko-KR" b="0" i="1" dirty="0" err="1">
+                <a:solidFill>
+                  <a:srgbClr val="1A1A1A"/>
+                </a:solidFill>
+                <a:effectLst/>
+                <a:latin typeface="NVIDIA Sans"/>
+              </a:rPr>
+              <a:t>PyTorch</a:t>
+            </a:r>
+            <a:r>
+              <a:rPr lang="en-US" altLang="ko-KR" b="0" i="1" dirty="0">
+                <a:solidFill>
+                  <a:srgbClr val="1A1A1A"/>
+                </a:solidFill>
+                <a:effectLst/>
+                <a:latin typeface="NVIDIA Sans"/>
+              </a:rPr>
+              <a:t> </a:t>
+            </a:r>
+            <a:r>
+              <a:rPr lang="ko-KR" altLang="en-US" b="0" i="1" dirty="0">
+                <a:solidFill>
+                  <a:srgbClr val="1A1A1A"/>
+                </a:solidFill>
+                <a:effectLst/>
+                <a:latin typeface="NVIDIA Sans"/>
+              </a:rPr>
+              <a:t>모델을 </a:t>
+            </a:r>
+            <a:r>
+              <a:rPr lang="en-US" altLang="ko-KR" b="0" i="1" dirty="0">
+                <a:solidFill>
+                  <a:srgbClr val="1A1A1A"/>
+                </a:solidFill>
+                <a:effectLst/>
+                <a:latin typeface="NVIDIA Sans"/>
+              </a:rPr>
+              <a:t>ONNX</a:t>
+            </a:r>
+            <a:r>
+              <a:rPr lang="ko-KR" altLang="en-US" b="0" i="1" dirty="0">
+                <a:solidFill>
+                  <a:srgbClr val="1A1A1A"/>
+                </a:solidFill>
+                <a:effectLst/>
+                <a:latin typeface="NVIDIA Sans"/>
+              </a:rPr>
+              <a:t>로 내보낼 때 가짜 양자화 연산자가</a:t>
+            </a:r>
+            <a:r>
+              <a:rPr lang="ko-KR" altLang="en-US" b="0" i="0" dirty="0">
+                <a:solidFill>
+                  <a:srgbClr val="1A1A1A"/>
+                </a:solidFill>
+                <a:effectLst/>
+                <a:latin typeface="NVIDIA Sans"/>
+              </a:rPr>
+              <a:t> </a:t>
+            </a:r>
+            <a:r>
+              <a:rPr lang="en-US" altLang="ko-KR" b="0" i="0" dirty="0">
+                <a:solidFill>
+                  <a:srgbClr val="1A1A1A"/>
+                </a:solidFill>
+                <a:effectLst/>
+                <a:latin typeface="NVIDIA Sans"/>
+              </a:rPr>
+              <a:t>Q/DQ </a:t>
+            </a:r>
+            <a:r>
+              <a:rPr lang="en-US" altLang="ko-KR" b="0" i="1" dirty="0">
+                <a:solidFill>
+                  <a:srgbClr val="1A1A1A"/>
+                </a:solidFill>
+                <a:effectLst/>
+                <a:latin typeface="NVIDIA Sans"/>
+              </a:rPr>
+              <a:t>ONNX </a:t>
+            </a:r>
+            <a:r>
+              <a:rPr lang="ko-KR" altLang="en-US" b="0" i="1" dirty="0">
+                <a:solidFill>
+                  <a:srgbClr val="1A1A1A"/>
+                </a:solidFill>
+                <a:effectLst/>
+                <a:latin typeface="NVIDIA Sans"/>
+              </a:rPr>
+              <a:t>연산자 로 변환되도록 하고</a:t>
+            </a:r>
+            <a:r>
+              <a:rPr lang="en-US" altLang="ko-KR" b="0" i="1" dirty="0">
+                <a:solidFill>
+                  <a:srgbClr val="1A1A1A"/>
+                </a:solidFill>
+                <a:effectLst/>
+                <a:latin typeface="NVIDIA Sans"/>
+              </a:rPr>
+              <a:t>, </a:t>
+            </a:r>
+            <a:r>
+              <a:rPr lang="ko-KR" altLang="en-US" b="0" i="1" dirty="0">
+                <a:solidFill>
+                  <a:srgbClr val="1A1A1A"/>
+                </a:solidFill>
+                <a:effectLst/>
+                <a:latin typeface="NVIDIA Sans"/>
+              </a:rPr>
+              <a:t>이 모델로 </a:t>
+            </a:r>
+            <a:r>
+              <a:rPr lang="en-US" altLang="ko-KR" b="0" i="1" dirty="0">
+                <a:solidFill>
+                  <a:srgbClr val="1A1A1A"/>
+                </a:solidFill>
+                <a:effectLst/>
+                <a:latin typeface="NVIDIA Sans"/>
+              </a:rPr>
+              <a:t>Inference</a:t>
+            </a:r>
+            <a:r>
+              <a:rPr lang="ko-KR" altLang="en-US" b="0" i="1" dirty="0">
+                <a:solidFill>
+                  <a:srgbClr val="1A1A1A"/>
+                </a:solidFill>
+                <a:effectLst/>
+                <a:latin typeface="NVIDIA Sans"/>
+              </a:rPr>
+              <a:t>를 진행한다는 것이었습니다</a:t>
+            </a:r>
+            <a:r>
+              <a:rPr lang="en-US" altLang="ko-KR" b="0" i="1" dirty="0">
+                <a:solidFill>
+                  <a:srgbClr val="1A1A1A"/>
+                </a:solidFill>
+                <a:effectLst/>
+                <a:latin typeface="NVIDIA Sans"/>
+              </a:rPr>
+              <a:t>.</a:t>
+            </a:r>
+            <a:endParaRPr lang="en-US" altLang="ko-KR" b="0" i="0" dirty="0">
+              <a:solidFill>
+                <a:srgbClr val="000000"/>
+              </a:solidFill>
+              <a:effectLst/>
+              <a:latin typeface="DINPro"/>
+            </a:endParaRPr>
           </a:p>
         </p:txBody>
       </p:sp>
@@ -5010,7 +8246,7 @@
     </p:spTree>
     <p:extLst>
       <p:ext uri="{BB962C8B-B14F-4D97-AF65-F5344CB8AC3E}">
-        <p14:creationId xmlns:p14="http://schemas.microsoft.com/office/powerpoint/2010/main" val="1659320476"/>
+        <p14:creationId xmlns:p14="http://schemas.microsoft.com/office/powerpoint/2010/main" val="3308444867"/>
       </p:ext>
     </p:extLst>
   </p:cSld>
@@ -5064,6 +8300,470 @@
           <a:bodyPr/>
           <a:lstStyle/>
           <a:p>
+            <a:pPr marL="0" indent="0">
+              <a:buNone/>
+            </a:pPr>
+            <a:r>
+              <a:rPr lang="en-US" altLang="ko-KR" b="0" i="0" dirty="0" err="1">
+                <a:solidFill>
+                  <a:srgbClr val="000000"/>
+                </a:solidFill>
+                <a:effectLst/>
+                <a:latin typeface="Trebuchet MS" panose="020B0603020202020204" pitchFamily="34" charset="0"/>
+              </a:rPr>
+              <a:t>TensorRT</a:t>
+            </a:r>
+            <a:r>
+              <a:rPr lang="ko-KR" altLang="en-US" b="0" i="0" dirty="0">
+                <a:solidFill>
+                  <a:srgbClr val="000000"/>
+                </a:solidFill>
+                <a:effectLst/>
+                <a:latin typeface="Trebuchet MS" panose="020B0603020202020204" pitchFamily="34" charset="0"/>
+              </a:rPr>
+              <a:t>의 </a:t>
+            </a:r>
+            <a:r>
+              <a:rPr lang="en-US" altLang="ko-KR" b="0" i="0" u="sng" dirty="0">
+                <a:solidFill>
+                  <a:srgbClr val="76B900"/>
+                </a:solidFill>
+                <a:effectLst/>
+                <a:latin typeface="Trebuchet MS" panose="020B0603020202020204" pitchFamily="34" charset="0"/>
+                <a:hlinkClick r:id="rId3"/>
+              </a:rPr>
+              <a:t>Quantization Toolkit</a:t>
+            </a:r>
+            <a:r>
+              <a:rPr lang="ko-KR" altLang="en-US" b="0" i="0" dirty="0">
+                <a:solidFill>
+                  <a:srgbClr val="000000"/>
+                </a:solidFill>
+                <a:effectLst/>
+                <a:latin typeface="Trebuchet MS" panose="020B0603020202020204" pitchFamily="34" charset="0"/>
+              </a:rPr>
+              <a:t> 은 </a:t>
+            </a:r>
+            <a:r>
+              <a:rPr lang="en-US" altLang="ko-KR" b="0" i="0" dirty="0" err="1">
+                <a:solidFill>
+                  <a:srgbClr val="000000"/>
+                </a:solidFill>
+                <a:effectLst/>
+                <a:latin typeface="Trebuchet MS" panose="020B0603020202020204" pitchFamily="34" charset="0"/>
+              </a:rPr>
+              <a:t>TensorRT</a:t>
+            </a:r>
+            <a:r>
+              <a:rPr lang="ko-KR" altLang="en-US" b="0" i="0" dirty="0">
+                <a:solidFill>
+                  <a:srgbClr val="000000"/>
+                </a:solidFill>
+                <a:effectLst/>
+                <a:latin typeface="Trebuchet MS" panose="020B0603020202020204" pitchFamily="34" charset="0"/>
+              </a:rPr>
+              <a:t>로 최적화할 수 있는 </a:t>
+            </a:r>
+            <a:r>
+              <a:rPr lang="en-US" altLang="ko-KR" b="0" i="0" dirty="0">
+                <a:solidFill>
+                  <a:srgbClr val="000000"/>
+                </a:solidFill>
+                <a:effectLst/>
+                <a:latin typeface="Trebuchet MS" panose="020B0603020202020204" pitchFamily="34" charset="0"/>
+              </a:rPr>
+              <a:t>QAT </a:t>
+            </a:r>
+            <a:r>
+              <a:rPr lang="ko-KR" altLang="en-US" b="0" i="0" dirty="0">
+                <a:solidFill>
+                  <a:srgbClr val="000000"/>
+                </a:solidFill>
+                <a:effectLst/>
+                <a:latin typeface="Trebuchet MS" panose="020B0603020202020204" pitchFamily="34" charset="0"/>
+              </a:rPr>
+              <a:t>모델을 생성하는 데 도움이 되는 </a:t>
+            </a:r>
+            <a:r>
+              <a:rPr lang="en-US" altLang="ko-KR" b="0" i="0" dirty="0" err="1">
+                <a:solidFill>
+                  <a:srgbClr val="000000"/>
+                </a:solidFill>
+                <a:effectLst/>
+                <a:latin typeface="Trebuchet MS" panose="020B0603020202020204" pitchFamily="34" charset="0"/>
+              </a:rPr>
+              <a:t>PyTorch</a:t>
+            </a:r>
+            <a:r>
+              <a:rPr lang="en-US" altLang="ko-KR" b="0" i="0" dirty="0">
+                <a:solidFill>
+                  <a:srgbClr val="000000"/>
+                </a:solidFill>
+                <a:effectLst/>
+                <a:latin typeface="Trebuchet MS" panose="020B0603020202020204" pitchFamily="34" charset="0"/>
+              </a:rPr>
+              <a:t> </a:t>
+            </a:r>
+            <a:r>
+              <a:rPr lang="ko-KR" altLang="en-US" b="0" i="0" dirty="0">
+                <a:solidFill>
+                  <a:srgbClr val="000000"/>
+                </a:solidFill>
+                <a:effectLst/>
+                <a:latin typeface="Trebuchet MS" panose="020B0603020202020204" pitchFamily="34" charset="0"/>
+              </a:rPr>
+              <a:t>라이브러리입니다</a:t>
+            </a:r>
+            <a:endParaRPr lang="en-US" altLang="ko-KR" b="0" i="0" dirty="0">
+              <a:solidFill>
+                <a:srgbClr val="000000"/>
+              </a:solidFill>
+              <a:effectLst/>
+              <a:latin typeface="DINPro"/>
+            </a:endParaRPr>
+          </a:p>
+        </p:txBody>
+      </p:sp>
+      <p:sp>
+        <p:nvSpPr>
+          <p:cNvPr id="4" name="슬라이드 번호 개체 틀 3"/>
+          <p:cNvSpPr>
+            <a:spLocks noGrp="1"/>
+          </p:cNvSpPr>
+          <p:nvPr>
+            <p:ph type="sldNum" sz="quarter" idx="5"/>
+          </p:nvPr>
+        </p:nvSpPr>
+        <p:spPr/>
+        <p:txBody>
+          <a:bodyPr/>
+          <a:lstStyle/>
+          <a:p>
+            <a:fld id="{4AA33153-BBCF-44B3-971E-0C3ED68EC11D}" type="slidenum">
+              <a:rPr lang="ko-KR" altLang="en-US" smtClean="0"/>
+              <a:t>23</a:t>
+            </a:fld>
+            <a:endParaRPr lang="ko-KR" altLang="en-US"/>
+          </a:p>
+        </p:txBody>
+      </p:sp>
+    </p:spTree>
+    <p:extLst>
+      <p:ext uri="{BB962C8B-B14F-4D97-AF65-F5344CB8AC3E}">
+        <p14:creationId xmlns:p14="http://schemas.microsoft.com/office/powerpoint/2010/main" val="3597702348"/>
+      </p:ext>
+    </p:extLst>
+  </p:cSld>
+  <p:clrMapOvr>
+    <a:masterClrMapping/>
+  </p:clrMapOvr>
+</p:notes>
+</file>
+
+<file path=ppt/notesSlides/notesSlide24.xml><?xml version="1.0" encoding="utf-8"?>
+<p:notes xmlns:a="http://schemas.openxmlformats.org/drawingml/2006/main" xmlns:r="http://schemas.openxmlformats.org/officeDocument/2006/relationships" xmlns:p="http://schemas.openxmlformats.org/presentationml/2006/main">
+  <p:cSld>
+    <p:spTree>
+      <p:nvGrpSpPr>
+        <p:cNvPr id="1" name=""/>
+        <p:cNvGrpSpPr/>
+        <p:nvPr/>
+      </p:nvGrpSpPr>
+      <p:grpSpPr>
+        <a:xfrm>
+          <a:off x="0" y="0"/>
+          <a:ext cx="0" cy="0"/>
+          <a:chOff x="0" y="0"/>
+          <a:chExt cx="0" cy="0"/>
+        </a:xfrm>
+      </p:grpSpPr>
+      <p:sp>
+        <p:nvSpPr>
+          <p:cNvPr id="2" name="슬라이드 이미지 개체 틀 1"/>
+          <p:cNvSpPr>
+            <a:spLocks noGrp="1" noRot="1" noChangeAspect="1"/>
+          </p:cNvSpPr>
+          <p:nvPr>
+            <p:ph type="sldImg"/>
+          </p:nvPr>
+        </p:nvSpPr>
+        <p:spPr/>
+      </p:sp>
+      <p:sp>
+        <p:nvSpPr>
+          <p:cNvPr id="3" name="슬라이드 노트 개체 틀 2"/>
+          <p:cNvSpPr>
+            <a:spLocks noGrp="1"/>
+          </p:cNvSpPr>
+          <p:nvPr>
+            <p:ph type="body" idx="1"/>
+          </p:nvPr>
+        </p:nvSpPr>
+        <p:spPr/>
+        <p:txBody>
+          <a:bodyPr/>
+          <a:lstStyle/>
+          <a:p>
+            <a:endParaRPr lang="ko-KR" altLang="en-US" dirty="0"/>
+          </a:p>
+        </p:txBody>
+      </p:sp>
+      <p:sp>
+        <p:nvSpPr>
+          <p:cNvPr id="4" name="슬라이드 번호 개체 틀 3"/>
+          <p:cNvSpPr>
+            <a:spLocks noGrp="1"/>
+          </p:cNvSpPr>
+          <p:nvPr>
+            <p:ph type="sldNum" sz="quarter" idx="5"/>
+          </p:nvPr>
+        </p:nvSpPr>
+        <p:spPr/>
+        <p:txBody>
+          <a:bodyPr/>
+          <a:lstStyle/>
+          <a:p>
+            <a:fld id="{4AA33153-BBCF-44B3-971E-0C3ED68EC11D}" type="slidenum">
+              <a:rPr lang="ko-KR" altLang="en-US" smtClean="0"/>
+              <a:t>24</a:t>
+            </a:fld>
+            <a:endParaRPr lang="ko-KR" altLang="en-US"/>
+          </a:p>
+        </p:txBody>
+      </p:sp>
+    </p:spTree>
+    <p:extLst>
+      <p:ext uri="{BB962C8B-B14F-4D97-AF65-F5344CB8AC3E}">
+        <p14:creationId xmlns:p14="http://schemas.microsoft.com/office/powerpoint/2010/main" val="3196305769"/>
+      </p:ext>
+    </p:extLst>
+  </p:cSld>
+  <p:clrMapOvr>
+    <a:masterClrMapping/>
+  </p:clrMapOvr>
+</p:notes>
+</file>
+
+<file path=ppt/notesSlides/notesSlide25.xml><?xml version="1.0" encoding="utf-8"?>
+<p:notes xmlns:a="http://schemas.openxmlformats.org/drawingml/2006/main" xmlns:r="http://schemas.openxmlformats.org/officeDocument/2006/relationships" xmlns:p="http://schemas.openxmlformats.org/presentationml/2006/main">
+  <p:cSld>
+    <p:spTree>
+      <p:nvGrpSpPr>
+        <p:cNvPr id="1" name=""/>
+        <p:cNvGrpSpPr/>
+        <p:nvPr/>
+      </p:nvGrpSpPr>
+      <p:grpSpPr>
+        <a:xfrm>
+          <a:off x="0" y="0"/>
+          <a:ext cx="0" cy="0"/>
+          <a:chOff x="0" y="0"/>
+          <a:chExt cx="0" cy="0"/>
+        </a:xfrm>
+      </p:grpSpPr>
+      <p:sp>
+        <p:nvSpPr>
+          <p:cNvPr id="2" name="슬라이드 이미지 개체 틀 1"/>
+          <p:cNvSpPr>
+            <a:spLocks noGrp="1" noRot="1" noChangeAspect="1"/>
+          </p:cNvSpPr>
+          <p:nvPr>
+            <p:ph type="sldImg"/>
+          </p:nvPr>
+        </p:nvSpPr>
+        <p:spPr/>
+      </p:sp>
+      <p:sp>
+        <p:nvSpPr>
+          <p:cNvPr id="3" name="슬라이드 노트 개체 틀 2"/>
+          <p:cNvSpPr>
+            <a:spLocks noGrp="1"/>
+          </p:cNvSpPr>
+          <p:nvPr>
+            <p:ph type="body" idx="1"/>
+          </p:nvPr>
+        </p:nvSpPr>
+        <p:spPr/>
+        <p:txBody>
+          <a:bodyPr/>
+          <a:lstStyle/>
+          <a:p>
+            <a:r>
+              <a:rPr lang="ko-KR" altLang="en-US" dirty="0"/>
+              <a:t>감사합니다</a:t>
+            </a:r>
+            <a:r>
+              <a:rPr lang="en-US" altLang="ko-KR" dirty="0"/>
+              <a:t>.</a:t>
+            </a:r>
+            <a:endParaRPr lang="ko-KR" altLang="en-US" dirty="0"/>
+          </a:p>
+        </p:txBody>
+      </p:sp>
+      <p:sp>
+        <p:nvSpPr>
+          <p:cNvPr id="4" name="슬라이드 번호 개체 틀 3"/>
+          <p:cNvSpPr>
+            <a:spLocks noGrp="1"/>
+          </p:cNvSpPr>
+          <p:nvPr>
+            <p:ph type="sldNum" sz="quarter" idx="5"/>
+          </p:nvPr>
+        </p:nvSpPr>
+        <p:spPr/>
+        <p:txBody>
+          <a:bodyPr/>
+          <a:lstStyle/>
+          <a:p>
+            <a:fld id="{4AA33153-BBCF-44B3-971E-0C3ED68EC11D}" type="slidenum">
+              <a:rPr lang="ko-KR" altLang="en-US" smtClean="0"/>
+              <a:t>25</a:t>
+            </a:fld>
+            <a:endParaRPr lang="ko-KR" altLang="en-US"/>
+          </a:p>
+        </p:txBody>
+      </p:sp>
+    </p:spTree>
+    <p:extLst>
+      <p:ext uri="{BB962C8B-B14F-4D97-AF65-F5344CB8AC3E}">
+        <p14:creationId xmlns:p14="http://schemas.microsoft.com/office/powerpoint/2010/main" val="3750592975"/>
+      </p:ext>
+    </p:extLst>
+  </p:cSld>
+  <p:clrMapOvr>
+    <a:masterClrMapping/>
+  </p:clrMapOvr>
+</p:notes>
+</file>
+
+<file path=ppt/notesSlides/notesSlide26.xml><?xml version="1.0" encoding="utf-8"?>
+<p:notes xmlns:a="http://schemas.openxmlformats.org/drawingml/2006/main" xmlns:r="http://schemas.openxmlformats.org/officeDocument/2006/relationships" xmlns:p="http://schemas.openxmlformats.org/presentationml/2006/main">
+  <p:cSld>
+    <p:spTree>
+      <p:nvGrpSpPr>
+        <p:cNvPr id="1" name=""/>
+        <p:cNvGrpSpPr/>
+        <p:nvPr/>
+      </p:nvGrpSpPr>
+      <p:grpSpPr>
+        <a:xfrm>
+          <a:off x="0" y="0"/>
+          <a:ext cx="0" cy="0"/>
+          <a:chOff x="0" y="0"/>
+          <a:chExt cx="0" cy="0"/>
+        </a:xfrm>
+      </p:grpSpPr>
+      <p:sp>
+        <p:nvSpPr>
+          <p:cNvPr id="2" name="슬라이드 이미지 개체 틀 1"/>
+          <p:cNvSpPr>
+            <a:spLocks noGrp="1" noRot="1" noChangeAspect="1"/>
+          </p:cNvSpPr>
+          <p:nvPr>
+            <p:ph type="sldImg"/>
+          </p:nvPr>
+        </p:nvSpPr>
+        <p:spPr/>
+      </p:sp>
+      <p:sp>
+        <p:nvSpPr>
+          <p:cNvPr id="3" name="슬라이드 노트 개체 틀 2"/>
+          <p:cNvSpPr>
+            <a:spLocks noGrp="1"/>
+          </p:cNvSpPr>
+          <p:nvPr>
+            <p:ph type="body" idx="1"/>
+          </p:nvPr>
+        </p:nvSpPr>
+        <p:spPr/>
+        <p:txBody>
+          <a:bodyPr/>
+          <a:lstStyle/>
+          <a:p>
+            <a:endParaRPr lang="ko-KR" altLang="en-US" dirty="0"/>
+          </a:p>
+        </p:txBody>
+      </p:sp>
+      <p:sp>
+        <p:nvSpPr>
+          <p:cNvPr id="4" name="슬라이드 번호 개체 틀 3"/>
+          <p:cNvSpPr>
+            <a:spLocks noGrp="1"/>
+          </p:cNvSpPr>
+          <p:nvPr>
+            <p:ph type="sldNum" sz="quarter" idx="5"/>
+          </p:nvPr>
+        </p:nvSpPr>
+        <p:spPr/>
+        <p:txBody>
+          <a:bodyPr/>
+          <a:lstStyle/>
+          <a:p>
+            <a:fld id="{4AA33153-BBCF-44B3-971E-0C3ED68EC11D}" type="slidenum">
+              <a:rPr lang="ko-KR" altLang="en-US" smtClean="0"/>
+              <a:t>26</a:t>
+            </a:fld>
+            <a:endParaRPr lang="ko-KR" altLang="en-US"/>
+          </a:p>
+        </p:txBody>
+      </p:sp>
+    </p:spTree>
+    <p:extLst>
+      <p:ext uri="{BB962C8B-B14F-4D97-AF65-F5344CB8AC3E}">
+        <p14:creationId xmlns:p14="http://schemas.microsoft.com/office/powerpoint/2010/main" val="1659320476"/>
+      </p:ext>
+    </p:extLst>
+  </p:cSld>
+  <p:clrMapOvr>
+    <a:masterClrMapping/>
+  </p:clrMapOvr>
+</p:notes>
+</file>
+
+<file path=ppt/notesSlides/notesSlide27.xml><?xml version="1.0" encoding="utf-8"?>
+<p:notes xmlns:a="http://schemas.openxmlformats.org/drawingml/2006/main" xmlns:r="http://schemas.openxmlformats.org/officeDocument/2006/relationships" xmlns:p="http://schemas.openxmlformats.org/presentationml/2006/main">
+  <p:cSld>
+    <p:spTree>
+      <p:nvGrpSpPr>
+        <p:cNvPr id="1" name=""/>
+        <p:cNvGrpSpPr/>
+        <p:nvPr/>
+      </p:nvGrpSpPr>
+      <p:grpSpPr>
+        <a:xfrm>
+          <a:off x="0" y="0"/>
+          <a:ext cx="0" cy="0"/>
+          <a:chOff x="0" y="0"/>
+          <a:chExt cx="0" cy="0"/>
+        </a:xfrm>
+      </p:grpSpPr>
+      <p:sp>
+        <p:nvSpPr>
+          <p:cNvPr id="2" name="슬라이드 이미지 개체 틀 1"/>
+          <p:cNvSpPr>
+            <a:spLocks noGrp="1" noRot="1" noChangeAspect="1"/>
+          </p:cNvSpPr>
+          <p:nvPr>
+            <p:ph type="sldImg"/>
+          </p:nvPr>
+        </p:nvSpPr>
+        <p:spPr/>
+      </p:sp>
+      <p:sp>
+        <p:nvSpPr>
+          <p:cNvPr id="3" name="슬라이드 노트 개체 틀 2"/>
+          <p:cNvSpPr>
+            <a:spLocks noGrp="1"/>
+          </p:cNvSpPr>
+          <p:nvPr>
+            <p:ph type="body" idx="1"/>
+          </p:nvPr>
+        </p:nvSpPr>
+        <p:spPr/>
+        <p:txBody>
+          <a:bodyPr/>
+          <a:lstStyle/>
+          <a:p>
             <a:pPr marL="0" marR="0" lvl="0" indent="0" algn="l" defTabSz="914400" rtl="0" eaLnBrk="1" fontAlgn="auto" latinLnBrk="1" hangingPunct="1">
               <a:lnSpc>
                 <a:spcPct val="100000"/>
@@ -5293,7 +8993,7 @@
           <a:p>
             <a:fld id="{4AA33153-BBCF-44B3-971E-0C3ED68EC11D}" type="slidenum">
               <a:rPr lang="ko-KR" altLang="en-US" smtClean="0"/>
-              <a:t>23</a:t>
+              <a:t>27</a:t>
             </a:fld>
             <a:endParaRPr lang="ko-KR" altLang="en-US"/>
           </a:p>
@@ -7289,7 +10989,7 @@
           <a:p>
             <a:fld id="{C81CA5E1-3778-4D98-8640-7878AE112758}" type="datetimeFigureOut">
               <a:rPr lang="ko-KR" altLang="en-US" smtClean="0"/>
-              <a:t>2022-08-02</a:t>
+              <a:t>2022-08-03</a:t>
             </a:fld>
             <a:endParaRPr lang="ko-KR" altLang="en-US"/>
           </a:p>
@@ -7487,7 +11187,7 @@
           <a:p>
             <a:fld id="{C81CA5E1-3778-4D98-8640-7878AE112758}" type="datetimeFigureOut">
               <a:rPr lang="ko-KR" altLang="en-US" smtClean="0"/>
-              <a:t>2022-08-02</a:t>
+              <a:t>2022-08-03</a:t>
             </a:fld>
             <a:endParaRPr lang="ko-KR" altLang="en-US"/>
           </a:p>
@@ -7695,7 +11395,7 @@
           <a:p>
             <a:fld id="{C81CA5E1-3778-4D98-8640-7878AE112758}" type="datetimeFigureOut">
               <a:rPr lang="ko-KR" altLang="en-US" smtClean="0"/>
-              <a:t>2022-08-02</a:t>
+              <a:t>2022-08-03</a:t>
             </a:fld>
             <a:endParaRPr lang="ko-KR" altLang="en-US"/>
           </a:p>
@@ -7893,7 +11593,7 @@
           <a:p>
             <a:fld id="{C81CA5E1-3778-4D98-8640-7878AE112758}" type="datetimeFigureOut">
               <a:rPr lang="ko-KR" altLang="en-US" smtClean="0"/>
-              <a:t>2022-08-02</a:t>
+              <a:t>2022-08-03</a:t>
             </a:fld>
             <a:endParaRPr lang="ko-KR" altLang="en-US"/>
           </a:p>
@@ -8168,7 +11868,7 @@
           <a:p>
             <a:fld id="{C81CA5E1-3778-4D98-8640-7878AE112758}" type="datetimeFigureOut">
               <a:rPr lang="ko-KR" altLang="en-US" smtClean="0"/>
-              <a:t>2022-08-02</a:t>
+              <a:t>2022-08-03</a:t>
             </a:fld>
             <a:endParaRPr lang="ko-KR" altLang="en-US"/>
           </a:p>
@@ -8433,7 +12133,7 @@
           <a:p>
             <a:fld id="{C81CA5E1-3778-4D98-8640-7878AE112758}" type="datetimeFigureOut">
               <a:rPr lang="ko-KR" altLang="en-US" smtClean="0"/>
-              <a:t>2022-08-02</a:t>
+              <a:t>2022-08-03</a:t>
             </a:fld>
             <a:endParaRPr lang="ko-KR" altLang="en-US"/>
           </a:p>
@@ -8845,7 +12545,7 @@
           <a:p>
             <a:fld id="{C81CA5E1-3778-4D98-8640-7878AE112758}" type="datetimeFigureOut">
               <a:rPr lang="ko-KR" altLang="en-US" smtClean="0"/>
-              <a:t>2022-08-02</a:t>
+              <a:t>2022-08-03</a:t>
             </a:fld>
             <a:endParaRPr lang="ko-KR" altLang="en-US"/>
           </a:p>
@@ -8986,7 +12686,7 @@
           <a:p>
             <a:fld id="{C81CA5E1-3778-4D98-8640-7878AE112758}" type="datetimeFigureOut">
               <a:rPr lang="ko-KR" altLang="en-US" smtClean="0"/>
-              <a:t>2022-08-02</a:t>
+              <a:t>2022-08-03</a:t>
             </a:fld>
             <a:endParaRPr lang="ko-KR" altLang="en-US"/>
           </a:p>
@@ -9099,7 +12799,7 @@
           <a:p>
             <a:fld id="{C81CA5E1-3778-4D98-8640-7878AE112758}" type="datetimeFigureOut">
               <a:rPr lang="ko-KR" altLang="en-US" smtClean="0"/>
-              <a:t>2022-08-02</a:t>
+              <a:t>2022-08-03</a:t>
             </a:fld>
             <a:endParaRPr lang="ko-KR" altLang="en-US"/>
           </a:p>
@@ -9410,7 +13110,7 @@
           <a:p>
             <a:fld id="{C81CA5E1-3778-4D98-8640-7878AE112758}" type="datetimeFigureOut">
               <a:rPr lang="ko-KR" altLang="en-US" smtClean="0"/>
-              <a:t>2022-08-02</a:t>
+              <a:t>2022-08-03</a:t>
             </a:fld>
             <a:endParaRPr lang="ko-KR" altLang="en-US"/>
           </a:p>
@@ -9698,7 +13398,7 @@
           <a:p>
             <a:fld id="{C81CA5E1-3778-4D98-8640-7878AE112758}" type="datetimeFigureOut">
               <a:rPr lang="ko-KR" altLang="en-US" smtClean="0"/>
-              <a:t>2022-08-02</a:t>
+              <a:t>2022-08-03</a:t>
             </a:fld>
             <a:endParaRPr lang="ko-KR" altLang="en-US"/>
           </a:p>
@@ -9939,7 +13639,7 @@
           <a:p>
             <a:fld id="{C81CA5E1-3778-4D98-8640-7878AE112758}" type="datetimeFigureOut">
               <a:rPr lang="ko-KR" altLang="en-US" smtClean="0"/>
-              <a:t>2022-08-02</a:t>
+              <a:t>2022-08-03</a:t>
             </a:fld>
             <a:endParaRPr lang="ko-KR" altLang="en-US"/>
           </a:p>
@@ -10594,8 +14294,8 @@
           </a:fontRef>
         </p:style>
       </p:cxnSp>
-      <mc:AlternateContent xmlns:mc="http://schemas.openxmlformats.org/markup-compatibility/2006">
-        <mc:Choice xmlns:a14="http://schemas.microsoft.com/office/drawing/2010/main" Requires="a14">
+      <mc:AlternateContent xmlns:mc="http://schemas.openxmlformats.org/markup-compatibility/2006" xmlns:a14="http://schemas.microsoft.com/office/drawing/2010/main">
+        <mc:Choice Requires="a14">
           <p:sp>
             <p:nvSpPr>
               <p:cNvPr id="14" name="부제목 2">
@@ -10811,13 +14511,7 @@
                           <a:rPr lang="en-US" altLang="ko-KR" sz="1400" b="1" i="1" dirty="0" smtClean="0">
                             <a:latin typeface="Cambria Math" panose="02040503050406030204" pitchFamily="18" charset="0"/>
                           </a:rPr>
-                          <m:t>𝒓</m:t>
-                        </m:r>
-                        <m:r>
-                          <a:rPr lang="en-US" altLang="ko-KR" sz="1400" b="1" i="1" dirty="0" smtClean="0">
-                            <a:latin typeface="Cambria Math" panose="02040503050406030204" pitchFamily="18" charset="0"/>
-                          </a:rPr>
-                          <m:t>𝒅</m:t>
+                          <m:t>𝒓𝒅</m:t>
                         </m:r>
                       </m:sup>
                     </m:sSup>
@@ -10832,7 +14526,7 @@
             </p:txBody>
           </p:sp>
         </mc:Choice>
-        <mc:Fallback>
+        <mc:Fallback xmlns="">
           <p:sp>
             <p:nvSpPr>
               <p:cNvPr id="14" name="부제목 2">
@@ -14489,10 +18183,40 @@
           </a:p>
         </p:txBody>
       </p:sp>
+      <p:pic>
+        <p:nvPicPr>
+          <p:cNvPr id="4" name="그림 3">
+            <a:extLst>
+              <a:ext uri="{FF2B5EF4-FFF2-40B4-BE49-F238E27FC236}">
+                <a16:creationId xmlns:a16="http://schemas.microsoft.com/office/drawing/2014/main" id="{33DD8E11-E753-5FE4-480D-A75D4D40861F}"/>
+              </a:ext>
+            </a:extLst>
+          </p:cNvPr>
+          <p:cNvPicPr>
+            <a:picLocks noChangeAspect="1"/>
+          </p:cNvPicPr>
+          <p:nvPr/>
+        </p:nvPicPr>
+        <p:blipFill>
+          <a:blip r:embed="rId4"/>
+          <a:stretch>
+            <a:fillRect/>
+          </a:stretch>
+        </p:blipFill>
+        <p:spPr>
+          <a:xfrm>
+            <a:off x="751729" y="1771418"/>
+            <a:ext cx="10688542" cy="3315163"/>
+          </a:xfrm>
+          <a:prstGeom prst="rect">
+            <a:avLst/>
+          </a:prstGeom>
+        </p:spPr>
+      </p:pic>
     </p:spTree>
     <p:extLst>
       <p:ext uri="{BB962C8B-B14F-4D97-AF65-F5344CB8AC3E}">
-        <p14:creationId xmlns:p14="http://schemas.microsoft.com/office/powerpoint/2010/main" val="3273651722"/>
+        <p14:creationId xmlns:p14="http://schemas.microsoft.com/office/powerpoint/2010/main" val="1826680496"/>
       </p:ext>
     </p:extLst>
   </p:cSld>
@@ -14823,10 +18547,40 @@
           </a:p>
         </p:txBody>
       </p:sp>
+      <p:pic>
+        <p:nvPicPr>
+          <p:cNvPr id="4" name="그림 3">
+            <a:extLst>
+              <a:ext uri="{FF2B5EF4-FFF2-40B4-BE49-F238E27FC236}">
+                <a16:creationId xmlns:a16="http://schemas.microsoft.com/office/drawing/2014/main" id="{8985099D-2277-9D23-3A40-FA25704081AC}"/>
+              </a:ext>
+            </a:extLst>
+          </p:cNvPr>
+          <p:cNvPicPr>
+            <a:picLocks noChangeAspect="1"/>
+          </p:cNvPicPr>
+          <p:nvPr/>
+        </p:nvPicPr>
+        <p:blipFill>
+          <a:blip r:embed="rId4"/>
+          <a:stretch>
+            <a:fillRect/>
+          </a:stretch>
+        </p:blipFill>
+        <p:spPr>
+          <a:xfrm>
+            <a:off x="167126" y="2110626"/>
+            <a:ext cx="11857748" cy="2636748"/>
+          </a:xfrm>
+          <a:prstGeom prst="rect">
+            <a:avLst/>
+          </a:prstGeom>
+        </p:spPr>
+      </p:pic>
     </p:spTree>
     <p:extLst>
       <p:ext uri="{BB962C8B-B14F-4D97-AF65-F5344CB8AC3E}">
-        <p14:creationId xmlns:p14="http://schemas.microsoft.com/office/powerpoint/2010/main" val="470620165"/>
+        <p14:creationId xmlns:p14="http://schemas.microsoft.com/office/powerpoint/2010/main" val="220130048"/>
       </p:ext>
     </p:extLst>
   </p:cSld>
@@ -15157,10 +18911,111 @@
           </a:p>
         </p:txBody>
       </p:sp>
+      <p:sp>
+        <p:nvSpPr>
+          <p:cNvPr id="2" name="TextBox 1">
+            <a:extLst>
+              <a:ext uri="{FF2B5EF4-FFF2-40B4-BE49-F238E27FC236}">
+                <a16:creationId xmlns:a16="http://schemas.microsoft.com/office/drawing/2014/main" id="{E48E919E-F182-9499-A41F-8D8DF7C8DB7C}"/>
+              </a:ext>
+            </a:extLst>
+          </p:cNvPr>
+          <p:cNvSpPr txBox="1"/>
+          <p:nvPr/>
+        </p:nvSpPr>
+        <p:spPr>
+          <a:xfrm>
+            <a:off x="-1" y="597921"/>
+            <a:ext cx="12191999" cy="646331"/>
+          </a:xfrm>
+          <a:prstGeom prst="rect">
+            <a:avLst/>
+          </a:prstGeom>
+          <a:noFill/>
+        </p:spPr>
+        <p:txBody>
+          <a:bodyPr wrap="square" rtlCol="0">
+            <a:spAutoFit/>
+          </a:bodyPr>
+          <a:lstStyle/>
+          <a:p>
+            <a:pPr algn="ctr"/>
+            <a:endParaRPr lang="en-US" altLang="ko-KR" b="1" dirty="0"/>
+          </a:p>
+          <a:p>
+            <a:pPr algn="ctr"/>
+            <a:r>
+              <a:rPr lang="en-US" altLang="ko-KR" b="1" dirty="0"/>
+              <a:t>PTQ (Post Training Quantization)</a:t>
+            </a:r>
+            <a:endParaRPr lang="ko-KR" altLang="en-US" b="1" dirty="0"/>
+          </a:p>
+        </p:txBody>
+      </p:sp>
+      <p:pic>
+        <p:nvPicPr>
+          <p:cNvPr id="4" name="그림 3">
+            <a:extLst>
+              <a:ext uri="{FF2B5EF4-FFF2-40B4-BE49-F238E27FC236}">
+                <a16:creationId xmlns:a16="http://schemas.microsoft.com/office/drawing/2014/main" id="{F264AB52-5490-5586-D767-09B0464E6399}"/>
+              </a:ext>
+            </a:extLst>
+          </p:cNvPr>
+          <p:cNvPicPr>
+            <a:picLocks noChangeAspect="1"/>
+          </p:cNvPicPr>
+          <p:nvPr/>
+        </p:nvPicPr>
+        <p:blipFill>
+          <a:blip r:embed="rId4"/>
+          <a:stretch>
+            <a:fillRect/>
+          </a:stretch>
+        </p:blipFill>
+        <p:spPr>
+          <a:xfrm>
+            <a:off x="384315" y="2973175"/>
+            <a:ext cx="11423370" cy="3033023"/>
+          </a:xfrm>
+          <a:prstGeom prst="rect">
+            <a:avLst/>
+          </a:prstGeom>
+        </p:spPr>
+      </p:pic>
+      <p:pic>
+        <p:nvPicPr>
+          <p:cNvPr id="6" name="그림 5">
+            <a:extLst>
+              <a:ext uri="{FF2B5EF4-FFF2-40B4-BE49-F238E27FC236}">
+                <a16:creationId xmlns:a16="http://schemas.microsoft.com/office/drawing/2014/main" id="{FEA96DDB-7601-2E4A-E4BB-8CD65A09BD37}"/>
+              </a:ext>
+            </a:extLst>
+          </p:cNvPr>
+          <p:cNvPicPr>
+            <a:picLocks noChangeAspect="1"/>
+          </p:cNvPicPr>
+          <p:nvPr/>
+        </p:nvPicPr>
+        <p:blipFill>
+          <a:blip r:embed="rId5"/>
+          <a:stretch>
+            <a:fillRect/>
+          </a:stretch>
+        </p:blipFill>
+        <p:spPr>
+          <a:xfrm>
+            <a:off x="361034" y="1927233"/>
+            <a:ext cx="11408129" cy="632515"/>
+          </a:xfrm>
+          <a:prstGeom prst="rect">
+            <a:avLst/>
+          </a:prstGeom>
+        </p:spPr>
+      </p:pic>
     </p:spTree>
     <p:extLst>
       <p:ext uri="{BB962C8B-B14F-4D97-AF65-F5344CB8AC3E}">
-        <p14:creationId xmlns:p14="http://schemas.microsoft.com/office/powerpoint/2010/main" val="2902754387"/>
+        <p14:creationId xmlns:p14="http://schemas.microsoft.com/office/powerpoint/2010/main" val="3273651722"/>
       </p:ext>
     </p:extLst>
   </p:cSld>
@@ -15491,10 +19346,81 @@
           </a:p>
         </p:txBody>
       </p:sp>
+      <p:sp>
+        <p:nvSpPr>
+          <p:cNvPr id="2" name="TextBox 1">
+            <a:extLst>
+              <a:ext uri="{FF2B5EF4-FFF2-40B4-BE49-F238E27FC236}">
+                <a16:creationId xmlns:a16="http://schemas.microsoft.com/office/drawing/2014/main" id="{E48E919E-F182-9499-A41F-8D8DF7C8DB7C}"/>
+              </a:ext>
+            </a:extLst>
+          </p:cNvPr>
+          <p:cNvSpPr txBox="1"/>
+          <p:nvPr/>
+        </p:nvSpPr>
+        <p:spPr>
+          <a:xfrm>
+            <a:off x="-1" y="597921"/>
+            <a:ext cx="12191999" cy="646331"/>
+          </a:xfrm>
+          <a:prstGeom prst="rect">
+            <a:avLst/>
+          </a:prstGeom>
+          <a:noFill/>
+        </p:spPr>
+        <p:txBody>
+          <a:bodyPr wrap="square" rtlCol="0">
+            <a:spAutoFit/>
+          </a:bodyPr>
+          <a:lstStyle/>
+          <a:p>
+            <a:pPr algn="ctr"/>
+            <a:endParaRPr lang="en-US" altLang="ko-KR" b="1" dirty="0"/>
+          </a:p>
+          <a:p>
+            <a:pPr algn="ctr"/>
+            <a:r>
+              <a:rPr lang="en-US" altLang="ko-KR" b="1" dirty="0"/>
+              <a:t>PTQ (Post Training Quantization)</a:t>
+            </a:r>
+            <a:endParaRPr lang="ko-KR" altLang="en-US" b="1" dirty="0"/>
+          </a:p>
+        </p:txBody>
+      </p:sp>
+      <p:pic>
+        <p:nvPicPr>
+          <p:cNvPr id="5" name="그림 4">
+            <a:extLst>
+              <a:ext uri="{FF2B5EF4-FFF2-40B4-BE49-F238E27FC236}">
+                <a16:creationId xmlns:a16="http://schemas.microsoft.com/office/drawing/2014/main" id="{B3B3B6E2-BE50-3137-588C-BFBB59AE3B85}"/>
+              </a:ext>
+            </a:extLst>
+          </p:cNvPr>
+          <p:cNvPicPr>
+            <a:picLocks noChangeAspect="1"/>
+          </p:cNvPicPr>
+          <p:nvPr/>
+        </p:nvPicPr>
+        <p:blipFill>
+          <a:blip r:embed="rId4"/>
+          <a:stretch>
+            <a:fillRect/>
+          </a:stretch>
+        </p:blipFill>
+        <p:spPr>
+          <a:xfrm>
+            <a:off x="483383" y="2308763"/>
+            <a:ext cx="11225233" cy="2240474"/>
+          </a:xfrm>
+          <a:prstGeom prst="rect">
+            <a:avLst/>
+          </a:prstGeom>
+        </p:spPr>
+      </p:pic>
     </p:spTree>
     <p:extLst>
       <p:ext uri="{BB962C8B-B14F-4D97-AF65-F5344CB8AC3E}">
-        <p14:creationId xmlns:p14="http://schemas.microsoft.com/office/powerpoint/2010/main" val="4184828315"/>
+        <p14:creationId xmlns:p14="http://schemas.microsoft.com/office/powerpoint/2010/main" val="2908503116"/>
       </p:ext>
     </p:extLst>
   </p:cSld>
@@ -16043,10 +19969,10 @@
       </p:pic>
       <p:sp>
         <p:nvSpPr>
-          <p:cNvPr id="16" name="제목 1">
+          <p:cNvPr id="10" name="제목 1">
             <a:extLst>
               <a:ext uri="{FF2B5EF4-FFF2-40B4-BE49-F238E27FC236}">
-                <a16:creationId xmlns:a16="http://schemas.microsoft.com/office/drawing/2014/main" id="{61D58152-B98B-DC5A-1BCC-44D819B3BAF7}"/>
+                <a16:creationId xmlns:a16="http://schemas.microsoft.com/office/drawing/2014/main" id="{EFE71315-DABB-528D-BAAD-883F02790F2F}"/>
               </a:ext>
             </a:extLst>
           </p:cNvPr>
@@ -16107,10 +20033,10 @@
       </p:sp>
       <p:sp>
         <p:nvSpPr>
-          <p:cNvPr id="17" name="직사각형 16">
+          <p:cNvPr id="11" name="직사각형 10">
             <a:extLst>
               <a:ext uri="{FF2B5EF4-FFF2-40B4-BE49-F238E27FC236}">
-                <a16:creationId xmlns:a16="http://schemas.microsoft.com/office/drawing/2014/main" id="{8B342028-C111-D240-462D-363CFE17D9E3}"/>
+                <a16:creationId xmlns:a16="http://schemas.microsoft.com/office/drawing/2014/main" id="{0AFD44E6-5DC5-162A-F772-1AFAAA02DCDD}"/>
               </a:ext>
             </a:extLst>
           </p:cNvPr>
@@ -16170,10 +20096,10 @@
       </p:sp>
       <p:sp>
         <p:nvSpPr>
-          <p:cNvPr id="18" name="제목 1">
+          <p:cNvPr id="12" name="제목 1">
             <a:extLst>
               <a:ext uri="{FF2B5EF4-FFF2-40B4-BE49-F238E27FC236}">
-                <a16:creationId xmlns:a16="http://schemas.microsoft.com/office/drawing/2014/main" id="{A7C5E5DA-802A-6DA9-ADCE-933AEE373753}"/>
+                <a16:creationId xmlns:a16="http://schemas.microsoft.com/office/drawing/2014/main" id="{56071032-7EC3-3358-5325-8C22D6C3597F}"/>
               </a:ext>
             </a:extLst>
           </p:cNvPr>
@@ -16222,6 +20148,1514 @@
                   <a:schemeClr val="bg1"/>
                 </a:solidFill>
               </a:rPr>
+              <a:t>TensorRT </a:t>
+            </a:r>
+            <a:r>
+              <a:rPr lang="en-US" altLang="ko-KR" sz="2400" b="1" dirty="0" err="1">
+                <a:solidFill>
+                  <a:schemeClr val="bg1"/>
+                </a:solidFill>
+              </a:rPr>
+              <a:t>Quantizations</a:t>
+            </a:r>
+            <a:endParaRPr lang="ko-KR" altLang="en-US" sz="2400" b="1" dirty="0">
+              <a:solidFill>
+                <a:schemeClr val="bg1"/>
+              </a:solidFill>
+            </a:endParaRPr>
+          </a:p>
+        </p:txBody>
+      </p:sp>
+      <p:sp>
+        <p:nvSpPr>
+          <p:cNvPr id="2" name="TextBox 1">
+            <a:extLst>
+              <a:ext uri="{FF2B5EF4-FFF2-40B4-BE49-F238E27FC236}">
+                <a16:creationId xmlns:a16="http://schemas.microsoft.com/office/drawing/2014/main" id="{E48E919E-F182-9499-A41F-8D8DF7C8DB7C}"/>
+              </a:ext>
+            </a:extLst>
+          </p:cNvPr>
+          <p:cNvSpPr txBox="1"/>
+          <p:nvPr/>
+        </p:nvSpPr>
+        <p:spPr>
+          <a:xfrm>
+            <a:off x="-1" y="597921"/>
+            <a:ext cx="12191999" cy="646331"/>
+          </a:xfrm>
+          <a:prstGeom prst="rect">
+            <a:avLst/>
+          </a:prstGeom>
+          <a:noFill/>
+        </p:spPr>
+        <p:txBody>
+          <a:bodyPr wrap="square" rtlCol="0">
+            <a:spAutoFit/>
+          </a:bodyPr>
+          <a:lstStyle/>
+          <a:p>
+            <a:pPr algn="ctr"/>
+            <a:endParaRPr lang="en-US" altLang="ko-KR" b="1" dirty="0"/>
+          </a:p>
+          <a:p>
+            <a:pPr algn="ctr"/>
+            <a:r>
+              <a:rPr lang="en-US" altLang="ko-KR" b="1" dirty="0"/>
+              <a:t>PTQ (Post Training Quantization)</a:t>
+            </a:r>
+            <a:endParaRPr lang="ko-KR" altLang="en-US" b="1" dirty="0"/>
+          </a:p>
+        </p:txBody>
+      </p:sp>
+      <p:pic>
+        <p:nvPicPr>
+          <p:cNvPr id="4" name="그림 3">
+            <a:extLst>
+              <a:ext uri="{FF2B5EF4-FFF2-40B4-BE49-F238E27FC236}">
+                <a16:creationId xmlns:a16="http://schemas.microsoft.com/office/drawing/2014/main" id="{AC57B961-C922-FF5A-01B4-821F19E676C6}"/>
+              </a:ext>
+            </a:extLst>
+          </p:cNvPr>
+          <p:cNvPicPr>
+            <a:picLocks noChangeAspect="1"/>
+          </p:cNvPicPr>
+          <p:nvPr/>
+        </p:nvPicPr>
+        <p:blipFill>
+          <a:blip r:embed="rId4"/>
+          <a:stretch>
+            <a:fillRect/>
+          </a:stretch>
+        </p:blipFill>
+        <p:spPr>
+          <a:xfrm>
+            <a:off x="4505103" y="1793304"/>
+            <a:ext cx="3181794" cy="4077269"/>
+          </a:xfrm>
+          <a:prstGeom prst="rect">
+            <a:avLst/>
+          </a:prstGeom>
+        </p:spPr>
+      </p:pic>
+    </p:spTree>
+    <p:extLst>
+      <p:ext uri="{BB962C8B-B14F-4D97-AF65-F5344CB8AC3E}">
+        <p14:creationId xmlns:p14="http://schemas.microsoft.com/office/powerpoint/2010/main" val="2535970725"/>
+      </p:ext>
+    </p:extLst>
+  </p:cSld>
+  <p:clrMapOvr>
+    <a:masterClrMapping/>
+  </p:clrMapOvr>
+</p:sld>
+</file>
+
+<file path=ppt/slides/slide21.xml><?xml version="1.0" encoding="utf-8"?>
+<p:sld xmlns:a="http://schemas.openxmlformats.org/drawingml/2006/main" xmlns:r="http://schemas.openxmlformats.org/officeDocument/2006/relationships" xmlns:p="http://schemas.openxmlformats.org/presentationml/2006/main">
+  <p:cSld>
+    <p:spTree>
+      <p:nvGrpSpPr>
+        <p:cNvPr id="1" name=""/>
+        <p:cNvGrpSpPr/>
+        <p:nvPr/>
+      </p:nvGrpSpPr>
+      <p:grpSpPr>
+        <a:xfrm>
+          <a:off x="0" y="0"/>
+          <a:ext cx="0" cy="0"/>
+          <a:chOff x="0" y="0"/>
+          <a:chExt cx="0" cy="0"/>
+        </a:xfrm>
+      </p:grpSpPr>
+      <p:sp>
+        <p:nvSpPr>
+          <p:cNvPr id="15" name="직사각형 14">
+            <a:extLst>
+              <a:ext uri="{FF2B5EF4-FFF2-40B4-BE49-F238E27FC236}">
+                <a16:creationId xmlns:a16="http://schemas.microsoft.com/office/drawing/2014/main" id="{BFBBD4AF-E0EB-0836-E1CA-EA97FCCCDEEB}"/>
+              </a:ext>
+            </a:extLst>
+          </p:cNvPr>
+          <p:cNvSpPr/>
+          <p:nvPr/>
+        </p:nvSpPr>
+        <p:spPr>
+          <a:xfrm flipV="1">
+            <a:off x="1" y="6419625"/>
+            <a:ext cx="12192000" cy="45719"/>
+          </a:xfrm>
+          <a:prstGeom prst="rect">
+            <a:avLst/>
+          </a:prstGeom>
+          <a:solidFill>
+            <a:srgbClr val="144E25"/>
+          </a:solidFill>
+          <a:ln>
+            <a:solidFill>
+              <a:schemeClr val="bg1"/>
+            </a:solidFill>
+          </a:ln>
+        </p:spPr>
+        <p:style>
+          <a:lnRef idx="2">
+            <a:schemeClr val="accent1">
+              <a:shade val="50000"/>
+            </a:schemeClr>
+          </a:lnRef>
+          <a:fillRef idx="1">
+            <a:schemeClr val="accent1"/>
+          </a:fillRef>
+          <a:effectRef idx="0">
+            <a:schemeClr val="accent1"/>
+          </a:effectRef>
+          <a:fontRef idx="minor">
+            <a:schemeClr val="lt1"/>
+          </a:fontRef>
+        </p:style>
+        <p:txBody>
+          <a:bodyPr rtlCol="0" anchor="ctr"/>
+          <a:lstStyle/>
+          <a:p>
+            <a:pPr algn="ctr"/>
+            <a:endParaRPr lang="ko-KR" altLang="en-US" dirty="0">
+              <a:highlight>
+                <a:srgbClr val="008000"/>
+              </a:highlight>
+            </a:endParaRPr>
+          </a:p>
+        </p:txBody>
+      </p:sp>
+      <p:pic>
+        <p:nvPicPr>
+          <p:cNvPr id="1026" name="Picture 2" descr="StradVision | Socionext | Deep Learning Object Recognition for ADAS">
+            <a:extLst>
+              <a:ext uri="{FF2B5EF4-FFF2-40B4-BE49-F238E27FC236}">
+                <a16:creationId xmlns:a16="http://schemas.microsoft.com/office/drawing/2014/main" id="{C963F69F-434A-081B-E1A7-9FAB9E5AB4AB}"/>
+              </a:ext>
+            </a:extLst>
+          </p:cNvPr>
+          <p:cNvPicPr>
+            <a:picLocks noChangeAspect="1" noChangeArrowheads="1"/>
+          </p:cNvPicPr>
+          <p:nvPr/>
+        </p:nvPicPr>
+        <p:blipFill>
+          <a:blip r:embed="rId3">
+            <a:extLst>
+              <a:ext uri="{28A0092B-C50C-407E-A947-70E740481C1C}">
+                <a14:useLocalDpi xmlns:a14="http://schemas.microsoft.com/office/drawing/2010/main" val="0"/>
+              </a:ext>
+            </a:extLst>
+          </a:blip>
+          <a:srcRect/>
+          <a:stretch>
+            <a:fillRect/>
+          </a:stretch>
+        </p:blipFill>
+        <p:spPr bwMode="auto">
+          <a:xfrm>
+            <a:off x="10911840" y="6511064"/>
+            <a:ext cx="1169884" cy="302982"/>
+          </a:xfrm>
+          <a:prstGeom prst="rect">
+            <a:avLst/>
+          </a:prstGeom>
+          <a:noFill/>
+          <a:extLst>
+            <a:ext uri="{909E8E84-426E-40DD-AFC4-6F175D3DCCD1}">
+              <a14:hiddenFill xmlns:a14="http://schemas.microsoft.com/office/drawing/2010/main">
+                <a:solidFill>
+                  <a:srgbClr val="FFFFFF"/>
+                </a:solidFill>
+              </a14:hiddenFill>
+            </a:ext>
+          </a:extLst>
+        </p:spPr>
+      </p:pic>
+      <p:sp>
+        <p:nvSpPr>
+          <p:cNvPr id="10" name="제목 1">
+            <a:extLst>
+              <a:ext uri="{FF2B5EF4-FFF2-40B4-BE49-F238E27FC236}">
+                <a16:creationId xmlns:a16="http://schemas.microsoft.com/office/drawing/2014/main" id="{EFE71315-DABB-528D-BAAD-883F02790F2F}"/>
+              </a:ext>
+            </a:extLst>
+          </p:cNvPr>
+          <p:cNvSpPr txBox="1">
+            <a:spLocks/>
+          </p:cNvSpPr>
+          <p:nvPr/>
+        </p:nvSpPr>
+        <p:spPr>
+          <a:xfrm>
+            <a:off x="74613" y="9525"/>
+            <a:ext cx="12033250" cy="534988"/>
+          </a:xfrm>
+          <a:prstGeom prst="rect">
+            <a:avLst/>
+          </a:prstGeom>
+        </p:spPr>
+        <p:txBody>
+          <a:bodyPr vert="horz" lIns="91440" tIns="45720" rIns="91440" bIns="45720" rtlCol="0" anchor="b">
+            <a:normAutofit/>
+          </a:bodyPr>
+          <a:lstStyle>
+            <a:lvl1pPr algn="ctr" defTabSz="914400" rtl="0" eaLnBrk="1" latinLnBrk="1" hangingPunct="1">
+              <a:lnSpc>
+                <a:spcPct val="90000"/>
+              </a:lnSpc>
+              <a:spcBef>
+                <a:spcPct val="0"/>
+              </a:spcBef>
+              <a:buNone/>
+              <a:defRPr sz="6000" kern="1200">
+                <a:solidFill>
+                  <a:schemeClr val="tx1"/>
+                </a:solidFill>
+                <a:latin typeface="+mj-lt"/>
+                <a:ea typeface="+mj-ea"/>
+                <a:cs typeface="+mj-cs"/>
+              </a:defRPr>
+            </a:lvl1pPr>
+          </a:lstStyle>
+          <a:p>
+            <a:pPr algn="l"/>
+            <a:r>
+              <a:rPr lang="en-US" altLang="ko-KR" sz="2400" b="1" dirty="0">
+                <a:solidFill>
+                  <a:schemeClr val="bg1"/>
+                </a:solidFill>
+              </a:rPr>
+              <a:t>Outline</a:t>
+            </a:r>
+            <a:endParaRPr lang="ko-KR" altLang="en-US" sz="2400" b="1" dirty="0">
+              <a:solidFill>
+                <a:schemeClr val="bg1"/>
+              </a:solidFill>
+            </a:endParaRPr>
+          </a:p>
+        </p:txBody>
+      </p:sp>
+      <p:sp>
+        <p:nvSpPr>
+          <p:cNvPr id="11" name="직사각형 10">
+            <a:extLst>
+              <a:ext uri="{FF2B5EF4-FFF2-40B4-BE49-F238E27FC236}">
+                <a16:creationId xmlns:a16="http://schemas.microsoft.com/office/drawing/2014/main" id="{0AFD44E6-5DC5-162A-F772-1AFAAA02DCDD}"/>
+              </a:ext>
+            </a:extLst>
+          </p:cNvPr>
+          <p:cNvSpPr/>
+          <p:nvPr/>
+        </p:nvSpPr>
+        <p:spPr>
+          <a:xfrm>
+            <a:off x="0" y="0"/>
+            <a:ext cx="12192000" cy="576944"/>
+          </a:xfrm>
+          <a:prstGeom prst="rect">
+            <a:avLst/>
+          </a:prstGeom>
+          <a:solidFill>
+            <a:srgbClr val="144E25"/>
+          </a:solidFill>
+          <a:ln w="12700">
+            <a:solidFill>
+              <a:srgbClr val="144E25"/>
+            </a:solidFill>
+          </a:ln>
+        </p:spPr>
+        <p:style>
+          <a:lnRef idx="2">
+            <a:schemeClr val="accent1">
+              <a:shade val="50000"/>
+            </a:schemeClr>
+          </a:lnRef>
+          <a:fillRef idx="1">
+            <a:schemeClr val="accent1"/>
+          </a:fillRef>
+          <a:effectRef idx="0">
+            <a:schemeClr val="accent1"/>
+          </a:effectRef>
+          <a:fontRef idx="minor">
+            <a:schemeClr val="lt1"/>
+          </a:fontRef>
+        </p:style>
+        <p:txBody>
+          <a:bodyPr rtlCol="0" anchor="ctr"/>
+          <a:lstStyle/>
+          <a:p>
+            <a:pPr algn="ctr"/>
+            <a:endParaRPr lang="ko-KR" altLang="en-US" dirty="0">
+              <a:ln w="12700">
+                <a:solidFill>
+                  <a:schemeClr val="bg1"/>
+                </a:solidFill>
+              </a:ln>
+              <a:highlight>
+                <a:srgbClr val="008000"/>
+              </a:highlight>
+            </a:endParaRPr>
+          </a:p>
+        </p:txBody>
+      </p:sp>
+      <p:sp>
+        <p:nvSpPr>
+          <p:cNvPr id="12" name="제목 1">
+            <a:extLst>
+              <a:ext uri="{FF2B5EF4-FFF2-40B4-BE49-F238E27FC236}">
+                <a16:creationId xmlns:a16="http://schemas.microsoft.com/office/drawing/2014/main" id="{56071032-7EC3-3358-5325-8C22D6C3597F}"/>
+              </a:ext>
+            </a:extLst>
+          </p:cNvPr>
+          <p:cNvSpPr txBox="1">
+            <a:spLocks/>
+          </p:cNvSpPr>
+          <p:nvPr/>
+        </p:nvSpPr>
+        <p:spPr>
+          <a:xfrm>
+            <a:off x="48474" y="20978"/>
+            <a:ext cx="12033250" cy="534988"/>
+          </a:xfrm>
+          <a:prstGeom prst="rect">
+            <a:avLst/>
+          </a:prstGeom>
+        </p:spPr>
+        <p:txBody>
+          <a:bodyPr vert="horz" lIns="91440" tIns="45720" rIns="91440" bIns="45720" rtlCol="0" anchor="b">
+            <a:normAutofit/>
+          </a:bodyPr>
+          <a:lstStyle>
+            <a:lvl1pPr algn="ctr" defTabSz="914400" rtl="0" eaLnBrk="1" latinLnBrk="1" hangingPunct="1">
+              <a:lnSpc>
+                <a:spcPct val="90000"/>
+              </a:lnSpc>
+              <a:spcBef>
+                <a:spcPct val="0"/>
+              </a:spcBef>
+              <a:buNone/>
+              <a:defRPr sz="6000" kern="1200">
+                <a:solidFill>
+                  <a:schemeClr val="tx1"/>
+                </a:solidFill>
+                <a:latin typeface="+mj-lt"/>
+                <a:ea typeface="+mj-ea"/>
+                <a:cs typeface="+mj-cs"/>
+              </a:defRPr>
+            </a:lvl1pPr>
+          </a:lstStyle>
+          <a:p>
+            <a:pPr algn="l"/>
+            <a:r>
+              <a:rPr lang="en-US" altLang="ko-KR" sz="2400" b="1" dirty="0">
+                <a:solidFill>
+                  <a:schemeClr val="bg1"/>
+                </a:solidFill>
+              </a:rPr>
+              <a:t>TensorRT </a:t>
+            </a:r>
+            <a:r>
+              <a:rPr lang="en-US" altLang="ko-KR" sz="2400" b="1" dirty="0" err="1">
+                <a:solidFill>
+                  <a:schemeClr val="bg1"/>
+                </a:solidFill>
+              </a:rPr>
+              <a:t>Quantizations</a:t>
+            </a:r>
+            <a:endParaRPr lang="ko-KR" altLang="en-US" sz="2400" b="1" dirty="0">
+              <a:solidFill>
+                <a:schemeClr val="bg1"/>
+              </a:solidFill>
+            </a:endParaRPr>
+          </a:p>
+        </p:txBody>
+      </p:sp>
+      <p:sp>
+        <p:nvSpPr>
+          <p:cNvPr id="7" name="TextBox 6">
+            <a:extLst>
+              <a:ext uri="{FF2B5EF4-FFF2-40B4-BE49-F238E27FC236}">
+                <a16:creationId xmlns:a16="http://schemas.microsoft.com/office/drawing/2014/main" id="{46E226F4-C0CE-BF2E-9767-82373A84EAE1}"/>
+              </a:ext>
+            </a:extLst>
+          </p:cNvPr>
+          <p:cNvSpPr txBox="1"/>
+          <p:nvPr/>
+        </p:nvSpPr>
+        <p:spPr>
+          <a:xfrm>
+            <a:off x="-1" y="597921"/>
+            <a:ext cx="12191999" cy="646331"/>
+          </a:xfrm>
+          <a:prstGeom prst="rect">
+            <a:avLst/>
+          </a:prstGeom>
+          <a:noFill/>
+        </p:spPr>
+        <p:txBody>
+          <a:bodyPr wrap="square" rtlCol="0">
+            <a:spAutoFit/>
+          </a:bodyPr>
+          <a:lstStyle/>
+          <a:p>
+            <a:pPr algn="ctr"/>
+            <a:endParaRPr lang="en-US" altLang="ko-KR" b="1" dirty="0"/>
+          </a:p>
+          <a:p>
+            <a:pPr algn="ctr"/>
+            <a:r>
+              <a:rPr lang="en-US" altLang="ko-KR" b="1" dirty="0"/>
+              <a:t>QAT (Quantization Aware Training)</a:t>
+            </a:r>
+            <a:endParaRPr lang="ko-KR" altLang="en-US" b="1" dirty="0"/>
+          </a:p>
+        </p:txBody>
+      </p:sp>
+      <p:pic>
+        <p:nvPicPr>
+          <p:cNvPr id="3" name="그림 2">
+            <a:extLst>
+              <a:ext uri="{FF2B5EF4-FFF2-40B4-BE49-F238E27FC236}">
+                <a16:creationId xmlns:a16="http://schemas.microsoft.com/office/drawing/2014/main" id="{38B7A488-29A7-18FF-F8CD-607B240F286E}"/>
+              </a:ext>
+            </a:extLst>
+          </p:cNvPr>
+          <p:cNvPicPr>
+            <a:picLocks noChangeAspect="1"/>
+          </p:cNvPicPr>
+          <p:nvPr/>
+        </p:nvPicPr>
+        <p:blipFill>
+          <a:blip r:embed="rId4"/>
+          <a:stretch>
+            <a:fillRect/>
+          </a:stretch>
+        </p:blipFill>
+        <p:spPr>
+          <a:xfrm>
+            <a:off x="304399" y="2171192"/>
+            <a:ext cx="11583202" cy="2515616"/>
+          </a:xfrm>
+          <a:prstGeom prst="rect">
+            <a:avLst/>
+          </a:prstGeom>
+        </p:spPr>
+      </p:pic>
+    </p:spTree>
+    <p:extLst>
+      <p:ext uri="{BB962C8B-B14F-4D97-AF65-F5344CB8AC3E}">
+        <p14:creationId xmlns:p14="http://schemas.microsoft.com/office/powerpoint/2010/main" val="470620165"/>
+      </p:ext>
+    </p:extLst>
+  </p:cSld>
+  <p:clrMapOvr>
+    <a:masterClrMapping/>
+  </p:clrMapOvr>
+</p:sld>
+</file>
+
+<file path=ppt/slides/slide22.xml><?xml version="1.0" encoding="utf-8"?>
+<p:sld xmlns:a="http://schemas.openxmlformats.org/drawingml/2006/main" xmlns:r="http://schemas.openxmlformats.org/officeDocument/2006/relationships" xmlns:p="http://schemas.openxmlformats.org/presentationml/2006/main">
+  <p:cSld>
+    <p:spTree>
+      <p:nvGrpSpPr>
+        <p:cNvPr id="1" name=""/>
+        <p:cNvGrpSpPr/>
+        <p:nvPr/>
+      </p:nvGrpSpPr>
+      <p:grpSpPr>
+        <a:xfrm>
+          <a:off x="0" y="0"/>
+          <a:ext cx="0" cy="0"/>
+          <a:chOff x="0" y="0"/>
+          <a:chExt cx="0" cy="0"/>
+        </a:xfrm>
+      </p:grpSpPr>
+      <p:sp>
+        <p:nvSpPr>
+          <p:cNvPr id="15" name="직사각형 14">
+            <a:extLst>
+              <a:ext uri="{FF2B5EF4-FFF2-40B4-BE49-F238E27FC236}">
+                <a16:creationId xmlns:a16="http://schemas.microsoft.com/office/drawing/2014/main" id="{BFBBD4AF-E0EB-0836-E1CA-EA97FCCCDEEB}"/>
+              </a:ext>
+            </a:extLst>
+          </p:cNvPr>
+          <p:cNvSpPr/>
+          <p:nvPr/>
+        </p:nvSpPr>
+        <p:spPr>
+          <a:xfrm flipV="1">
+            <a:off x="1" y="6419625"/>
+            <a:ext cx="12192000" cy="45719"/>
+          </a:xfrm>
+          <a:prstGeom prst="rect">
+            <a:avLst/>
+          </a:prstGeom>
+          <a:solidFill>
+            <a:srgbClr val="144E25"/>
+          </a:solidFill>
+          <a:ln>
+            <a:solidFill>
+              <a:schemeClr val="bg1"/>
+            </a:solidFill>
+          </a:ln>
+        </p:spPr>
+        <p:style>
+          <a:lnRef idx="2">
+            <a:schemeClr val="accent1">
+              <a:shade val="50000"/>
+            </a:schemeClr>
+          </a:lnRef>
+          <a:fillRef idx="1">
+            <a:schemeClr val="accent1"/>
+          </a:fillRef>
+          <a:effectRef idx="0">
+            <a:schemeClr val="accent1"/>
+          </a:effectRef>
+          <a:fontRef idx="minor">
+            <a:schemeClr val="lt1"/>
+          </a:fontRef>
+        </p:style>
+        <p:txBody>
+          <a:bodyPr rtlCol="0" anchor="ctr"/>
+          <a:lstStyle/>
+          <a:p>
+            <a:pPr algn="ctr"/>
+            <a:endParaRPr lang="ko-KR" altLang="en-US" dirty="0">
+              <a:highlight>
+                <a:srgbClr val="008000"/>
+              </a:highlight>
+            </a:endParaRPr>
+          </a:p>
+        </p:txBody>
+      </p:sp>
+      <p:pic>
+        <p:nvPicPr>
+          <p:cNvPr id="1026" name="Picture 2" descr="StradVision | Socionext | Deep Learning Object Recognition for ADAS">
+            <a:extLst>
+              <a:ext uri="{FF2B5EF4-FFF2-40B4-BE49-F238E27FC236}">
+                <a16:creationId xmlns:a16="http://schemas.microsoft.com/office/drawing/2014/main" id="{C963F69F-434A-081B-E1A7-9FAB9E5AB4AB}"/>
+              </a:ext>
+            </a:extLst>
+          </p:cNvPr>
+          <p:cNvPicPr>
+            <a:picLocks noChangeAspect="1" noChangeArrowheads="1"/>
+          </p:cNvPicPr>
+          <p:nvPr/>
+        </p:nvPicPr>
+        <p:blipFill>
+          <a:blip r:embed="rId3">
+            <a:extLst>
+              <a:ext uri="{28A0092B-C50C-407E-A947-70E740481C1C}">
+                <a14:useLocalDpi xmlns:a14="http://schemas.microsoft.com/office/drawing/2010/main" val="0"/>
+              </a:ext>
+            </a:extLst>
+          </a:blip>
+          <a:srcRect/>
+          <a:stretch>
+            <a:fillRect/>
+          </a:stretch>
+        </p:blipFill>
+        <p:spPr bwMode="auto">
+          <a:xfrm>
+            <a:off x="10911840" y="6511064"/>
+            <a:ext cx="1169884" cy="302982"/>
+          </a:xfrm>
+          <a:prstGeom prst="rect">
+            <a:avLst/>
+          </a:prstGeom>
+          <a:noFill/>
+          <a:extLst>
+            <a:ext uri="{909E8E84-426E-40DD-AFC4-6F175D3DCCD1}">
+              <a14:hiddenFill xmlns:a14="http://schemas.microsoft.com/office/drawing/2010/main">
+                <a:solidFill>
+                  <a:srgbClr val="FFFFFF"/>
+                </a:solidFill>
+              </a14:hiddenFill>
+            </a:ext>
+          </a:extLst>
+        </p:spPr>
+      </p:pic>
+      <p:sp>
+        <p:nvSpPr>
+          <p:cNvPr id="10" name="제목 1">
+            <a:extLst>
+              <a:ext uri="{FF2B5EF4-FFF2-40B4-BE49-F238E27FC236}">
+                <a16:creationId xmlns:a16="http://schemas.microsoft.com/office/drawing/2014/main" id="{EFE71315-DABB-528D-BAAD-883F02790F2F}"/>
+              </a:ext>
+            </a:extLst>
+          </p:cNvPr>
+          <p:cNvSpPr txBox="1">
+            <a:spLocks/>
+          </p:cNvSpPr>
+          <p:nvPr/>
+        </p:nvSpPr>
+        <p:spPr>
+          <a:xfrm>
+            <a:off x="74613" y="9525"/>
+            <a:ext cx="12033250" cy="534988"/>
+          </a:xfrm>
+          <a:prstGeom prst="rect">
+            <a:avLst/>
+          </a:prstGeom>
+        </p:spPr>
+        <p:txBody>
+          <a:bodyPr vert="horz" lIns="91440" tIns="45720" rIns="91440" bIns="45720" rtlCol="0" anchor="b">
+            <a:normAutofit/>
+          </a:bodyPr>
+          <a:lstStyle>
+            <a:lvl1pPr algn="ctr" defTabSz="914400" rtl="0" eaLnBrk="1" latinLnBrk="1" hangingPunct="1">
+              <a:lnSpc>
+                <a:spcPct val="90000"/>
+              </a:lnSpc>
+              <a:spcBef>
+                <a:spcPct val="0"/>
+              </a:spcBef>
+              <a:buNone/>
+              <a:defRPr sz="6000" kern="1200">
+                <a:solidFill>
+                  <a:schemeClr val="tx1"/>
+                </a:solidFill>
+                <a:latin typeface="+mj-lt"/>
+                <a:ea typeface="+mj-ea"/>
+                <a:cs typeface="+mj-cs"/>
+              </a:defRPr>
+            </a:lvl1pPr>
+          </a:lstStyle>
+          <a:p>
+            <a:pPr algn="l"/>
+            <a:r>
+              <a:rPr lang="en-US" altLang="ko-KR" sz="2400" b="1" dirty="0">
+                <a:solidFill>
+                  <a:schemeClr val="bg1"/>
+                </a:solidFill>
+              </a:rPr>
+              <a:t>Outline</a:t>
+            </a:r>
+            <a:endParaRPr lang="ko-KR" altLang="en-US" sz="2400" b="1" dirty="0">
+              <a:solidFill>
+                <a:schemeClr val="bg1"/>
+              </a:solidFill>
+            </a:endParaRPr>
+          </a:p>
+        </p:txBody>
+      </p:sp>
+      <p:sp>
+        <p:nvSpPr>
+          <p:cNvPr id="11" name="직사각형 10">
+            <a:extLst>
+              <a:ext uri="{FF2B5EF4-FFF2-40B4-BE49-F238E27FC236}">
+                <a16:creationId xmlns:a16="http://schemas.microsoft.com/office/drawing/2014/main" id="{0AFD44E6-5DC5-162A-F772-1AFAAA02DCDD}"/>
+              </a:ext>
+            </a:extLst>
+          </p:cNvPr>
+          <p:cNvSpPr/>
+          <p:nvPr/>
+        </p:nvSpPr>
+        <p:spPr>
+          <a:xfrm>
+            <a:off x="0" y="0"/>
+            <a:ext cx="12192000" cy="576944"/>
+          </a:xfrm>
+          <a:prstGeom prst="rect">
+            <a:avLst/>
+          </a:prstGeom>
+          <a:solidFill>
+            <a:srgbClr val="144E25"/>
+          </a:solidFill>
+          <a:ln w="12700">
+            <a:solidFill>
+              <a:srgbClr val="144E25"/>
+            </a:solidFill>
+          </a:ln>
+        </p:spPr>
+        <p:style>
+          <a:lnRef idx="2">
+            <a:schemeClr val="accent1">
+              <a:shade val="50000"/>
+            </a:schemeClr>
+          </a:lnRef>
+          <a:fillRef idx="1">
+            <a:schemeClr val="accent1"/>
+          </a:fillRef>
+          <a:effectRef idx="0">
+            <a:schemeClr val="accent1"/>
+          </a:effectRef>
+          <a:fontRef idx="minor">
+            <a:schemeClr val="lt1"/>
+          </a:fontRef>
+        </p:style>
+        <p:txBody>
+          <a:bodyPr rtlCol="0" anchor="ctr"/>
+          <a:lstStyle/>
+          <a:p>
+            <a:pPr algn="ctr"/>
+            <a:endParaRPr lang="ko-KR" altLang="en-US" dirty="0">
+              <a:ln w="12700">
+                <a:solidFill>
+                  <a:schemeClr val="bg1"/>
+                </a:solidFill>
+              </a:ln>
+              <a:highlight>
+                <a:srgbClr val="008000"/>
+              </a:highlight>
+            </a:endParaRPr>
+          </a:p>
+        </p:txBody>
+      </p:sp>
+      <p:sp>
+        <p:nvSpPr>
+          <p:cNvPr id="12" name="제목 1">
+            <a:extLst>
+              <a:ext uri="{FF2B5EF4-FFF2-40B4-BE49-F238E27FC236}">
+                <a16:creationId xmlns:a16="http://schemas.microsoft.com/office/drawing/2014/main" id="{56071032-7EC3-3358-5325-8C22D6C3597F}"/>
+              </a:ext>
+            </a:extLst>
+          </p:cNvPr>
+          <p:cNvSpPr txBox="1">
+            <a:spLocks/>
+          </p:cNvSpPr>
+          <p:nvPr/>
+        </p:nvSpPr>
+        <p:spPr>
+          <a:xfrm>
+            <a:off x="48474" y="20978"/>
+            <a:ext cx="12033250" cy="534988"/>
+          </a:xfrm>
+          <a:prstGeom prst="rect">
+            <a:avLst/>
+          </a:prstGeom>
+        </p:spPr>
+        <p:txBody>
+          <a:bodyPr vert="horz" lIns="91440" tIns="45720" rIns="91440" bIns="45720" rtlCol="0" anchor="b">
+            <a:normAutofit/>
+          </a:bodyPr>
+          <a:lstStyle>
+            <a:lvl1pPr algn="ctr" defTabSz="914400" rtl="0" eaLnBrk="1" latinLnBrk="1" hangingPunct="1">
+              <a:lnSpc>
+                <a:spcPct val="90000"/>
+              </a:lnSpc>
+              <a:spcBef>
+                <a:spcPct val="0"/>
+              </a:spcBef>
+              <a:buNone/>
+              <a:defRPr sz="6000" kern="1200">
+                <a:solidFill>
+                  <a:schemeClr val="tx1"/>
+                </a:solidFill>
+                <a:latin typeface="+mj-lt"/>
+                <a:ea typeface="+mj-ea"/>
+                <a:cs typeface="+mj-cs"/>
+              </a:defRPr>
+            </a:lvl1pPr>
+          </a:lstStyle>
+          <a:p>
+            <a:pPr algn="l"/>
+            <a:r>
+              <a:rPr lang="en-US" altLang="ko-KR" sz="2400" b="1" dirty="0">
+                <a:solidFill>
+                  <a:schemeClr val="bg1"/>
+                </a:solidFill>
+              </a:rPr>
+              <a:t>TensorRT </a:t>
+            </a:r>
+            <a:r>
+              <a:rPr lang="en-US" altLang="ko-KR" sz="2400" b="1" dirty="0" err="1">
+                <a:solidFill>
+                  <a:schemeClr val="bg1"/>
+                </a:solidFill>
+              </a:rPr>
+              <a:t>Quantizations</a:t>
+            </a:r>
+            <a:endParaRPr lang="ko-KR" altLang="en-US" sz="2400" b="1" dirty="0">
+              <a:solidFill>
+                <a:schemeClr val="bg1"/>
+              </a:solidFill>
+            </a:endParaRPr>
+          </a:p>
+        </p:txBody>
+      </p:sp>
+      <p:pic>
+        <p:nvPicPr>
+          <p:cNvPr id="4" name="그림 3">
+            <a:extLst>
+              <a:ext uri="{FF2B5EF4-FFF2-40B4-BE49-F238E27FC236}">
+                <a16:creationId xmlns:a16="http://schemas.microsoft.com/office/drawing/2014/main" id="{A7EF133D-813D-995B-6DA4-7844F526FE22}"/>
+              </a:ext>
+            </a:extLst>
+          </p:cNvPr>
+          <p:cNvPicPr>
+            <a:picLocks noChangeAspect="1"/>
+          </p:cNvPicPr>
+          <p:nvPr/>
+        </p:nvPicPr>
+        <p:blipFill>
+          <a:blip r:embed="rId4"/>
+          <a:stretch>
+            <a:fillRect/>
+          </a:stretch>
+        </p:blipFill>
+        <p:spPr>
+          <a:xfrm>
+            <a:off x="4133576" y="1433234"/>
+            <a:ext cx="3924848" cy="3991532"/>
+          </a:xfrm>
+          <a:prstGeom prst="rect">
+            <a:avLst/>
+          </a:prstGeom>
+        </p:spPr>
+      </p:pic>
+    </p:spTree>
+    <p:extLst>
+      <p:ext uri="{BB962C8B-B14F-4D97-AF65-F5344CB8AC3E}">
+        <p14:creationId xmlns:p14="http://schemas.microsoft.com/office/powerpoint/2010/main" val="2902754387"/>
+      </p:ext>
+    </p:extLst>
+  </p:cSld>
+  <p:clrMapOvr>
+    <a:masterClrMapping/>
+  </p:clrMapOvr>
+</p:sld>
+</file>
+
+<file path=ppt/slides/slide23.xml><?xml version="1.0" encoding="utf-8"?>
+<p:sld xmlns:a="http://schemas.openxmlformats.org/drawingml/2006/main" xmlns:r="http://schemas.openxmlformats.org/officeDocument/2006/relationships" xmlns:p="http://schemas.openxmlformats.org/presentationml/2006/main">
+  <p:cSld>
+    <p:spTree>
+      <p:nvGrpSpPr>
+        <p:cNvPr id="1" name=""/>
+        <p:cNvGrpSpPr/>
+        <p:nvPr/>
+      </p:nvGrpSpPr>
+      <p:grpSpPr>
+        <a:xfrm>
+          <a:off x="0" y="0"/>
+          <a:ext cx="0" cy="0"/>
+          <a:chOff x="0" y="0"/>
+          <a:chExt cx="0" cy="0"/>
+        </a:xfrm>
+      </p:grpSpPr>
+      <p:sp>
+        <p:nvSpPr>
+          <p:cNvPr id="15" name="직사각형 14">
+            <a:extLst>
+              <a:ext uri="{FF2B5EF4-FFF2-40B4-BE49-F238E27FC236}">
+                <a16:creationId xmlns:a16="http://schemas.microsoft.com/office/drawing/2014/main" id="{BFBBD4AF-E0EB-0836-E1CA-EA97FCCCDEEB}"/>
+              </a:ext>
+            </a:extLst>
+          </p:cNvPr>
+          <p:cNvSpPr/>
+          <p:nvPr/>
+        </p:nvSpPr>
+        <p:spPr>
+          <a:xfrm flipV="1">
+            <a:off x="1" y="6419625"/>
+            <a:ext cx="12192000" cy="45719"/>
+          </a:xfrm>
+          <a:prstGeom prst="rect">
+            <a:avLst/>
+          </a:prstGeom>
+          <a:solidFill>
+            <a:srgbClr val="144E25"/>
+          </a:solidFill>
+          <a:ln>
+            <a:solidFill>
+              <a:schemeClr val="bg1"/>
+            </a:solidFill>
+          </a:ln>
+        </p:spPr>
+        <p:style>
+          <a:lnRef idx="2">
+            <a:schemeClr val="accent1">
+              <a:shade val="50000"/>
+            </a:schemeClr>
+          </a:lnRef>
+          <a:fillRef idx="1">
+            <a:schemeClr val="accent1"/>
+          </a:fillRef>
+          <a:effectRef idx="0">
+            <a:schemeClr val="accent1"/>
+          </a:effectRef>
+          <a:fontRef idx="minor">
+            <a:schemeClr val="lt1"/>
+          </a:fontRef>
+        </p:style>
+        <p:txBody>
+          <a:bodyPr rtlCol="0" anchor="ctr"/>
+          <a:lstStyle/>
+          <a:p>
+            <a:pPr algn="ctr"/>
+            <a:endParaRPr lang="ko-KR" altLang="en-US" dirty="0">
+              <a:highlight>
+                <a:srgbClr val="008000"/>
+              </a:highlight>
+            </a:endParaRPr>
+          </a:p>
+        </p:txBody>
+      </p:sp>
+      <p:pic>
+        <p:nvPicPr>
+          <p:cNvPr id="1026" name="Picture 2" descr="StradVision | Socionext | Deep Learning Object Recognition for ADAS">
+            <a:extLst>
+              <a:ext uri="{FF2B5EF4-FFF2-40B4-BE49-F238E27FC236}">
+                <a16:creationId xmlns:a16="http://schemas.microsoft.com/office/drawing/2014/main" id="{C963F69F-434A-081B-E1A7-9FAB9E5AB4AB}"/>
+              </a:ext>
+            </a:extLst>
+          </p:cNvPr>
+          <p:cNvPicPr>
+            <a:picLocks noChangeAspect="1" noChangeArrowheads="1"/>
+          </p:cNvPicPr>
+          <p:nvPr/>
+        </p:nvPicPr>
+        <p:blipFill>
+          <a:blip r:embed="rId3">
+            <a:extLst>
+              <a:ext uri="{28A0092B-C50C-407E-A947-70E740481C1C}">
+                <a14:useLocalDpi xmlns:a14="http://schemas.microsoft.com/office/drawing/2010/main" val="0"/>
+              </a:ext>
+            </a:extLst>
+          </a:blip>
+          <a:srcRect/>
+          <a:stretch>
+            <a:fillRect/>
+          </a:stretch>
+        </p:blipFill>
+        <p:spPr bwMode="auto">
+          <a:xfrm>
+            <a:off x="10911840" y="6511064"/>
+            <a:ext cx="1169884" cy="302982"/>
+          </a:xfrm>
+          <a:prstGeom prst="rect">
+            <a:avLst/>
+          </a:prstGeom>
+          <a:noFill/>
+          <a:extLst>
+            <a:ext uri="{909E8E84-426E-40DD-AFC4-6F175D3DCCD1}">
+              <a14:hiddenFill xmlns:a14="http://schemas.microsoft.com/office/drawing/2010/main">
+                <a:solidFill>
+                  <a:srgbClr val="FFFFFF"/>
+                </a:solidFill>
+              </a14:hiddenFill>
+            </a:ext>
+          </a:extLst>
+        </p:spPr>
+      </p:pic>
+      <p:sp>
+        <p:nvSpPr>
+          <p:cNvPr id="10" name="제목 1">
+            <a:extLst>
+              <a:ext uri="{FF2B5EF4-FFF2-40B4-BE49-F238E27FC236}">
+                <a16:creationId xmlns:a16="http://schemas.microsoft.com/office/drawing/2014/main" id="{EFE71315-DABB-528D-BAAD-883F02790F2F}"/>
+              </a:ext>
+            </a:extLst>
+          </p:cNvPr>
+          <p:cNvSpPr txBox="1">
+            <a:spLocks/>
+          </p:cNvSpPr>
+          <p:nvPr/>
+        </p:nvSpPr>
+        <p:spPr>
+          <a:xfrm>
+            <a:off x="74613" y="9525"/>
+            <a:ext cx="12033250" cy="534988"/>
+          </a:xfrm>
+          <a:prstGeom prst="rect">
+            <a:avLst/>
+          </a:prstGeom>
+        </p:spPr>
+        <p:txBody>
+          <a:bodyPr vert="horz" lIns="91440" tIns="45720" rIns="91440" bIns="45720" rtlCol="0" anchor="b">
+            <a:normAutofit/>
+          </a:bodyPr>
+          <a:lstStyle>
+            <a:lvl1pPr algn="ctr" defTabSz="914400" rtl="0" eaLnBrk="1" latinLnBrk="1" hangingPunct="1">
+              <a:lnSpc>
+                <a:spcPct val="90000"/>
+              </a:lnSpc>
+              <a:spcBef>
+                <a:spcPct val="0"/>
+              </a:spcBef>
+              <a:buNone/>
+              <a:defRPr sz="6000" kern="1200">
+                <a:solidFill>
+                  <a:schemeClr val="tx1"/>
+                </a:solidFill>
+                <a:latin typeface="+mj-lt"/>
+                <a:ea typeface="+mj-ea"/>
+                <a:cs typeface="+mj-cs"/>
+              </a:defRPr>
+            </a:lvl1pPr>
+          </a:lstStyle>
+          <a:p>
+            <a:pPr algn="l"/>
+            <a:r>
+              <a:rPr lang="en-US" altLang="ko-KR" sz="2400" b="1" dirty="0">
+                <a:solidFill>
+                  <a:schemeClr val="bg1"/>
+                </a:solidFill>
+              </a:rPr>
+              <a:t>Outline</a:t>
+            </a:r>
+            <a:endParaRPr lang="ko-KR" altLang="en-US" sz="2400" b="1" dirty="0">
+              <a:solidFill>
+                <a:schemeClr val="bg1"/>
+              </a:solidFill>
+            </a:endParaRPr>
+          </a:p>
+        </p:txBody>
+      </p:sp>
+      <p:sp>
+        <p:nvSpPr>
+          <p:cNvPr id="11" name="직사각형 10">
+            <a:extLst>
+              <a:ext uri="{FF2B5EF4-FFF2-40B4-BE49-F238E27FC236}">
+                <a16:creationId xmlns:a16="http://schemas.microsoft.com/office/drawing/2014/main" id="{0AFD44E6-5DC5-162A-F772-1AFAAA02DCDD}"/>
+              </a:ext>
+            </a:extLst>
+          </p:cNvPr>
+          <p:cNvSpPr/>
+          <p:nvPr/>
+        </p:nvSpPr>
+        <p:spPr>
+          <a:xfrm>
+            <a:off x="0" y="0"/>
+            <a:ext cx="12192000" cy="576944"/>
+          </a:xfrm>
+          <a:prstGeom prst="rect">
+            <a:avLst/>
+          </a:prstGeom>
+          <a:solidFill>
+            <a:srgbClr val="144E25"/>
+          </a:solidFill>
+          <a:ln w="12700">
+            <a:solidFill>
+              <a:srgbClr val="144E25"/>
+            </a:solidFill>
+          </a:ln>
+        </p:spPr>
+        <p:style>
+          <a:lnRef idx="2">
+            <a:schemeClr val="accent1">
+              <a:shade val="50000"/>
+            </a:schemeClr>
+          </a:lnRef>
+          <a:fillRef idx="1">
+            <a:schemeClr val="accent1"/>
+          </a:fillRef>
+          <a:effectRef idx="0">
+            <a:schemeClr val="accent1"/>
+          </a:effectRef>
+          <a:fontRef idx="minor">
+            <a:schemeClr val="lt1"/>
+          </a:fontRef>
+        </p:style>
+        <p:txBody>
+          <a:bodyPr rtlCol="0" anchor="ctr"/>
+          <a:lstStyle/>
+          <a:p>
+            <a:pPr algn="ctr"/>
+            <a:endParaRPr lang="ko-KR" altLang="en-US" dirty="0">
+              <a:ln w="12700">
+                <a:solidFill>
+                  <a:schemeClr val="bg1"/>
+                </a:solidFill>
+              </a:ln>
+              <a:highlight>
+                <a:srgbClr val="008000"/>
+              </a:highlight>
+            </a:endParaRPr>
+          </a:p>
+        </p:txBody>
+      </p:sp>
+      <p:sp>
+        <p:nvSpPr>
+          <p:cNvPr id="12" name="제목 1">
+            <a:extLst>
+              <a:ext uri="{FF2B5EF4-FFF2-40B4-BE49-F238E27FC236}">
+                <a16:creationId xmlns:a16="http://schemas.microsoft.com/office/drawing/2014/main" id="{56071032-7EC3-3358-5325-8C22D6C3597F}"/>
+              </a:ext>
+            </a:extLst>
+          </p:cNvPr>
+          <p:cNvSpPr txBox="1">
+            <a:spLocks/>
+          </p:cNvSpPr>
+          <p:nvPr/>
+        </p:nvSpPr>
+        <p:spPr>
+          <a:xfrm>
+            <a:off x="48474" y="20978"/>
+            <a:ext cx="12033250" cy="534988"/>
+          </a:xfrm>
+          <a:prstGeom prst="rect">
+            <a:avLst/>
+          </a:prstGeom>
+        </p:spPr>
+        <p:txBody>
+          <a:bodyPr vert="horz" lIns="91440" tIns="45720" rIns="91440" bIns="45720" rtlCol="0" anchor="b">
+            <a:normAutofit/>
+          </a:bodyPr>
+          <a:lstStyle>
+            <a:lvl1pPr algn="ctr" defTabSz="914400" rtl="0" eaLnBrk="1" latinLnBrk="1" hangingPunct="1">
+              <a:lnSpc>
+                <a:spcPct val="90000"/>
+              </a:lnSpc>
+              <a:spcBef>
+                <a:spcPct val="0"/>
+              </a:spcBef>
+              <a:buNone/>
+              <a:defRPr sz="6000" kern="1200">
+                <a:solidFill>
+                  <a:schemeClr val="tx1"/>
+                </a:solidFill>
+                <a:latin typeface="+mj-lt"/>
+                <a:ea typeface="+mj-ea"/>
+                <a:cs typeface="+mj-cs"/>
+              </a:defRPr>
+            </a:lvl1pPr>
+          </a:lstStyle>
+          <a:p>
+            <a:pPr algn="l"/>
+            <a:r>
+              <a:rPr lang="en-US" altLang="ko-KR" sz="2400" b="1" dirty="0">
+                <a:solidFill>
+                  <a:schemeClr val="bg1"/>
+                </a:solidFill>
+              </a:rPr>
+              <a:t>TensorRT </a:t>
+            </a:r>
+            <a:r>
+              <a:rPr lang="en-US" altLang="ko-KR" sz="2400" b="1" dirty="0" err="1">
+                <a:solidFill>
+                  <a:schemeClr val="bg1"/>
+                </a:solidFill>
+              </a:rPr>
+              <a:t>Quantizations</a:t>
+            </a:r>
+            <a:endParaRPr lang="ko-KR" altLang="en-US" sz="2400" b="1" dirty="0">
+              <a:solidFill>
+                <a:schemeClr val="bg1"/>
+              </a:solidFill>
+            </a:endParaRPr>
+          </a:p>
+        </p:txBody>
+      </p:sp>
+    </p:spTree>
+    <p:extLst>
+      <p:ext uri="{BB962C8B-B14F-4D97-AF65-F5344CB8AC3E}">
+        <p14:creationId xmlns:p14="http://schemas.microsoft.com/office/powerpoint/2010/main" val="4184828315"/>
+      </p:ext>
+    </p:extLst>
+  </p:cSld>
+  <p:clrMapOvr>
+    <a:masterClrMapping/>
+  </p:clrMapOvr>
+</p:sld>
+</file>
+
+<file path=ppt/slides/slide24.xml><?xml version="1.0" encoding="utf-8"?>
+<p:sld xmlns:a="http://schemas.openxmlformats.org/drawingml/2006/main" xmlns:r="http://schemas.openxmlformats.org/officeDocument/2006/relationships" xmlns:p="http://schemas.openxmlformats.org/presentationml/2006/main">
+  <p:cSld>
+    <p:spTree>
+      <p:nvGrpSpPr>
+        <p:cNvPr id="1" name=""/>
+        <p:cNvGrpSpPr/>
+        <p:nvPr/>
+      </p:nvGrpSpPr>
+      <p:grpSpPr>
+        <a:xfrm>
+          <a:off x="0" y="0"/>
+          <a:ext cx="0" cy="0"/>
+          <a:chOff x="0" y="0"/>
+          <a:chExt cx="0" cy="0"/>
+        </a:xfrm>
+      </p:grpSpPr>
+      <p:sp>
+        <p:nvSpPr>
+          <p:cNvPr id="15" name="직사각형 14">
+            <a:extLst>
+              <a:ext uri="{FF2B5EF4-FFF2-40B4-BE49-F238E27FC236}">
+                <a16:creationId xmlns:a16="http://schemas.microsoft.com/office/drawing/2014/main" id="{BFBBD4AF-E0EB-0836-E1CA-EA97FCCCDEEB}"/>
+              </a:ext>
+            </a:extLst>
+          </p:cNvPr>
+          <p:cNvSpPr/>
+          <p:nvPr/>
+        </p:nvSpPr>
+        <p:spPr>
+          <a:xfrm flipV="1">
+            <a:off x="1" y="6419625"/>
+            <a:ext cx="12192000" cy="45719"/>
+          </a:xfrm>
+          <a:prstGeom prst="rect">
+            <a:avLst/>
+          </a:prstGeom>
+          <a:solidFill>
+            <a:srgbClr val="144E25"/>
+          </a:solidFill>
+          <a:ln>
+            <a:solidFill>
+              <a:schemeClr val="bg1"/>
+            </a:solidFill>
+          </a:ln>
+        </p:spPr>
+        <p:style>
+          <a:lnRef idx="2">
+            <a:schemeClr val="accent1">
+              <a:shade val="50000"/>
+            </a:schemeClr>
+          </a:lnRef>
+          <a:fillRef idx="1">
+            <a:schemeClr val="accent1"/>
+          </a:fillRef>
+          <a:effectRef idx="0">
+            <a:schemeClr val="accent1"/>
+          </a:effectRef>
+          <a:fontRef idx="minor">
+            <a:schemeClr val="lt1"/>
+          </a:fontRef>
+        </p:style>
+        <p:txBody>
+          <a:bodyPr rtlCol="0" anchor="ctr"/>
+          <a:lstStyle/>
+          <a:p>
+            <a:pPr algn="ctr"/>
+            <a:endParaRPr lang="ko-KR" altLang="en-US" dirty="0">
+              <a:highlight>
+                <a:srgbClr val="008000"/>
+              </a:highlight>
+            </a:endParaRPr>
+          </a:p>
+        </p:txBody>
+      </p:sp>
+      <p:pic>
+        <p:nvPicPr>
+          <p:cNvPr id="1026" name="Picture 2" descr="StradVision | Socionext | Deep Learning Object Recognition for ADAS">
+            <a:extLst>
+              <a:ext uri="{FF2B5EF4-FFF2-40B4-BE49-F238E27FC236}">
+                <a16:creationId xmlns:a16="http://schemas.microsoft.com/office/drawing/2014/main" id="{C963F69F-434A-081B-E1A7-9FAB9E5AB4AB}"/>
+              </a:ext>
+            </a:extLst>
+          </p:cNvPr>
+          <p:cNvPicPr>
+            <a:picLocks noChangeAspect="1" noChangeArrowheads="1"/>
+          </p:cNvPicPr>
+          <p:nvPr/>
+        </p:nvPicPr>
+        <p:blipFill>
+          <a:blip r:embed="rId3">
+            <a:extLst>
+              <a:ext uri="{28A0092B-C50C-407E-A947-70E740481C1C}">
+                <a14:useLocalDpi xmlns:a14="http://schemas.microsoft.com/office/drawing/2010/main" val="0"/>
+              </a:ext>
+            </a:extLst>
+          </a:blip>
+          <a:srcRect/>
+          <a:stretch>
+            <a:fillRect/>
+          </a:stretch>
+        </p:blipFill>
+        <p:spPr bwMode="auto">
+          <a:xfrm>
+            <a:off x="10911840" y="6511064"/>
+            <a:ext cx="1169884" cy="302982"/>
+          </a:xfrm>
+          <a:prstGeom prst="rect">
+            <a:avLst/>
+          </a:prstGeom>
+          <a:noFill/>
+          <a:extLst>
+            <a:ext uri="{909E8E84-426E-40DD-AFC4-6F175D3DCCD1}">
+              <a14:hiddenFill xmlns:a14="http://schemas.microsoft.com/office/drawing/2010/main">
+                <a:solidFill>
+                  <a:srgbClr val="FFFFFF"/>
+                </a:solidFill>
+              </a14:hiddenFill>
+            </a:ext>
+          </a:extLst>
+        </p:spPr>
+      </p:pic>
+      <p:sp>
+        <p:nvSpPr>
+          <p:cNvPr id="16" name="제목 1">
+            <a:extLst>
+              <a:ext uri="{FF2B5EF4-FFF2-40B4-BE49-F238E27FC236}">
+                <a16:creationId xmlns:a16="http://schemas.microsoft.com/office/drawing/2014/main" id="{61D58152-B98B-DC5A-1BCC-44D819B3BAF7}"/>
+              </a:ext>
+            </a:extLst>
+          </p:cNvPr>
+          <p:cNvSpPr txBox="1">
+            <a:spLocks/>
+          </p:cNvSpPr>
+          <p:nvPr/>
+        </p:nvSpPr>
+        <p:spPr>
+          <a:xfrm>
+            <a:off x="74613" y="9525"/>
+            <a:ext cx="12033250" cy="534988"/>
+          </a:xfrm>
+          <a:prstGeom prst="rect">
+            <a:avLst/>
+          </a:prstGeom>
+        </p:spPr>
+        <p:txBody>
+          <a:bodyPr vert="horz" lIns="91440" tIns="45720" rIns="91440" bIns="45720" rtlCol="0" anchor="b">
+            <a:normAutofit/>
+          </a:bodyPr>
+          <a:lstStyle>
+            <a:lvl1pPr algn="ctr" defTabSz="914400" rtl="0" eaLnBrk="1" latinLnBrk="1" hangingPunct="1">
+              <a:lnSpc>
+                <a:spcPct val="90000"/>
+              </a:lnSpc>
+              <a:spcBef>
+                <a:spcPct val="0"/>
+              </a:spcBef>
+              <a:buNone/>
+              <a:defRPr sz="6000" kern="1200">
+                <a:solidFill>
+                  <a:schemeClr val="tx1"/>
+                </a:solidFill>
+                <a:latin typeface="+mj-lt"/>
+                <a:ea typeface="+mj-ea"/>
+                <a:cs typeface="+mj-cs"/>
+              </a:defRPr>
+            </a:lvl1pPr>
+          </a:lstStyle>
+          <a:p>
+            <a:pPr algn="l"/>
+            <a:r>
+              <a:rPr lang="en-US" altLang="ko-KR" sz="2400" b="1" dirty="0">
+                <a:solidFill>
+                  <a:schemeClr val="bg1"/>
+                </a:solidFill>
+              </a:rPr>
+              <a:t>Outline</a:t>
+            </a:r>
+            <a:endParaRPr lang="ko-KR" altLang="en-US" sz="2400" b="1" dirty="0">
+              <a:solidFill>
+                <a:schemeClr val="bg1"/>
+              </a:solidFill>
+            </a:endParaRPr>
+          </a:p>
+        </p:txBody>
+      </p:sp>
+      <p:sp>
+        <p:nvSpPr>
+          <p:cNvPr id="17" name="직사각형 16">
+            <a:extLst>
+              <a:ext uri="{FF2B5EF4-FFF2-40B4-BE49-F238E27FC236}">
+                <a16:creationId xmlns:a16="http://schemas.microsoft.com/office/drawing/2014/main" id="{8B342028-C111-D240-462D-363CFE17D9E3}"/>
+              </a:ext>
+            </a:extLst>
+          </p:cNvPr>
+          <p:cNvSpPr/>
+          <p:nvPr/>
+        </p:nvSpPr>
+        <p:spPr>
+          <a:xfrm>
+            <a:off x="0" y="0"/>
+            <a:ext cx="12192000" cy="576944"/>
+          </a:xfrm>
+          <a:prstGeom prst="rect">
+            <a:avLst/>
+          </a:prstGeom>
+          <a:solidFill>
+            <a:srgbClr val="144E25"/>
+          </a:solidFill>
+          <a:ln w="12700">
+            <a:solidFill>
+              <a:srgbClr val="144E25"/>
+            </a:solidFill>
+          </a:ln>
+        </p:spPr>
+        <p:style>
+          <a:lnRef idx="2">
+            <a:schemeClr val="accent1">
+              <a:shade val="50000"/>
+            </a:schemeClr>
+          </a:lnRef>
+          <a:fillRef idx="1">
+            <a:schemeClr val="accent1"/>
+          </a:fillRef>
+          <a:effectRef idx="0">
+            <a:schemeClr val="accent1"/>
+          </a:effectRef>
+          <a:fontRef idx="minor">
+            <a:schemeClr val="lt1"/>
+          </a:fontRef>
+        </p:style>
+        <p:txBody>
+          <a:bodyPr rtlCol="0" anchor="ctr"/>
+          <a:lstStyle/>
+          <a:p>
+            <a:pPr algn="ctr"/>
+            <a:endParaRPr lang="ko-KR" altLang="en-US" dirty="0">
+              <a:ln w="12700">
+                <a:solidFill>
+                  <a:schemeClr val="bg1"/>
+                </a:solidFill>
+              </a:ln>
+              <a:highlight>
+                <a:srgbClr val="008000"/>
+              </a:highlight>
+            </a:endParaRPr>
+          </a:p>
+        </p:txBody>
+      </p:sp>
+      <p:sp>
+        <p:nvSpPr>
+          <p:cNvPr id="18" name="제목 1">
+            <a:extLst>
+              <a:ext uri="{FF2B5EF4-FFF2-40B4-BE49-F238E27FC236}">
+                <a16:creationId xmlns:a16="http://schemas.microsoft.com/office/drawing/2014/main" id="{A7C5E5DA-802A-6DA9-ADCE-933AEE373753}"/>
+              </a:ext>
+            </a:extLst>
+          </p:cNvPr>
+          <p:cNvSpPr txBox="1">
+            <a:spLocks/>
+          </p:cNvSpPr>
+          <p:nvPr/>
+        </p:nvSpPr>
+        <p:spPr>
+          <a:xfrm>
+            <a:off x="48474" y="20978"/>
+            <a:ext cx="12033250" cy="534988"/>
+          </a:xfrm>
+          <a:prstGeom prst="rect">
+            <a:avLst/>
+          </a:prstGeom>
+        </p:spPr>
+        <p:txBody>
+          <a:bodyPr vert="horz" lIns="91440" tIns="45720" rIns="91440" bIns="45720" rtlCol="0" anchor="b">
+            <a:normAutofit/>
+          </a:bodyPr>
+          <a:lstStyle>
+            <a:lvl1pPr algn="ctr" defTabSz="914400" rtl="0" eaLnBrk="1" latinLnBrk="1" hangingPunct="1">
+              <a:lnSpc>
+                <a:spcPct val="90000"/>
+              </a:lnSpc>
+              <a:spcBef>
+                <a:spcPct val="0"/>
+              </a:spcBef>
+              <a:buNone/>
+              <a:defRPr sz="6000" kern="1200">
+                <a:solidFill>
+                  <a:schemeClr val="tx1"/>
+                </a:solidFill>
+                <a:latin typeface="+mj-lt"/>
+                <a:ea typeface="+mj-ea"/>
+                <a:cs typeface="+mj-cs"/>
+              </a:defRPr>
+            </a:lvl1pPr>
+          </a:lstStyle>
+          <a:p>
+            <a:pPr algn="l"/>
+            <a:r>
+              <a:rPr lang="en-US" altLang="ko-KR" sz="2400" b="1" dirty="0">
+                <a:solidFill>
+                  <a:schemeClr val="bg1"/>
+                </a:solidFill>
+              </a:rPr>
               <a:t>References</a:t>
             </a:r>
             <a:endParaRPr lang="ko-KR" altLang="en-US" sz="2400" b="1" dirty="0">
@@ -16577,7 +22011,7 @@
 </p:sld>
 </file>
 
-<file path=ppt/slides/slide21.xml><?xml version="1.0" encoding="utf-8"?>
+<file path=ppt/slides/slide25.xml><?xml version="1.0" encoding="utf-8"?>
 <p:sld xmlns:a="http://schemas.openxmlformats.org/drawingml/2006/main" xmlns:r="http://schemas.openxmlformats.org/officeDocument/2006/relationships" xmlns:p="http://schemas.openxmlformats.org/presentationml/2006/main">
   <p:cSld>
     <p:spTree>
@@ -16703,7 +22137,7 @@
 </p:sld>
 </file>
 
-<file path=ppt/slides/slide22.xml><?xml version="1.0" encoding="utf-8"?>
+<file path=ppt/slides/slide26.xml><?xml version="1.0" encoding="utf-8"?>
 <p:sld xmlns:a="http://schemas.openxmlformats.org/drawingml/2006/main" xmlns:r="http://schemas.openxmlformats.org/officeDocument/2006/relationships" xmlns:p="http://schemas.openxmlformats.org/presentationml/2006/main">
   <p:cSld>
     <p:spTree>
@@ -16829,7 +22263,7 @@
 </p:sld>
 </file>
 
-<file path=ppt/slides/slide23.xml><?xml version="1.0" encoding="utf-8"?>
+<file path=ppt/slides/slide27.xml><?xml version="1.0" encoding="utf-8"?>
 <p:sld xmlns:a="http://schemas.openxmlformats.org/drawingml/2006/main" xmlns:r="http://schemas.openxmlformats.org/officeDocument/2006/relationships" xmlns:p="http://schemas.openxmlformats.org/presentationml/2006/main">
   <p:cSld>
     <p:spTree>

--- a/1. Study Summary/Paper Review/[3rd_Paper Review] NVIDIA TensorRT - Inference 최적화 및 가속화를 위한 NVIDIA의 Toolkit.pptx
+++ b/1. Study Summary/Paper Review/[3rd_Paper Review] NVIDIA TensorRT - Inference 최적화 및 가속화를 위한 NVIDIA의 Toolkit.pptx
@@ -29,12 +29,12 @@
     <p:sldId id="351" r:id="rId20"/>
     <p:sldId id="352" r:id="rId21"/>
     <p:sldId id="347" r:id="rId22"/>
-    <p:sldId id="348" r:id="rId23"/>
-    <p:sldId id="349" r:id="rId24"/>
-    <p:sldId id="321" r:id="rId25"/>
-    <p:sldId id="284" r:id="rId26"/>
-    <p:sldId id="316" r:id="rId27"/>
-    <p:sldId id="329" r:id="rId28"/>
+    <p:sldId id="354" r:id="rId23"/>
+    <p:sldId id="348" r:id="rId24"/>
+    <p:sldId id="349" r:id="rId25"/>
+    <p:sldId id="321" r:id="rId26"/>
+    <p:sldId id="284" r:id="rId27"/>
+    <p:sldId id="316" r:id="rId28"/>
   </p:sldIdLst>
   <p:sldSz cx="12192000" cy="6858000"/>
   <p:notesSz cx="6858000" cy="9144000"/>
@@ -7951,6 +7951,120 @@
               <a:t>.</a:t>
             </a:r>
           </a:p>
+          <a:p>
+            <a:pPr marL="0" indent="0">
+              <a:buNone/>
+            </a:pPr>
+            <a:endParaRPr lang="en-US" altLang="ko-KR" b="0" i="0" dirty="0">
+              <a:solidFill>
+                <a:srgbClr val="000000"/>
+              </a:solidFill>
+              <a:effectLst/>
+              <a:latin typeface="DINPro"/>
+            </a:endParaRPr>
+          </a:p>
+          <a:p>
+            <a:pPr marL="0" indent="0">
+              <a:buNone/>
+            </a:pPr>
+            <a:r>
+              <a:rPr lang="ko-KR" altLang="en-US" b="0" i="0" dirty="0">
+                <a:solidFill>
+                  <a:srgbClr val="000000"/>
+                </a:solidFill>
+                <a:effectLst/>
+                <a:latin typeface="DINPro"/>
+              </a:rPr>
+              <a:t>한 가지 특이했던 점은 </a:t>
+            </a:r>
+            <a:r>
+              <a:rPr lang="en-US" altLang="ko-KR" b="0" i="0" dirty="0">
+                <a:solidFill>
+                  <a:srgbClr val="000000"/>
+                </a:solidFill>
+                <a:effectLst/>
+                <a:latin typeface="DINPro"/>
+              </a:rPr>
+              <a:t>,</a:t>
+            </a:r>
+            <a:r>
+              <a:rPr lang="ko-KR" altLang="en-US" b="0" i="1" dirty="0">
+                <a:solidFill>
+                  <a:srgbClr val="1A1A1A"/>
+                </a:solidFill>
+                <a:effectLst/>
+                <a:latin typeface="NVIDIA Sans"/>
+              </a:rPr>
+              <a:t>  명시적 양자화</a:t>
+            </a:r>
+            <a:r>
+              <a:rPr lang="en-US" altLang="ko-KR" b="0" i="1" dirty="0">
+                <a:solidFill>
+                  <a:srgbClr val="1A1A1A"/>
+                </a:solidFill>
+                <a:effectLst/>
+                <a:latin typeface="NVIDIA Sans"/>
+              </a:rPr>
+              <a:t>( explicit quantization</a:t>
+            </a:r>
+            <a:r>
+              <a:rPr lang="ko-KR" altLang="en-US" b="0" i="0" dirty="0">
+                <a:solidFill>
+                  <a:srgbClr val="1A1A1A"/>
+                </a:solidFill>
+                <a:effectLst/>
+                <a:latin typeface="NVIDIA Sans"/>
+              </a:rPr>
+              <a:t> </a:t>
+            </a:r>
+            <a:r>
+              <a:rPr lang="en-US" altLang="ko-KR" b="0" i="0" dirty="0">
+                <a:solidFill>
+                  <a:srgbClr val="1A1A1A"/>
+                </a:solidFill>
+                <a:effectLst/>
+                <a:latin typeface="NVIDIA Sans"/>
+              </a:rPr>
+              <a:t>) </a:t>
+            </a:r>
+            <a:r>
+              <a:rPr lang="ko-KR" altLang="en-US" b="0" i="0" dirty="0">
+                <a:solidFill>
+                  <a:srgbClr val="1A1A1A"/>
+                </a:solidFill>
+                <a:effectLst/>
+                <a:latin typeface="NVIDIA Sans"/>
+              </a:rPr>
+              <a:t>라고 하는 특수 모드를 사용하여 </a:t>
+            </a:r>
+            <a:r>
+              <a:rPr lang="en-US" altLang="ko-KR" b="0" i="0" dirty="0">
+                <a:solidFill>
+                  <a:srgbClr val="1A1A1A"/>
+                </a:solidFill>
+                <a:effectLst/>
+                <a:latin typeface="NVIDIA Sans"/>
+              </a:rPr>
+              <a:t>Q/DQ </a:t>
+            </a:r>
+            <a:r>
+              <a:rPr lang="ko-KR" altLang="en-US" b="0" i="0" dirty="0">
+                <a:solidFill>
+                  <a:srgbClr val="1A1A1A"/>
+                </a:solidFill>
+                <a:effectLst/>
+                <a:latin typeface="NVIDIA Sans"/>
+              </a:rPr>
+              <a:t>네트워크를 최적화</a:t>
+            </a:r>
+            <a:endParaRPr lang="en-US" altLang="ko-KR" b="0" i="0" dirty="0">
+              <a:solidFill>
+                <a:srgbClr val="000000"/>
+              </a:solidFill>
+              <a:effectLst/>
+              <a:latin typeface="DINPro"/>
+            </a:endParaRPr>
+          </a:p>
         </p:txBody>
       </p:sp>
       <p:sp>
@@ -8037,22 +8151,115 @@
               <a:buNone/>
             </a:pPr>
             <a:r>
-              <a:rPr lang="ko-KR" altLang="en-US" b="0" i="0" dirty="0" err="1">
-                <a:solidFill>
-                  <a:srgbClr val="000000"/>
-                </a:solidFill>
-                <a:effectLst/>
-                <a:latin typeface="DINPro"/>
-              </a:rPr>
-              <a:t>특이했던점은</a:t>
-            </a:r>
-            <a:endParaRPr lang="en-US" altLang="ko-KR" b="0" i="0" dirty="0">
-              <a:solidFill>
-                <a:srgbClr val="000000"/>
-              </a:solidFill>
-              <a:effectLst/>
-              <a:latin typeface="DINPro"/>
-            </a:endParaRPr>
+              <a:rPr lang="en-US" altLang="ko-KR" b="0" i="0" dirty="0">
+                <a:solidFill>
+                  <a:srgbClr val="000000"/>
+                </a:solidFill>
+                <a:effectLst/>
+                <a:latin typeface="noto"/>
+              </a:rPr>
+              <a:t>QAT</a:t>
+            </a:r>
+            <a:r>
+              <a:rPr lang="ko-KR" altLang="en-US" b="0" i="0" dirty="0">
+                <a:solidFill>
+                  <a:srgbClr val="000000"/>
+                </a:solidFill>
+                <a:effectLst/>
+                <a:latin typeface="noto"/>
+              </a:rPr>
+              <a:t>를 진행하는 과정</a:t>
+            </a:r>
+            <a:r>
+              <a:rPr lang="en-US" altLang="ko-KR" b="0" i="0" dirty="0">
+                <a:solidFill>
+                  <a:srgbClr val="000000"/>
+                </a:solidFill>
+                <a:effectLst/>
+                <a:latin typeface="noto"/>
+              </a:rPr>
+              <a:t>(</a:t>
+            </a:r>
+            <a:r>
+              <a:rPr lang="ko-KR" altLang="en-US" b="0" i="0" dirty="0">
+                <a:solidFill>
+                  <a:srgbClr val="000000"/>
+                </a:solidFill>
+                <a:effectLst/>
+                <a:latin typeface="noto"/>
+              </a:rPr>
+              <a:t>미세조정</a:t>
+            </a:r>
+            <a:r>
+              <a:rPr lang="en-US" altLang="ko-KR" b="0" i="0" dirty="0">
+                <a:solidFill>
+                  <a:srgbClr val="000000"/>
+                </a:solidFill>
+                <a:effectLst/>
+                <a:latin typeface="noto"/>
+              </a:rPr>
+              <a:t>, </a:t>
+            </a:r>
+            <a:r>
+              <a:rPr lang="ko-KR" altLang="en-US" b="0" i="0" dirty="0">
+                <a:solidFill>
+                  <a:srgbClr val="000000"/>
+                </a:solidFill>
+                <a:effectLst/>
+                <a:latin typeface="noto"/>
+              </a:rPr>
+              <a:t>가까 양자화 노드 추가 등</a:t>
+            </a:r>
+            <a:r>
+              <a:rPr lang="en-US" altLang="ko-KR" b="0" i="0" dirty="0">
+                <a:solidFill>
+                  <a:srgbClr val="000000"/>
+                </a:solidFill>
+                <a:effectLst/>
+                <a:latin typeface="noto"/>
+              </a:rPr>
+              <a:t>)</a:t>
+            </a:r>
+            <a:r>
+              <a:rPr lang="ko-KR" altLang="en-US" b="0" i="0" dirty="0">
+                <a:solidFill>
+                  <a:srgbClr val="000000"/>
+                </a:solidFill>
+                <a:effectLst/>
+                <a:latin typeface="noto"/>
+              </a:rPr>
+              <a:t>은 크게 </a:t>
+            </a:r>
+            <a:r>
+              <a:rPr lang="en-US" altLang="ko-KR" b="0" i="0" dirty="0" err="1">
+                <a:solidFill>
+                  <a:srgbClr val="000000"/>
+                </a:solidFill>
+                <a:effectLst/>
+                <a:latin typeface="noto"/>
+              </a:rPr>
+              <a:t>PyTorch</a:t>
+            </a:r>
+            <a:r>
+              <a:rPr lang="ko-KR" altLang="en-US" b="0" i="0" dirty="0">
+                <a:solidFill>
+                  <a:srgbClr val="000000"/>
+                </a:solidFill>
+                <a:effectLst/>
+                <a:latin typeface="noto"/>
+              </a:rPr>
+              <a:t>에서와 동일하다고 볼 수 있는데</a:t>
+            </a:r>
+            <a:r>
+              <a:rPr lang="en-US" altLang="ko-KR" b="0" i="0" dirty="0">
+                <a:solidFill>
+                  <a:srgbClr val="000000"/>
+                </a:solidFill>
+                <a:effectLst/>
+                <a:latin typeface="noto"/>
+              </a:rPr>
+              <a:t>,</a:t>
+            </a:r>
           </a:p>
           <a:p>
             <a:pPr marL="0" indent="0">
@@ -8063,7 +8270,7 @@
                 <a:srgbClr val="000000"/>
               </a:solidFill>
               <a:effectLst/>
-              <a:latin typeface="DINPro"/>
+              <a:latin typeface="noto"/>
             </a:endParaRPr>
           </a:p>
           <a:p>
@@ -8071,152 +8278,276 @@
               <a:buNone/>
             </a:pPr>
             <a:r>
-              <a:rPr lang="en-US" altLang="ko-KR" b="0" i="1" dirty="0" err="1">
-                <a:solidFill>
-                  <a:srgbClr val="1A1A1A"/>
-                </a:solidFill>
-                <a:effectLst/>
-                <a:latin typeface="NVIDIA Sans"/>
-              </a:rPr>
-              <a:t>PyTorch</a:t>
-            </a:r>
-            <a:r>
-              <a:rPr lang="en-US" altLang="ko-KR" b="0" i="1" dirty="0">
-                <a:solidFill>
-                  <a:srgbClr val="1A1A1A"/>
-                </a:solidFill>
-                <a:effectLst/>
-                <a:latin typeface="NVIDIA Sans"/>
-              </a:rPr>
-              <a:t> </a:t>
-            </a:r>
-            <a:r>
-              <a:rPr lang="ko-KR" altLang="en-US" b="0" i="1" dirty="0">
-                <a:solidFill>
-                  <a:srgbClr val="1A1A1A"/>
-                </a:solidFill>
-                <a:effectLst/>
-                <a:latin typeface="NVIDIA Sans"/>
-              </a:rPr>
-              <a:t>모델을 </a:t>
-            </a:r>
-            <a:r>
-              <a:rPr lang="en-US" altLang="ko-KR" b="0" i="1" dirty="0">
-                <a:solidFill>
-                  <a:srgbClr val="1A1A1A"/>
-                </a:solidFill>
-                <a:effectLst/>
-                <a:latin typeface="NVIDIA Sans"/>
-              </a:rPr>
-              <a:t>ONNX</a:t>
-            </a:r>
-            <a:r>
-              <a:rPr lang="ko-KR" altLang="en-US" b="0" i="1" dirty="0">
-                <a:solidFill>
-                  <a:srgbClr val="1A1A1A"/>
-                </a:solidFill>
-                <a:effectLst/>
-                <a:latin typeface="NVIDIA Sans"/>
-              </a:rPr>
-              <a:t>로 내보낼 때 가짜 양자화 연산자가</a:t>
-            </a:r>
-            <a:r>
-              <a:rPr lang="ko-KR" altLang="en-US" b="0" i="0" dirty="0">
-                <a:solidFill>
-                  <a:srgbClr val="1A1A1A"/>
-                </a:solidFill>
-                <a:effectLst/>
-                <a:latin typeface="NVIDIA Sans"/>
-              </a:rPr>
-              <a:t> </a:t>
-            </a:r>
-            <a:r>
-              <a:rPr lang="en-US" altLang="ko-KR" b="0" i="0" dirty="0">
-                <a:solidFill>
-                  <a:srgbClr val="1A1A1A"/>
-                </a:solidFill>
-                <a:effectLst/>
-                <a:latin typeface="NVIDIA Sans"/>
-              </a:rPr>
-              <a:t>Q/DQ </a:t>
-            </a:r>
-            <a:r>
-              <a:rPr lang="en-US" altLang="ko-KR" b="0" i="1" dirty="0">
-                <a:solidFill>
-                  <a:srgbClr val="1A1A1A"/>
-                </a:solidFill>
-                <a:effectLst/>
-                <a:latin typeface="NVIDIA Sans"/>
-              </a:rPr>
-              <a:t>ONNX </a:t>
-            </a:r>
-            <a:r>
-              <a:rPr lang="ko-KR" altLang="en-US" b="0" i="1" dirty="0">
-                <a:solidFill>
-                  <a:srgbClr val="1A1A1A"/>
-                </a:solidFill>
-                <a:effectLst/>
-                <a:latin typeface="NVIDIA Sans"/>
-              </a:rPr>
-              <a:t>연산자 로 변환되도록 하고</a:t>
-            </a:r>
-            <a:r>
-              <a:rPr lang="en-US" altLang="ko-KR" b="0" i="1" dirty="0">
-                <a:solidFill>
-                  <a:srgbClr val="1A1A1A"/>
-                </a:solidFill>
-                <a:effectLst/>
-                <a:latin typeface="NVIDIA Sans"/>
-              </a:rPr>
-              <a:t>, </a:t>
-            </a:r>
-            <a:r>
-              <a:rPr lang="ko-KR" altLang="en-US" b="0" i="1" dirty="0">
-                <a:solidFill>
-                  <a:srgbClr val="1A1A1A"/>
-                </a:solidFill>
-                <a:effectLst/>
-                <a:latin typeface="NVIDIA Sans"/>
-              </a:rPr>
-              <a:t>이 모델로 </a:t>
-            </a:r>
-            <a:r>
-              <a:rPr lang="en-US" altLang="ko-KR" b="0" i="1" dirty="0">
-                <a:solidFill>
-                  <a:srgbClr val="1A1A1A"/>
-                </a:solidFill>
-                <a:effectLst/>
-                <a:latin typeface="NVIDIA Sans"/>
-              </a:rPr>
-              <a:t>Inference</a:t>
-            </a:r>
-            <a:r>
-              <a:rPr lang="ko-KR" altLang="en-US" b="0" i="1" dirty="0">
-                <a:solidFill>
-                  <a:srgbClr val="1A1A1A"/>
-                </a:solidFill>
-                <a:effectLst/>
-                <a:latin typeface="NVIDIA Sans"/>
-              </a:rPr>
-              <a:t>를 진행한다는 것이었습니다</a:t>
-            </a:r>
-            <a:r>
-              <a:rPr lang="en-US" altLang="ko-KR" b="0" i="1" dirty="0">
-                <a:solidFill>
-                  <a:srgbClr val="1A1A1A"/>
-                </a:solidFill>
-                <a:effectLst/>
-                <a:latin typeface="NVIDIA Sans"/>
+              <a:rPr lang="ko-KR" altLang="en-US" b="0" i="0" dirty="0">
+                <a:solidFill>
+                  <a:srgbClr val="000000"/>
+                </a:solidFill>
+                <a:effectLst/>
+                <a:latin typeface="noto"/>
+              </a:rPr>
+              <a:t>양자화 훈련의 한 가지 과제는 양자화 연산의 미분이 </a:t>
+            </a:r>
+            <a:r>
+              <a:rPr lang="en-US" altLang="ko-KR" b="0" i="0" dirty="0">
+                <a:solidFill>
+                  <a:srgbClr val="000000"/>
+                </a:solidFill>
+                <a:effectLst/>
+                <a:latin typeface="noto"/>
+              </a:rPr>
+              <a:t>0</a:t>
+            </a:r>
+            <a:r>
+              <a:rPr lang="ko-KR" altLang="en-US" b="0" i="0" dirty="0">
+                <a:solidFill>
+                  <a:srgbClr val="000000"/>
+                </a:solidFill>
+                <a:effectLst/>
+                <a:latin typeface="noto"/>
+              </a:rPr>
+              <a:t>이 되는 </a:t>
+            </a:r>
+            <a:r>
+              <a:rPr lang="en-US" altLang="ko-KR" b="0" i="0" dirty="0">
+                <a:solidFill>
+                  <a:srgbClr val="000000"/>
+                </a:solidFill>
+                <a:effectLst/>
+                <a:latin typeface="noto"/>
+              </a:rPr>
+              <a:t>Vanishing Gradient </a:t>
+            </a:r>
+            <a:r>
+              <a:rPr lang="ko-KR" altLang="en-US" b="0" i="0" dirty="0">
+                <a:solidFill>
+                  <a:srgbClr val="000000"/>
+                </a:solidFill>
+                <a:effectLst/>
+                <a:latin typeface="noto"/>
+              </a:rPr>
+              <a:t>문제가 있다는 것</a:t>
+            </a:r>
+            <a:r>
+              <a:rPr lang="en-US" altLang="ko-KR" b="0" i="0" dirty="0">
+                <a:solidFill>
+                  <a:srgbClr val="000000"/>
+                </a:solidFill>
+                <a:effectLst/>
+                <a:latin typeface="noto"/>
               </a:rPr>
               <a:t>.</a:t>
             </a:r>
+          </a:p>
+          <a:p>
+            <a:pPr marL="0" indent="0">
+              <a:buNone/>
+            </a:pPr>
             <a:endParaRPr lang="en-US" altLang="ko-KR" b="0" i="0" dirty="0">
               <a:solidFill>
                 <a:srgbClr val="000000"/>
               </a:solidFill>
               <a:effectLst/>
-              <a:latin typeface="DINPro"/>
+              <a:latin typeface="noto"/>
             </a:endParaRPr>
+          </a:p>
+          <a:p>
+            <a:pPr marL="0" indent="0">
+              <a:buNone/>
+            </a:pPr>
+            <a:r>
+              <a:rPr lang="ko-KR" altLang="en-US" b="0" i="0" dirty="0">
+                <a:solidFill>
+                  <a:srgbClr val="000000"/>
+                </a:solidFill>
+                <a:effectLst/>
+                <a:latin typeface="noto"/>
+              </a:rPr>
+              <a:t>미분은 각 훈련 반복의 역방향 패스에 대한 손실 </a:t>
+            </a:r>
+            <a:r>
+              <a:rPr lang="ko-KR" altLang="en-US" b="0" i="0" dirty="0" err="1">
+                <a:solidFill>
+                  <a:srgbClr val="000000"/>
+                </a:solidFill>
+                <a:effectLst/>
+                <a:latin typeface="noto"/>
+              </a:rPr>
+              <a:t>그레이디언트를</a:t>
+            </a:r>
+            <a:r>
+              <a:rPr lang="ko-KR" altLang="en-US" b="0" i="0" dirty="0">
+                <a:solidFill>
+                  <a:srgbClr val="000000"/>
+                </a:solidFill>
+                <a:effectLst/>
+                <a:latin typeface="noto"/>
+              </a:rPr>
+              <a:t> 계산하는 데 필요하다</a:t>
+            </a:r>
+            <a:r>
+              <a:rPr lang="en-US" altLang="ko-KR" b="0" i="0" dirty="0">
+                <a:solidFill>
+                  <a:srgbClr val="000000"/>
+                </a:solidFill>
+                <a:effectLst/>
+                <a:latin typeface="noto"/>
+              </a:rPr>
+              <a:t>.</a:t>
+            </a:r>
+          </a:p>
+          <a:p>
+            <a:pPr marL="0" indent="0">
+              <a:buNone/>
+            </a:pPr>
+            <a:endParaRPr lang="en-US" altLang="ko-KR" b="0" i="0" dirty="0">
+              <a:solidFill>
+                <a:srgbClr val="000000"/>
+              </a:solidFill>
+              <a:effectLst/>
+              <a:latin typeface="noto"/>
+            </a:endParaRPr>
+          </a:p>
+          <a:p>
+            <a:pPr marL="0" indent="0">
+              <a:buNone/>
+            </a:pPr>
+            <a:r>
+              <a:rPr lang="ko-KR" altLang="en-US" b="0" i="0" dirty="0">
+                <a:solidFill>
+                  <a:srgbClr val="000000"/>
+                </a:solidFill>
+                <a:effectLst/>
+                <a:latin typeface="noto"/>
+              </a:rPr>
+              <a:t>따라서</a:t>
+            </a:r>
+            <a:r>
+              <a:rPr lang="en-US" altLang="ko-KR" b="0" i="0" dirty="0">
+                <a:solidFill>
+                  <a:srgbClr val="000000"/>
+                </a:solidFill>
+                <a:effectLst/>
+                <a:latin typeface="noto"/>
+              </a:rPr>
+              <a:t>, QAT</a:t>
+            </a:r>
+            <a:r>
+              <a:rPr lang="ko-KR" altLang="en-US" b="0" i="0" dirty="0">
+                <a:solidFill>
+                  <a:srgbClr val="000000"/>
+                </a:solidFill>
+                <a:effectLst/>
+                <a:latin typeface="noto"/>
+              </a:rPr>
+              <a:t>는 그림 </a:t>
+            </a:r>
+            <a:r>
+              <a:rPr lang="en-US" altLang="ko-KR" b="0" i="0" dirty="0">
+                <a:solidFill>
+                  <a:srgbClr val="000000"/>
+                </a:solidFill>
+                <a:effectLst/>
+                <a:latin typeface="noto"/>
+              </a:rPr>
+              <a:t>4</a:t>
+            </a:r>
+            <a:r>
+              <a:rPr lang="ko-KR" altLang="en-US" b="0" i="0" dirty="0">
+                <a:solidFill>
+                  <a:srgbClr val="000000"/>
+                </a:solidFill>
+                <a:effectLst/>
+                <a:latin typeface="noto"/>
+              </a:rPr>
+              <a:t>와 같이 </a:t>
+            </a:r>
+            <a:r>
+              <a:rPr lang="en-US" altLang="ko-KR" b="0" i="0" dirty="0">
+                <a:solidFill>
+                  <a:srgbClr val="000000"/>
+                </a:solidFill>
+                <a:effectLst/>
+                <a:latin typeface="noto"/>
+              </a:rPr>
+              <a:t>Straight-through Estimator(STE)[3]</a:t>
+            </a:r>
+            <a:r>
+              <a:rPr lang="ko-KR" altLang="en-US" b="0" i="0" dirty="0">
+                <a:solidFill>
+                  <a:srgbClr val="000000"/>
+                </a:solidFill>
+                <a:effectLst/>
+                <a:latin typeface="noto"/>
+              </a:rPr>
+              <a:t>를 사용하여 이 문제를 해결한다고 함</a:t>
+            </a:r>
+            <a:r>
+              <a:rPr lang="en-US" altLang="ko-KR" b="0" i="0" dirty="0">
+                <a:solidFill>
+                  <a:srgbClr val="000000"/>
+                </a:solidFill>
+                <a:effectLst/>
+                <a:latin typeface="noto"/>
+              </a:rPr>
+              <a:t>.</a:t>
+            </a:r>
+          </a:p>
+          <a:p>
+            <a:pPr marL="0" indent="0">
+              <a:buNone/>
+            </a:pPr>
+            <a:endParaRPr lang="en-US" altLang="ko-KR" b="0" i="0" dirty="0">
+              <a:solidFill>
+                <a:srgbClr val="000000"/>
+              </a:solidFill>
+              <a:effectLst/>
+              <a:latin typeface="noto"/>
+            </a:endParaRPr>
+          </a:p>
+          <a:p>
+            <a:pPr marL="0" indent="0">
+              <a:buNone/>
+            </a:pPr>
+            <a:r>
+              <a:rPr lang="ko-KR" altLang="en-US" b="0" i="0" dirty="0">
+                <a:solidFill>
+                  <a:srgbClr val="000000"/>
+                </a:solidFill>
+                <a:effectLst/>
+                <a:latin typeface="DINPro"/>
+              </a:rPr>
+              <a:t>이 식과 같이 가짜 양자화 함수의 미분 값을 </a:t>
+            </a:r>
+            <a:r>
+              <a:rPr lang="en-US" altLang="ko-KR" b="0" i="0" dirty="0">
+                <a:solidFill>
+                  <a:srgbClr val="000000"/>
+                </a:solidFill>
+                <a:effectLst/>
+                <a:latin typeface="DINPro"/>
+              </a:rPr>
+              <a:t>1</a:t>
+            </a:r>
+            <a:r>
+              <a:rPr lang="ko-KR" altLang="en-US" b="0" i="0" dirty="0">
+                <a:solidFill>
+                  <a:srgbClr val="000000"/>
+                </a:solidFill>
+                <a:effectLst/>
+                <a:latin typeface="DINPro"/>
+              </a:rPr>
+              <a:t>에 근사하게 한다는 방식</a:t>
+            </a:r>
+            <a:r>
+              <a:rPr lang="en-US" altLang="ko-KR" b="0" i="0" dirty="0">
+                <a:solidFill>
+                  <a:srgbClr val="000000"/>
+                </a:solidFill>
+                <a:effectLst/>
+                <a:latin typeface="DINPro"/>
+              </a:rPr>
+              <a:t>.</a:t>
+            </a:r>
           </a:p>
         </p:txBody>
       </p:sp>
@@ -8246,7 +8577,7 @@
     </p:spTree>
     <p:extLst>
       <p:ext uri="{BB962C8B-B14F-4D97-AF65-F5344CB8AC3E}">
-        <p14:creationId xmlns:p14="http://schemas.microsoft.com/office/powerpoint/2010/main" val="3308444867"/>
+        <p14:creationId xmlns:p14="http://schemas.microsoft.com/office/powerpoint/2010/main" val="717878693"/>
       </p:ext>
     </p:extLst>
   </p:cSld>
@@ -8304,116 +8635,184 @@
               <a:buNone/>
             </a:pPr>
             <a:r>
-              <a:rPr lang="en-US" altLang="ko-KR" b="0" i="0" dirty="0" err="1">
-                <a:solidFill>
-                  <a:srgbClr val="000000"/>
-                </a:solidFill>
-                <a:effectLst/>
-                <a:latin typeface="Trebuchet MS" panose="020B0603020202020204" pitchFamily="34" charset="0"/>
-              </a:rPr>
-              <a:t>TensorRT</a:t>
-            </a:r>
-            <a:r>
-              <a:rPr lang="ko-KR" altLang="en-US" b="0" i="0" dirty="0">
-                <a:solidFill>
-                  <a:srgbClr val="000000"/>
-                </a:solidFill>
-                <a:effectLst/>
-                <a:latin typeface="Trebuchet MS" panose="020B0603020202020204" pitchFamily="34" charset="0"/>
-              </a:rPr>
-              <a:t>의 </a:t>
-            </a:r>
-            <a:r>
-              <a:rPr lang="en-US" altLang="ko-KR" b="0" i="0" u="sng" dirty="0">
-                <a:solidFill>
-                  <a:srgbClr val="76B900"/>
-                </a:solidFill>
-                <a:effectLst/>
-                <a:latin typeface="Trebuchet MS" panose="020B0603020202020204" pitchFamily="34" charset="0"/>
-                <a:hlinkClick r:id="rId3"/>
-              </a:rPr>
-              <a:t>Quantization Toolkit</a:t>
-            </a:r>
-            <a:r>
-              <a:rPr lang="ko-KR" altLang="en-US" b="0" i="0" dirty="0">
-                <a:solidFill>
-                  <a:srgbClr val="000000"/>
-                </a:solidFill>
-                <a:effectLst/>
-                <a:latin typeface="Trebuchet MS" panose="020B0603020202020204" pitchFamily="34" charset="0"/>
-              </a:rPr>
-              <a:t> 은 </a:t>
-            </a:r>
-            <a:r>
-              <a:rPr lang="en-US" altLang="ko-KR" b="0" i="0" dirty="0" err="1">
-                <a:solidFill>
-                  <a:srgbClr val="000000"/>
-                </a:solidFill>
-                <a:effectLst/>
-                <a:latin typeface="Trebuchet MS" panose="020B0603020202020204" pitchFamily="34" charset="0"/>
-              </a:rPr>
-              <a:t>TensorRT</a:t>
-            </a:r>
-            <a:r>
-              <a:rPr lang="ko-KR" altLang="en-US" b="0" i="0" dirty="0">
-                <a:solidFill>
-                  <a:srgbClr val="000000"/>
-                </a:solidFill>
-                <a:effectLst/>
-                <a:latin typeface="Trebuchet MS" panose="020B0603020202020204" pitchFamily="34" charset="0"/>
-              </a:rPr>
-              <a:t>로 최적화할 수 있는 </a:t>
-            </a:r>
-            <a:r>
-              <a:rPr lang="en-US" altLang="ko-KR" b="0" i="0" dirty="0">
-                <a:solidFill>
-                  <a:srgbClr val="000000"/>
-                </a:solidFill>
-                <a:effectLst/>
-                <a:latin typeface="Trebuchet MS" panose="020B0603020202020204" pitchFamily="34" charset="0"/>
-              </a:rPr>
-              <a:t>QAT </a:t>
-            </a:r>
-            <a:r>
-              <a:rPr lang="ko-KR" altLang="en-US" b="0" i="0" dirty="0">
-                <a:solidFill>
-                  <a:srgbClr val="000000"/>
-                </a:solidFill>
-                <a:effectLst/>
-                <a:latin typeface="Trebuchet MS" panose="020B0603020202020204" pitchFamily="34" charset="0"/>
-              </a:rPr>
-              <a:t>모델을 생성하는 데 도움이 되는 </a:t>
-            </a:r>
-            <a:r>
-              <a:rPr lang="en-US" altLang="ko-KR" b="0" i="0" dirty="0" err="1">
-                <a:solidFill>
-                  <a:srgbClr val="000000"/>
-                </a:solidFill>
-                <a:effectLst/>
-                <a:latin typeface="Trebuchet MS" panose="020B0603020202020204" pitchFamily="34" charset="0"/>
+              <a:rPr lang="ko-KR" altLang="en-US" b="0" i="0" dirty="0" err="1">
+                <a:solidFill>
+                  <a:srgbClr val="000000"/>
+                </a:solidFill>
+                <a:effectLst/>
+                <a:latin typeface="DINPro"/>
+              </a:rPr>
+              <a:t>특이했던점은</a:t>
+            </a:r>
+            <a:endParaRPr lang="en-US" altLang="ko-KR" b="0" i="0" dirty="0">
+              <a:solidFill>
+                <a:srgbClr val="000000"/>
+              </a:solidFill>
+              <a:effectLst/>
+              <a:latin typeface="DINPro"/>
+            </a:endParaRPr>
+          </a:p>
+          <a:p>
+            <a:pPr marL="0" indent="0">
+              <a:buNone/>
+            </a:pPr>
+            <a:endParaRPr lang="en-US" altLang="ko-KR" b="0" i="0" dirty="0">
+              <a:solidFill>
+                <a:srgbClr val="000000"/>
+              </a:solidFill>
+              <a:effectLst/>
+              <a:latin typeface="DINPro"/>
+            </a:endParaRPr>
+          </a:p>
+          <a:p>
+            <a:pPr marL="0" indent="0">
+              <a:buNone/>
+            </a:pPr>
+            <a:r>
+              <a:rPr lang="en-US" altLang="ko-KR" b="0" i="1" dirty="0" err="1">
+                <a:solidFill>
+                  <a:srgbClr val="1A1A1A"/>
+                </a:solidFill>
+                <a:effectLst/>
+                <a:latin typeface="NVIDIA Sans"/>
               </a:rPr>
               <a:t>PyTorch</a:t>
             </a:r>
             <a:r>
-              <a:rPr lang="en-US" altLang="ko-KR" b="0" i="0" dirty="0">
-                <a:solidFill>
-                  <a:srgbClr val="000000"/>
-                </a:solidFill>
-                <a:effectLst/>
-                <a:latin typeface="Trebuchet MS" panose="020B0603020202020204" pitchFamily="34" charset="0"/>
+              <a:rPr lang="en-US" altLang="ko-KR" b="0" i="1" dirty="0">
+                <a:solidFill>
+                  <a:srgbClr val="1A1A1A"/>
+                </a:solidFill>
+                <a:effectLst/>
+                <a:latin typeface="NVIDIA Sans"/>
               </a:rPr>
               <a:t> </a:t>
             </a:r>
             <a:r>
-              <a:rPr lang="ko-KR" altLang="en-US" b="0" i="0" dirty="0">
-                <a:solidFill>
-                  <a:srgbClr val="000000"/>
-                </a:solidFill>
-                <a:effectLst/>
-                <a:latin typeface="Trebuchet MS" panose="020B0603020202020204" pitchFamily="34" charset="0"/>
-              </a:rPr>
-              <a:t>라이브러리입니다</a:t>
-            </a:r>
+              <a:rPr lang="ko-KR" altLang="en-US" b="0" i="1" dirty="0">
+                <a:solidFill>
+                  <a:srgbClr val="1A1A1A"/>
+                </a:solidFill>
+                <a:effectLst/>
+                <a:latin typeface="NVIDIA Sans"/>
+              </a:rPr>
+              <a:t>모델을 </a:t>
+            </a:r>
+            <a:r>
+              <a:rPr lang="en-US" altLang="ko-KR" b="0" i="1" dirty="0">
+                <a:solidFill>
+                  <a:srgbClr val="1A1A1A"/>
+                </a:solidFill>
+                <a:effectLst/>
+                <a:latin typeface="NVIDIA Sans"/>
+              </a:rPr>
+              <a:t>ONNX</a:t>
+            </a:r>
+            <a:r>
+              <a:rPr lang="ko-KR" altLang="en-US" b="0" i="1" dirty="0">
+                <a:solidFill>
+                  <a:srgbClr val="1A1A1A"/>
+                </a:solidFill>
+                <a:effectLst/>
+                <a:latin typeface="NVIDIA Sans"/>
+              </a:rPr>
+              <a:t>로 내보낼 때 가짜 양자화 연산자가</a:t>
+            </a:r>
+            <a:r>
+              <a:rPr lang="ko-KR" altLang="en-US" b="0" i="0" dirty="0">
+                <a:solidFill>
+                  <a:srgbClr val="1A1A1A"/>
+                </a:solidFill>
+                <a:effectLst/>
+                <a:latin typeface="NVIDIA Sans"/>
+              </a:rPr>
+              <a:t> </a:t>
+            </a:r>
+            <a:r>
+              <a:rPr lang="en-US" altLang="ko-KR" b="0" i="0" dirty="0">
+                <a:solidFill>
+                  <a:srgbClr val="1A1A1A"/>
+                </a:solidFill>
+                <a:effectLst/>
+                <a:latin typeface="NVIDIA Sans"/>
+              </a:rPr>
+              <a:t>Q/DQ </a:t>
+            </a:r>
+            <a:r>
+              <a:rPr lang="en-US" altLang="ko-KR" b="0" i="1" dirty="0">
+                <a:solidFill>
+                  <a:srgbClr val="1A1A1A"/>
+                </a:solidFill>
+                <a:effectLst/>
+                <a:latin typeface="NVIDIA Sans"/>
+              </a:rPr>
+              <a:t>ONNX </a:t>
+            </a:r>
+            <a:r>
+              <a:rPr lang="ko-KR" altLang="en-US" b="0" i="1" dirty="0">
+                <a:solidFill>
+                  <a:srgbClr val="1A1A1A"/>
+                </a:solidFill>
+                <a:effectLst/>
+                <a:latin typeface="NVIDIA Sans"/>
+              </a:rPr>
+              <a:t>연산자 로 변환되도록 하고</a:t>
+            </a:r>
+            <a:r>
+              <a:rPr lang="en-US" altLang="ko-KR" b="0" i="1" dirty="0">
+                <a:solidFill>
+                  <a:srgbClr val="1A1A1A"/>
+                </a:solidFill>
+                <a:effectLst/>
+                <a:latin typeface="NVIDIA Sans"/>
+              </a:rPr>
+              <a:t>, </a:t>
+            </a:r>
+            <a:r>
+              <a:rPr lang="ko-KR" altLang="en-US" b="0" i="1" dirty="0">
+                <a:solidFill>
+                  <a:srgbClr val="1A1A1A"/>
+                </a:solidFill>
+                <a:effectLst/>
+                <a:latin typeface="NVIDIA Sans"/>
+              </a:rPr>
+              <a:t>이 모델로 </a:t>
+            </a:r>
+            <a:r>
+              <a:rPr lang="en-US" altLang="ko-KR" b="0" i="1" dirty="0">
+                <a:solidFill>
+                  <a:srgbClr val="1A1A1A"/>
+                </a:solidFill>
+                <a:effectLst/>
+                <a:latin typeface="NVIDIA Sans"/>
+              </a:rPr>
+              <a:t>Inference</a:t>
+            </a:r>
+            <a:r>
+              <a:rPr lang="ko-KR" altLang="en-US" b="0" i="1" dirty="0">
+                <a:solidFill>
+                  <a:srgbClr val="1A1A1A"/>
+                </a:solidFill>
+                <a:effectLst/>
+                <a:latin typeface="NVIDIA Sans"/>
+              </a:rPr>
+              <a:t>를 진행한다는 것이었습니다</a:t>
+            </a:r>
+            <a:r>
+              <a:rPr lang="en-US" altLang="ko-KR" b="0" i="1" dirty="0">
+                <a:solidFill>
+                  <a:srgbClr val="1A1A1A"/>
+                </a:solidFill>
+                <a:effectLst/>
+                <a:latin typeface="NVIDIA Sans"/>
+              </a:rPr>
+              <a:t>.</a:t>
+            </a:r>
+          </a:p>
+          <a:p>
+            <a:pPr marL="0" indent="0">
+              <a:buNone/>
+            </a:pPr>
             <a:endParaRPr lang="en-US" altLang="ko-KR" b="0" i="0" dirty="0">
               <a:solidFill>
                 <a:srgbClr val="000000"/>
@@ -8450,7 +8849,7 @@
     </p:spTree>
     <p:extLst>
       <p:ext uri="{BB962C8B-B14F-4D97-AF65-F5344CB8AC3E}">
-        <p14:creationId xmlns:p14="http://schemas.microsoft.com/office/powerpoint/2010/main" val="3597702348"/>
+        <p14:creationId xmlns:p14="http://schemas.microsoft.com/office/powerpoint/2010/main" val="3308444867"/>
       </p:ext>
     </p:extLst>
   </p:cSld>
@@ -8504,7 +8903,291 @@
           <a:bodyPr/>
           <a:lstStyle/>
           <a:p>
-            <a:endParaRPr lang="ko-KR" altLang="en-US" dirty="0"/>
+            <a:pPr marL="0" indent="0">
+              <a:buNone/>
+            </a:pPr>
+            <a:r>
+              <a:rPr lang="ko-KR" altLang="en-US" b="0" i="1" dirty="0">
+                <a:solidFill>
+                  <a:srgbClr val="1A1A1A"/>
+                </a:solidFill>
+                <a:effectLst/>
+                <a:latin typeface="NVIDIA Sans"/>
+              </a:rPr>
+              <a:t>또</a:t>
+            </a:r>
+            <a:r>
+              <a:rPr lang="en-US" altLang="ko-KR" b="0" i="1" dirty="0">
+                <a:solidFill>
+                  <a:srgbClr val="1A1A1A"/>
+                </a:solidFill>
+                <a:effectLst/>
+                <a:latin typeface="NVIDIA Sans"/>
+              </a:rPr>
+              <a:t>,</a:t>
+            </a:r>
+          </a:p>
+          <a:p>
+            <a:pPr marL="0" indent="0">
+              <a:buNone/>
+            </a:pPr>
+            <a:endParaRPr lang="en-US" altLang="ko-KR" b="0" i="1" dirty="0">
+              <a:solidFill>
+                <a:srgbClr val="1A1A1A"/>
+              </a:solidFill>
+              <a:effectLst/>
+              <a:latin typeface="NVIDIA Sans"/>
+            </a:endParaRPr>
+          </a:p>
+          <a:p>
+            <a:pPr marL="0" indent="0">
+              <a:buNone/>
+            </a:pPr>
+            <a:r>
+              <a:rPr lang="en-US" altLang="ko-KR" b="0" i="1" dirty="0">
+                <a:solidFill>
+                  <a:srgbClr val="1A1A1A"/>
+                </a:solidFill>
+                <a:effectLst/>
+                <a:latin typeface="NVIDIA Sans"/>
+              </a:rPr>
+              <a:t>Model</a:t>
+            </a:r>
+            <a:r>
+              <a:rPr lang="ko-KR" altLang="en-US" b="0" i="1" dirty="0">
+                <a:solidFill>
+                  <a:srgbClr val="1A1A1A"/>
+                </a:solidFill>
+                <a:effectLst/>
+                <a:latin typeface="NVIDIA Sans"/>
+              </a:rPr>
+              <a:t>을 </a:t>
+            </a:r>
+            <a:r>
+              <a:rPr lang="en-US" altLang="ko-KR" b="0" i="1" dirty="0">
+                <a:solidFill>
+                  <a:srgbClr val="1A1A1A"/>
+                </a:solidFill>
+                <a:effectLst/>
+                <a:latin typeface="NVIDIA Sans"/>
+              </a:rPr>
+              <a:t>Compile</a:t>
+            </a:r>
+            <a:r>
+              <a:rPr lang="ko-KR" altLang="en-US" b="0" i="1" dirty="0">
+                <a:solidFill>
+                  <a:srgbClr val="1A1A1A"/>
+                </a:solidFill>
+                <a:effectLst/>
+                <a:latin typeface="NVIDIA Sans"/>
+              </a:rPr>
+              <a:t>하기 위해서는 </a:t>
+            </a:r>
+            <a:r>
+              <a:rPr lang="en-US" altLang="ko-KR" b="0" i="1" dirty="0" err="1">
+                <a:solidFill>
+                  <a:srgbClr val="1A1A1A"/>
+                </a:solidFill>
+                <a:effectLst/>
+                <a:latin typeface="NVIDIA Sans"/>
+              </a:rPr>
+              <a:t>PyTorch</a:t>
+            </a:r>
+            <a:r>
+              <a:rPr lang="ko-KR" altLang="en-US" b="0" i="1" dirty="0">
+                <a:solidFill>
+                  <a:srgbClr val="1A1A1A"/>
+                </a:solidFill>
+                <a:effectLst/>
+                <a:latin typeface="NVIDIA Sans"/>
+              </a:rPr>
+              <a:t>의 </a:t>
+            </a:r>
+            <a:r>
+              <a:rPr lang="en-US" altLang="ko-KR" b="0" i="1" dirty="0">
+                <a:solidFill>
+                  <a:srgbClr val="1A1A1A"/>
+                </a:solidFill>
+                <a:effectLst/>
+                <a:latin typeface="NVIDIA Sans"/>
+              </a:rPr>
+              <a:t>Eager Mode</a:t>
+            </a:r>
+            <a:r>
+              <a:rPr lang="ko-KR" altLang="en-US" b="0" i="1" dirty="0">
+                <a:solidFill>
+                  <a:srgbClr val="1A1A1A"/>
+                </a:solidFill>
+                <a:effectLst/>
+                <a:latin typeface="NVIDIA Sans"/>
+              </a:rPr>
+              <a:t>가 아니라 </a:t>
+            </a:r>
+            <a:r>
+              <a:rPr lang="en-US" altLang="ko-KR" b="0" i="1" dirty="0">
+                <a:solidFill>
+                  <a:srgbClr val="1A1A1A"/>
+                </a:solidFill>
+                <a:effectLst/>
+                <a:latin typeface="NVIDIA Sans"/>
+              </a:rPr>
+              <a:t>Script Mode</a:t>
+            </a:r>
+            <a:r>
+              <a:rPr lang="ko-KR" altLang="en-US" b="0" i="1" dirty="0">
+                <a:solidFill>
+                  <a:srgbClr val="1A1A1A"/>
+                </a:solidFill>
+                <a:effectLst/>
+                <a:latin typeface="NVIDIA Sans"/>
+              </a:rPr>
+              <a:t>로 넘어가야 한다</a:t>
+            </a:r>
+            <a:r>
+              <a:rPr lang="en-US" altLang="ko-KR" b="0" i="1" dirty="0">
+                <a:solidFill>
+                  <a:srgbClr val="1A1A1A"/>
+                </a:solidFill>
+                <a:effectLst/>
+                <a:latin typeface="NVIDIA Sans"/>
+              </a:rPr>
+              <a:t>.</a:t>
+            </a:r>
+          </a:p>
+          <a:p>
+            <a:pPr marL="0" indent="0">
+              <a:buNone/>
+            </a:pPr>
+            <a:endParaRPr lang="en-US" altLang="ko-KR" b="0" i="0" dirty="0">
+              <a:solidFill>
+                <a:srgbClr val="000000"/>
+              </a:solidFill>
+              <a:effectLst/>
+              <a:latin typeface="DINPro"/>
+            </a:endParaRPr>
+          </a:p>
+          <a:p>
+            <a:pPr marL="0" indent="0">
+              <a:buNone/>
+            </a:pPr>
+            <a:r>
+              <a:rPr lang="en-US" altLang="ko-KR" b="0" i="0" dirty="0">
+                <a:solidFill>
+                  <a:srgbClr val="000000"/>
+                </a:solidFill>
+                <a:effectLst/>
+                <a:latin typeface="DINPro"/>
+              </a:rPr>
+              <a:t>QAT</a:t>
+            </a:r>
+            <a:r>
+              <a:rPr lang="ko-KR" altLang="en-US" b="0" i="0" dirty="0">
+                <a:solidFill>
+                  <a:srgbClr val="000000"/>
+                </a:solidFill>
+                <a:effectLst/>
+                <a:latin typeface="DINPro"/>
+              </a:rPr>
+              <a:t>쪽에 대해 더 깊이 이해하고 싶었는데</a:t>
+            </a:r>
+            <a:r>
+              <a:rPr lang="en-US" altLang="ko-KR" b="0" i="0" dirty="0">
+                <a:solidFill>
+                  <a:srgbClr val="000000"/>
+                </a:solidFill>
+                <a:effectLst/>
+                <a:latin typeface="DINPro"/>
+              </a:rPr>
+              <a:t>, </a:t>
+            </a:r>
+            <a:r>
+              <a:rPr lang="ko-KR" altLang="en-US" b="0" i="0" dirty="0">
+                <a:solidFill>
+                  <a:srgbClr val="000000"/>
+                </a:solidFill>
+                <a:effectLst/>
+                <a:latin typeface="DINPro"/>
+              </a:rPr>
+              <a:t>찾아보니 일단 이정도까지 정리를 해볼 수 있었고</a:t>
+            </a:r>
+            <a:r>
+              <a:rPr lang="en-US" altLang="ko-KR" b="0" i="0" dirty="0">
+                <a:solidFill>
+                  <a:srgbClr val="000000"/>
+                </a:solidFill>
+                <a:effectLst/>
+                <a:latin typeface="DINPro"/>
+              </a:rPr>
+              <a:t>, </a:t>
+            </a:r>
+            <a:r>
+              <a:rPr lang="ko-KR" altLang="en-US" b="0" i="0" dirty="0">
+                <a:solidFill>
+                  <a:srgbClr val="000000"/>
+                </a:solidFill>
+                <a:effectLst/>
+                <a:latin typeface="DINPro"/>
+              </a:rPr>
+              <a:t>혹시 </a:t>
+            </a:r>
+            <a:r>
+              <a:rPr lang="ko-KR" altLang="en-US" b="0" i="0" dirty="0" err="1">
+                <a:solidFill>
+                  <a:srgbClr val="000000"/>
+                </a:solidFill>
+                <a:effectLst/>
+                <a:latin typeface="DINPro"/>
+              </a:rPr>
+              <a:t>질문있다면</a:t>
+            </a:r>
+            <a:r>
+              <a:rPr lang="ko-KR" altLang="en-US" b="0" i="0" dirty="0">
+                <a:solidFill>
+                  <a:srgbClr val="000000"/>
+                </a:solidFill>
+                <a:effectLst/>
+                <a:latin typeface="DINPro"/>
+              </a:rPr>
+              <a:t> 지금 </a:t>
+            </a:r>
+            <a:r>
+              <a:rPr lang="ko-KR" altLang="en-US" b="0" i="0" dirty="0" err="1">
+                <a:solidFill>
+                  <a:srgbClr val="000000"/>
+                </a:solidFill>
+                <a:effectLst/>
+                <a:latin typeface="DINPro"/>
+              </a:rPr>
+              <a:t>알고있는</a:t>
+            </a:r>
+            <a:r>
+              <a:rPr lang="ko-KR" altLang="en-US" b="0" i="0" dirty="0">
+                <a:solidFill>
+                  <a:srgbClr val="000000"/>
+                </a:solidFill>
+                <a:effectLst/>
+                <a:latin typeface="DINPro"/>
+              </a:rPr>
+              <a:t> 거라면 바로 답변 드리고 그게 아니라면 관련하여서 좀 더 찾아보고 공부하여 공유해보도록 하겠습니다 </a:t>
+            </a:r>
+            <a:r>
+              <a:rPr lang="en-US" altLang="ko-KR" b="0" i="0">
+                <a:solidFill>
+                  <a:srgbClr val="000000"/>
+                </a:solidFill>
+                <a:effectLst/>
+                <a:latin typeface="DINPro"/>
+                <a:sym typeface="Wingdings" panose="05000000000000000000" pitchFamily="2" charset="2"/>
+              </a:rPr>
+              <a:t></a:t>
+            </a:r>
+            <a:endParaRPr lang="en-US" altLang="ko-KR" b="0" i="0" dirty="0">
+              <a:solidFill>
+                <a:srgbClr val="000000"/>
+              </a:solidFill>
+              <a:effectLst/>
+              <a:latin typeface="DINPro"/>
+            </a:endParaRPr>
           </a:p>
         </p:txBody>
       </p:sp>
@@ -8534,7 +9217,7 @@
     </p:spTree>
     <p:extLst>
       <p:ext uri="{BB962C8B-B14F-4D97-AF65-F5344CB8AC3E}">
-        <p14:creationId xmlns:p14="http://schemas.microsoft.com/office/powerpoint/2010/main" val="3196305769"/>
+        <p14:creationId xmlns:p14="http://schemas.microsoft.com/office/powerpoint/2010/main" val="3597702348"/>
       </p:ext>
     </p:extLst>
   </p:cSld>
@@ -8588,14 +9271,6 @@
           <a:bodyPr/>
           <a:lstStyle/>
           <a:p>
-            <a:r>
-              <a:rPr lang="ko-KR" altLang="en-US" dirty="0"/>
-              <a:t>감사합니다</a:t>
-            </a:r>
-            <a:r>
-              <a:rPr lang="en-US" altLang="ko-KR" dirty="0"/>
-              <a:t>.</a:t>
-            </a:r>
             <a:endParaRPr lang="ko-KR" altLang="en-US" dirty="0"/>
           </a:p>
         </p:txBody>
@@ -8626,7 +9301,7 @@
     </p:spTree>
     <p:extLst>
       <p:ext uri="{BB962C8B-B14F-4D97-AF65-F5344CB8AC3E}">
-        <p14:creationId xmlns:p14="http://schemas.microsoft.com/office/powerpoint/2010/main" val="3750592975"/>
+        <p14:creationId xmlns:p14="http://schemas.microsoft.com/office/powerpoint/2010/main" val="3196305769"/>
       </p:ext>
     </p:extLst>
   </p:cSld>
@@ -8680,6 +9355,14 @@
           <a:bodyPr/>
           <a:lstStyle/>
           <a:p>
+            <a:r>
+              <a:rPr lang="ko-KR" altLang="en-US" dirty="0"/>
+              <a:t>감사합니다</a:t>
+            </a:r>
+            <a:r>
+              <a:rPr lang="en-US" altLang="ko-KR" dirty="0"/>
+              <a:t>.</a:t>
+            </a:r>
             <a:endParaRPr lang="ko-KR" altLang="en-US" dirty="0"/>
           </a:p>
         </p:txBody>
@@ -8710,7 +9393,7 @@
     </p:spTree>
     <p:extLst>
       <p:ext uri="{BB962C8B-B14F-4D97-AF65-F5344CB8AC3E}">
-        <p14:creationId xmlns:p14="http://schemas.microsoft.com/office/powerpoint/2010/main" val="1659320476"/>
+        <p14:creationId xmlns:p14="http://schemas.microsoft.com/office/powerpoint/2010/main" val="3750592975"/>
       </p:ext>
     </p:extLst>
   </p:cSld>
@@ -8764,215 +9447,7 @@
           <a:bodyPr/>
           <a:lstStyle/>
           <a:p>
-            <a:pPr marL="0" marR="0" lvl="0" indent="0" algn="l" defTabSz="914400" rtl="0" eaLnBrk="1" fontAlgn="auto" latinLnBrk="1" hangingPunct="1">
-              <a:lnSpc>
-                <a:spcPct val="100000"/>
-              </a:lnSpc>
-              <a:spcBef>
-                <a:spcPts val="0"/>
-              </a:spcBef>
-              <a:spcAft>
-                <a:spcPts val="0"/>
-              </a:spcAft>
-              <a:buClrTx/>
-              <a:buSzTx/>
-              <a:buFontTx/>
-              <a:buNone/>
-              <a:tabLst/>
-              <a:defRPr/>
-            </a:pPr>
-            <a:r>
-              <a:rPr lang="ko-KR" altLang="en-US" b="0" i="0" dirty="0">
-                <a:solidFill>
-                  <a:srgbClr val="000000"/>
-                </a:solidFill>
-                <a:effectLst/>
-                <a:latin typeface="DINPro"/>
-              </a:rPr>
-              <a:t>앞서 설명한 </a:t>
-            </a:r>
-            <a:r>
-              <a:rPr lang="en-US" altLang="ko-KR" b="0" i="0" dirty="0" err="1">
-                <a:solidFill>
-                  <a:srgbClr val="000000"/>
-                </a:solidFill>
-                <a:effectLst/>
-                <a:latin typeface="DINPro"/>
-              </a:rPr>
-              <a:t>TenosrRT</a:t>
-            </a:r>
-            <a:r>
-              <a:rPr lang="ko-KR" altLang="en-US" b="0" i="0" dirty="0">
-                <a:solidFill>
-                  <a:srgbClr val="000000"/>
-                </a:solidFill>
-                <a:effectLst/>
-                <a:latin typeface="DINPro"/>
-              </a:rPr>
-              <a:t>의 기능들을 통하여 얻을 수 있는 속도 향상</a:t>
-            </a:r>
-            <a:r>
-              <a:rPr lang="en-US" altLang="ko-KR" b="0" i="0" dirty="0">
-                <a:solidFill>
-                  <a:srgbClr val="000000"/>
-                </a:solidFill>
-                <a:effectLst/>
-                <a:latin typeface="DINPro"/>
-              </a:rPr>
-              <a:t>?</a:t>
-            </a:r>
-          </a:p>
-          <a:p>
-            <a:pPr marL="0" marR="0" lvl="0" indent="0" algn="l" defTabSz="914400" rtl="0" eaLnBrk="1" fontAlgn="auto" latinLnBrk="1" hangingPunct="1">
-              <a:lnSpc>
-                <a:spcPct val="100000"/>
-              </a:lnSpc>
-              <a:spcBef>
-                <a:spcPts val="0"/>
-              </a:spcBef>
-              <a:spcAft>
-                <a:spcPts val="0"/>
-              </a:spcAft>
-              <a:buClrTx/>
-              <a:buSzTx/>
-              <a:buFontTx/>
-              <a:buNone/>
-              <a:tabLst/>
-              <a:defRPr/>
-            </a:pPr>
-            <a:endParaRPr lang="en-US" altLang="ko-KR" b="0" i="0" dirty="0">
-              <a:solidFill>
-                <a:srgbClr val="000000"/>
-              </a:solidFill>
-              <a:effectLst/>
-              <a:latin typeface="DINPro"/>
-            </a:endParaRPr>
-          </a:p>
-          <a:p>
-            <a:pPr marL="0" marR="0" lvl="0" indent="0" algn="l" defTabSz="914400" rtl="0" eaLnBrk="1" fontAlgn="auto" latinLnBrk="1" hangingPunct="1">
-              <a:lnSpc>
-                <a:spcPct val="100000"/>
-              </a:lnSpc>
-              <a:spcBef>
-                <a:spcPts val="0"/>
-              </a:spcBef>
-              <a:spcAft>
-                <a:spcPts val="0"/>
-              </a:spcAft>
-              <a:buClrTx/>
-              <a:buSzTx/>
-              <a:buFontTx/>
-              <a:buNone/>
-              <a:tabLst/>
-              <a:defRPr/>
-            </a:pPr>
-            <a:r>
-              <a:rPr lang="en-US" altLang="ko-KR" b="0" i="0" dirty="0">
-                <a:solidFill>
-                  <a:srgbClr val="000000"/>
-                </a:solidFill>
-                <a:effectLst/>
-                <a:latin typeface="DINPro"/>
-              </a:rPr>
-              <a:t>ResNet50 </a:t>
-            </a:r>
-            <a:r>
-              <a:rPr lang="ko-KR" altLang="en-US" b="0" i="0" dirty="0">
-                <a:solidFill>
-                  <a:srgbClr val="000000"/>
-                </a:solidFill>
-                <a:effectLst/>
-                <a:latin typeface="DINPro"/>
-              </a:rPr>
-              <a:t>기준으로 </a:t>
-            </a:r>
-            <a:r>
-              <a:rPr lang="ko-KR" altLang="en-US" b="0" i="0" dirty="0" err="1">
-                <a:solidFill>
-                  <a:srgbClr val="000000"/>
-                </a:solidFill>
-                <a:effectLst/>
-                <a:latin typeface="DINPro"/>
-              </a:rPr>
-              <a:t>볼때</a:t>
-            </a:r>
-            <a:r>
-              <a:rPr lang="ko-KR" altLang="en-US" b="0" i="0" dirty="0">
-                <a:solidFill>
-                  <a:srgbClr val="000000"/>
-                </a:solidFill>
-                <a:effectLst/>
-                <a:latin typeface="DINPro"/>
-              </a:rPr>
-              <a:t> 동일한 </a:t>
-            </a:r>
-            <a:r>
-              <a:rPr lang="en-US" altLang="ko-KR" b="0" i="0" dirty="0">
-                <a:solidFill>
-                  <a:srgbClr val="000000"/>
-                </a:solidFill>
-                <a:effectLst/>
-                <a:latin typeface="DINPro"/>
-              </a:rPr>
-              <a:t>GPU</a:t>
-            </a:r>
-            <a:r>
-              <a:rPr lang="ko-KR" altLang="en-US" b="0" i="0" dirty="0">
-                <a:solidFill>
-                  <a:srgbClr val="000000"/>
-                </a:solidFill>
-                <a:effectLst/>
-                <a:latin typeface="DINPro"/>
-              </a:rPr>
-              <a:t>에서 </a:t>
-            </a:r>
-            <a:r>
-              <a:rPr lang="en-US" altLang="ko-KR" b="0" i="0" dirty="0">
-                <a:solidFill>
-                  <a:srgbClr val="000000"/>
-                </a:solidFill>
-                <a:effectLst/>
-                <a:latin typeface="DINPro"/>
-              </a:rPr>
-              <a:t>TensorRT</a:t>
-            </a:r>
-            <a:r>
-              <a:rPr lang="ko-KR" altLang="en-US" b="0" i="0" dirty="0">
-                <a:solidFill>
-                  <a:srgbClr val="000000"/>
-                </a:solidFill>
-                <a:effectLst/>
-                <a:latin typeface="DINPro"/>
-              </a:rPr>
-              <a:t>를 사용하는 것만으로도 대략 </a:t>
-            </a:r>
-            <a:r>
-              <a:rPr lang="en-US" altLang="ko-KR" b="0" i="0" dirty="0">
-                <a:solidFill>
-                  <a:srgbClr val="000000"/>
-                </a:solidFill>
-                <a:effectLst/>
-                <a:latin typeface="DINPro"/>
-              </a:rPr>
-              <a:t>8</a:t>
-            </a:r>
-            <a:r>
-              <a:rPr lang="ko-KR" altLang="en-US" b="0" i="0" dirty="0">
-                <a:solidFill>
-                  <a:srgbClr val="000000"/>
-                </a:solidFill>
-                <a:effectLst/>
-                <a:latin typeface="DINPro"/>
-              </a:rPr>
-              <a:t>배 이상의 성능 향상 효과</a:t>
-            </a:r>
-            <a:endParaRPr lang="en-US" altLang="ko-KR" b="0" i="0" dirty="0">
-              <a:solidFill>
-                <a:srgbClr val="000000"/>
-              </a:solidFill>
-              <a:effectLst/>
-              <a:latin typeface="DINPro"/>
-            </a:endParaRPr>
+            <a:endParaRPr lang="ko-KR" altLang="en-US" dirty="0"/>
           </a:p>
         </p:txBody>
       </p:sp>
@@ -9002,7 +9477,7 @@
     </p:spTree>
     <p:extLst>
       <p:ext uri="{BB962C8B-B14F-4D97-AF65-F5344CB8AC3E}">
-        <p14:creationId xmlns:p14="http://schemas.microsoft.com/office/powerpoint/2010/main" val="3632593283"/>
+        <p14:creationId xmlns:p14="http://schemas.microsoft.com/office/powerpoint/2010/main" val="1659320476"/>
       </p:ext>
     </p:extLst>
   </p:cSld>
@@ -9660,6 +10135,433 @@
             <a:pPr marL="0" indent="0">
               <a:buNone/>
             </a:pPr>
+            <a:endParaRPr lang="en-US" altLang="ko-KR" b="0" i="0" dirty="0">
+              <a:solidFill>
+                <a:srgbClr val="000000"/>
+              </a:solidFill>
+              <a:effectLst/>
+              <a:latin typeface="DINPro"/>
+            </a:endParaRPr>
+          </a:p>
+          <a:p>
+            <a:pPr marL="0" indent="0">
+              <a:buNone/>
+            </a:pPr>
+            <a:r>
+              <a:rPr lang="ko-KR" altLang="en-US" b="0" i="0" dirty="0">
+                <a:solidFill>
+                  <a:srgbClr val="000000"/>
+                </a:solidFill>
+                <a:effectLst/>
+                <a:latin typeface="DINPro"/>
+              </a:rPr>
+              <a:t>그니까</a:t>
+            </a:r>
+            <a:r>
+              <a:rPr lang="en-US" altLang="ko-KR" b="0" i="0" dirty="0">
+                <a:solidFill>
+                  <a:srgbClr val="000000"/>
+                </a:solidFill>
+                <a:effectLst/>
+                <a:latin typeface="DINPro"/>
+              </a:rPr>
+              <a:t>, </a:t>
+            </a:r>
+            <a:r>
+              <a:rPr lang="ko-KR" altLang="en-US" b="0" i="0" dirty="0">
+                <a:solidFill>
+                  <a:srgbClr val="555555"/>
+                </a:solidFill>
+                <a:effectLst/>
+                <a:latin typeface="Avenir"/>
+              </a:rPr>
+              <a:t>기존 딥러닝 프레임워크</a:t>
+            </a:r>
+            <a:r>
+              <a:rPr lang="en-US" altLang="ko-KR" b="0" i="0" dirty="0">
+                <a:solidFill>
+                  <a:srgbClr val="555555"/>
+                </a:solidFill>
+                <a:effectLst/>
+                <a:latin typeface="Avenir"/>
+              </a:rPr>
+              <a:t>(</a:t>
+            </a:r>
+            <a:r>
+              <a:rPr lang="en-US" altLang="ko-KR" b="0" i="0" dirty="0" err="1">
+                <a:solidFill>
+                  <a:srgbClr val="555555"/>
+                </a:solidFill>
+                <a:effectLst/>
+                <a:latin typeface="Avenir"/>
+              </a:rPr>
+              <a:t>PyTorch</a:t>
+            </a:r>
+            <a:r>
+              <a:rPr lang="en-US" altLang="ko-KR" b="0" i="0" dirty="0">
+                <a:solidFill>
+                  <a:srgbClr val="555555"/>
+                </a:solidFill>
+                <a:effectLst/>
+                <a:latin typeface="Avenir"/>
+              </a:rPr>
+              <a:t>, TensorFlow, Caffe </a:t>
+            </a:r>
+            <a:r>
+              <a:rPr lang="ko-KR" altLang="en-US" b="0" i="0" dirty="0">
+                <a:solidFill>
+                  <a:srgbClr val="555555"/>
+                </a:solidFill>
+                <a:effectLst/>
+                <a:latin typeface="Avenir"/>
+              </a:rPr>
+              <a:t>등</a:t>
+            </a:r>
+            <a:r>
+              <a:rPr lang="en-US" altLang="ko-KR" b="0" i="0" dirty="0">
+                <a:solidFill>
+                  <a:srgbClr val="555555"/>
+                </a:solidFill>
+                <a:effectLst/>
+                <a:latin typeface="Avenir"/>
+              </a:rPr>
+              <a:t>)</a:t>
+            </a:r>
+            <a:r>
+              <a:rPr lang="ko-KR" altLang="en-US" b="0" i="0" dirty="0">
+                <a:solidFill>
+                  <a:srgbClr val="555555"/>
+                </a:solidFill>
+                <a:effectLst/>
+                <a:latin typeface="Avenir"/>
+              </a:rPr>
+              <a:t>가 네트워크를 구성하고 이를 모델로 만들었다면</a:t>
+            </a:r>
+            <a:r>
+              <a:rPr lang="en-US" altLang="ko-KR" b="0" i="0" dirty="0">
+                <a:solidFill>
+                  <a:srgbClr val="555555"/>
+                </a:solidFill>
+                <a:effectLst/>
+                <a:latin typeface="Avenir"/>
+              </a:rPr>
+              <a:t>,</a:t>
+            </a:r>
+          </a:p>
+          <a:p>
+            <a:pPr marL="0" indent="0">
+              <a:buNone/>
+            </a:pPr>
+            <a:r>
+              <a:rPr lang="en-US" altLang="ko-KR" b="0" i="0" dirty="0" err="1">
+                <a:solidFill>
+                  <a:srgbClr val="555555"/>
+                </a:solidFill>
+                <a:effectLst/>
+                <a:latin typeface="Avenir"/>
+              </a:rPr>
+              <a:t>TensorRT</a:t>
+            </a:r>
+            <a:r>
+              <a:rPr lang="ko-KR" altLang="en-US" b="0" i="0" dirty="0">
+                <a:solidFill>
+                  <a:srgbClr val="555555"/>
+                </a:solidFill>
+                <a:effectLst/>
+                <a:latin typeface="Avenir"/>
+              </a:rPr>
+              <a:t>는 이러한 모델을 </a:t>
+            </a:r>
+            <a:r>
+              <a:rPr lang="ko-KR" altLang="en-US" b="1" i="0" dirty="0">
+                <a:solidFill>
+                  <a:srgbClr val="000000"/>
+                </a:solidFill>
+                <a:effectLst/>
+                <a:latin typeface="Avenir"/>
+              </a:rPr>
+              <a:t>자체적인 여러가지 최적화 과정</a:t>
+            </a:r>
+            <a:r>
+              <a:rPr lang="ko-KR" altLang="en-US" b="0" i="0" dirty="0">
+                <a:solidFill>
+                  <a:srgbClr val="555555"/>
+                </a:solidFill>
+                <a:effectLst/>
+                <a:latin typeface="Avenir"/>
+              </a:rPr>
+              <a:t>을 거쳐 </a:t>
+            </a:r>
+            <a:r>
+              <a:rPr lang="en-US" altLang="ko-KR" b="0" i="0" dirty="0">
+                <a:solidFill>
+                  <a:srgbClr val="555555"/>
+                </a:solidFill>
+                <a:effectLst/>
+                <a:latin typeface="Avenir"/>
+              </a:rPr>
+              <a:t>NVIDIA</a:t>
+            </a:r>
+            <a:r>
+              <a:rPr lang="ko-KR" altLang="en-US" b="0" i="0" dirty="0">
+                <a:solidFill>
+                  <a:srgbClr val="555555"/>
+                </a:solidFill>
+                <a:effectLst/>
+                <a:latin typeface="Avenir"/>
+              </a:rPr>
+              <a:t>의 </a:t>
+            </a:r>
+            <a:r>
+              <a:rPr lang="en-US" altLang="ko-KR" b="0" i="0" dirty="0">
+                <a:solidFill>
+                  <a:srgbClr val="555555"/>
+                </a:solidFill>
+                <a:effectLst/>
+                <a:latin typeface="Avenir"/>
+              </a:rPr>
+              <a:t>GPU, DLA</a:t>
+            </a:r>
+            <a:r>
+              <a:rPr lang="ko-KR" altLang="en-US" b="0" i="0" dirty="0">
+                <a:solidFill>
+                  <a:srgbClr val="555555"/>
+                </a:solidFill>
+                <a:effectLst/>
+                <a:latin typeface="Avenir"/>
+              </a:rPr>
+              <a:t>등에 효율적으로 싣는 역할을 합니다</a:t>
+            </a:r>
+            <a:r>
+              <a:rPr lang="en-US" altLang="ko-KR" b="0" i="0" dirty="0">
+                <a:solidFill>
+                  <a:srgbClr val="555555"/>
+                </a:solidFill>
+                <a:effectLst/>
+                <a:latin typeface="Avenir"/>
+              </a:rPr>
+              <a:t>. </a:t>
+            </a:r>
+            <a:r>
+              <a:rPr lang="ko-KR" altLang="en-US" b="0" i="0" dirty="0">
+                <a:solidFill>
+                  <a:srgbClr val="555555"/>
+                </a:solidFill>
+                <a:effectLst/>
+                <a:latin typeface="Avenir"/>
+              </a:rPr>
+              <a:t>또한 </a:t>
+            </a:r>
+            <a:r>
+              <a:rPr lang="ko-KR" altLang="en-US" b="1" i="0" dirty="0">
+                <a:solidFill>
+                  <a:srgbClr val="555555"/>
+                </a:solidFill>
+                <a:effectLst/>
+                <a:latin typeface="Avenir"/>
+              </a:rPr>
+              <a:t>최적화 과정을 거쳐 만들어낸 </a:t>
+            </a:r>
+            <a:r>
+              <a:rPr lang="en-US" altLang="ko-KR" b="1" i="0" dirty="0">
+                <a:solidFill>
+                  <a:srgbClr val="555555"/>
+                </a:solidFill>
+                <a:effectLst/>
+                <a:latin typeface="Avenir"/>
+              </a:rPr>
+              <a:t>'</a:t>
+            </a:r>
+            <a:r>
+              <a:rPr lang="ko-KR" altLang="en-US" b="1" i="0" dirty="0">
+                <a:solidFill>
+                  <a:srgbClr val="555555"/>
+                </a:solidFill>
+                <a:effectLst/>
+                <a:latin typeface="Avenir"/>
+              </a:rPr>
+              <a:t>엔진</a:t>
+            </a:r>
+            <a:r>
+              <a:rPr lang="en-US" altLang="ko-KR" b="1" i="0" dirty="0">
+                <a:solidFill>
+                  <a:srgbClr val="555555"/>
+                </a:solidFill>
+                <a:effectLst/>
+                <a:latin typeface="Avenir"/>
+              </a:rPr>
+              <a:t>'</a:t>
+            </a:r>
+            <a:r>
+              <a:rPr lang="ko-KR" altLang="en-US" b="1" i="0" dirty="0">
+                <a:solidFill>
+                  <a:srgbClr val="555555"/>
+                </a:solidFill>
+                <a:effectLst/>
+                <a:latin typeface="Avenir"/>
+              </a:rPr>
+              <a:t>을 </a:t>
+            </a:r>
+            <a:r>
+              <a:rPr lang="en-US" altLang="ko-KR" b="1" i="0" dirty="0">
+                <a:solidFill>
+                  <a:srgbClr val="555555"/>
+                </a:solidFill>
+                <a:effectLst/>
+                <a:latin typeface="Avenir"/>
+              </a:rPr>
+              <a:t>binary </a:t>
+            </a:r>
+            <a:r>
+              <a:rPr lang="ko-KR" altLang="en-US" b="1" i="0" dirty="0">
+                <a:solidFill>
+                  <a:srgbClr val="555555"/>
+                </a:solidFill>
+                <a:effectLst/>
+                <a:latin typeface="Avenir"/>
+              </a:rPr>
+              <a:t>형태로 저장</a:t>
+            </a:r>
+            <a:r>
+              <a:rPr lang="en-US" altLang="ko-KR" b="1" i="0" dirty="0">
+                <a:solidFill>
+                  <a:srgbClr val="555555"/>
+                </a:solidFill>
+                <a:effectLst/>
+                <a:latin typeface="Avenir"/>
+              </a:rPr>
+              <a:t>(</a:t>
+            </a:r>
+            <a:r>
+              <a:rPr lang="en-US" altLang="ko-KR" b="1" i="0" dirty="0">
+                <a:solidFill>
+                  <a:srgbClr val="000000"/>
+                </a:solidFill>
+                <a:effectLst/>
+                <a:latin typeface="Avenir"/>
+              </a:rPr>
+              <a:t>blob</a:t>
+            </a:r>
+            <a:r>
+              <a:rPr lang="ko-KR" altLang="en-US" b="1" i="0" dirty="0">
+                <a:solidFill>
+                  <a:srgbClr val="000000"/>
+                </a:solidFill>
+                <a:effectLst/>
+                <a:latin typeface="Avenir"/>
+              </a:rPr>
+              <a:t>의 형태로 저장합니다</a:t>
+            </a:r>
+            <a:r>
+              <a:rPr lang="en-US" altLang="ko-KR" b="1" i="0" dirty="0">
+                <a:solidFill>
+                  <a:srgbClr val="555555"/>
+                </a:solidFill>
+                <a:effectLst/>
+                <a:latin typeface="Avenir"/>
+              </a:rPr>
+              <a:t>)</a:t>
+            </a:r>
+            <a:r>
+              <a:rPr lang="ko-KR" altLang="en-US" b="1" i="0" dirty="0">
+                <a:solidFill>
+                  <a:srgbClr val="555555"/>
+                </a:solidFill>
+                <a:effectLst/>
+                <a:latin typeface="Avenir"/>
+              </a:rPr>
+              <a:t>하고 </a:t>
+            </a:r>
+            <a:r>
+              <a:rPr lang="ko-KR" altLang="en-US" b="1" i="0" dirty="0" err="1">
+                <a:solidFill>
+                  <a:srgbClr val="555555"/>
+                </a:solidFill>
+                <a:effectLst/>
+                <a:latin typeface="Avenir"/>
+              </a:rPr>
+              <a:t>사용할때</a:t>
+            </a:r>
+            <a:r>
+              <a:rPr lang="ko-KR" altLang="en-US" b="1" i="0" dirty="0">
+                <a:solidFill>
+                  <a:srgbClr val="555555"/>
+                </a:solidFill>
+                <a:effectLst/>
+                <a:latin typeface="Avenir"/>
+              </a:rPr>
+              <a:t> 마다 </a:t>
+            </a:r>
+            <a:r>
+              <a:rPr lang="en-US" altLang="ko-KR" b="1" i="0" dirty="0">
+                <a:solidFill>
+                  <a:srgbClr val="555555"/>
+                </a:solidFill>
+                <a:effectLst/>
+                <a:latin typeface="Avenir"/>
+              </a:rPr>
+              <a:t>'</a:t>
+            </a:r>
+            <a:r>
+              <a:rPr lang="ko-KR" altLang="en-US" b="1" i="0" dirty="0">
+                <a:solidFill>
+                  <a:srgbClr val="555555"/>
+                </a:solidFill>
+                <a:effectLst/>
+                <a:latin typeface="Avenir"/>
+              </a:rPr>
+              <a:t>엔진</a:t>
+            </a:r>
+            <a:r>
+              <a:rPr lang="en-US" altLang="ko-KR" b="1" i="0" dirty="0">
+                <a:solidFill>
+                  <a:srgbClr val="555555"/>
+                </a:solidFill>
+                <a:effectLst/>
+                <a:latin typeface="Avenir"/>
+              </a:rPr>
+              <a:t>'</a:t>
+            </a:r>
+            <a:r>
+              <a:rPr lang="ko-KR" altLang="en-US" b="1" i="0" dirty="0">
+                <a:solidFill>
+                  <a:srgbClr val="555555"/>
+                </a:solidFill>
+                <a:effectLst/>
+                <a:latin typeface="Avenir"/>
+              </a:rPr>
+              <a:t>을 </a:t>
+            </a:r>
+            <a:r>
+              <a:rPr lang="en-US" altLang="ko-KR" b="1" i="0" dirty="0">
+                <a:solidFill>
+                  <a:srgbClr val="555555"/>
+                </a:solidFill>
+                <a:effectLst/>
+                <a:latin typeface="Avenir"/>
+              </a:rPr>
+              <a:t>deserialize</a:t>
+            </a:r>
+            <a:r>
+              <a:rPr lang="ko-KR" altLang="en-US" b="1" i="0" dirty="0">
+                <a:solidFill>
+                  <a:srgbClr val="555555"/>
+                </a:solidFill>
+                <a:effectLst/>
+                <a:latin typeface="Avenir"/>
+              </a:rPr>
+              <a:t>하여 사용합니다</a:t>
+            </a:r>
+            <a:r>
+              <a:rPr lang="en-US" altLang="ko-KR" b="1" i="0" dirty="0">
+                <a:solidFill>
+                  <a:srgbClr val="555555"/>
+                </a:solidFill>
+                <a:effectLst/>
+                <a:latin typeface="Avenir"/>
+              </a:rPr>
+              <a:t>.</a:t>
+            </a:r>
             <a:endParaRPr lang="en-US" altLang="ko-KR" b="0" i="0" dirty="0">
               <a:solidFill>
                 <a:srgbClr val="000000"/>
@@ -14150,7 +15052,31 @@
             <a:pPr algn="ctr"/>
             <a:r>
               <a:rPr lang="en-US" altLang="ko-KR" sz="2200" b="1" dirty="0"/>
-              <a:t>NVIDIA TensorRT</a:t>
+              <a:t>NVIDIA </a:t>
+            </a:r>
+            <a:r>
+              <a:rPr lang="en-US" altLang="ko-KR" sz="2200" b="1" dirty="0" err="1"/>
+              <a:t>TensorRT</a:t>
+            </a:r>
+            <a:r>
+              <a:rPr lang="en-US" altLang="ko-KR" sz="2200" b="1" dirty="0"/>
+              <a:t> Optimizations</a:t>
+            </a:r>
+            <a:r>
+              <a:rPr lang="ko-KR" altLang="en-US" sz="2200" b="1" dirty="0"/>
+              <a:t> </a:t>
+            </a:r>
+            <a:r>
+              <a:rPr lang="en-US" altLang="ko-KR" sz="2200" b="1" dirty="0"/>
+              <a:t>and</a:t>
+            </a:r>
+            <a:r>
+              <a:rPr lang="ko-KR" altLang="en-US" sz="2200" b="1" dirty="0"/>
+              <a:t> </a:t>
+            </a:r>
+            <a:r>
+              <a:rPr lang="en-US" altLang="ko-KR" sz="2200" b="1" dirty="0" err="1"/>
+              <a:t>Quantizations</a:t>
             </a:r>
             <a:br>
               <a:rPr lang="en-US" altLang="ko-KR" sz="2200" b="1" dirty="0"/>
@@ -20976,12 +21902,70 @@
           </a:p>
         </p:txBody>
       </p:sp>
+      <p:sp>
+        <p:nvSpPr>
+          <p:cNvPr id="7" name="TextBox 6">
+            <a:extLst>
+              <a:ext uri="{FF2B5EF4-FFF2-40B4-BE49-F238E27FC236}">
+                <a16:creationId xmlns:a16="http://schemas.microsoft.com/office/drawing/2014/main" id="{46E226F4-C0CE-BF2E-9767-82373A84EAE1}"/>
+              </a:ext>
+            </a:extLst>
+          </p:cNvPr>
+          <p:cNvSpPr txBox="1"/>
+          <p:nvPr/>
+        </p:nvSpPr>
+        <p:spPr>
+          <a:xfrm>
+            <a:off x="-1" y="597921"/>
+            <a:ext cx="12191999" cy="1200329"/>
+          </a:xfrm>
+          <a:prstGeom prst="rect">
+            <a:avLst/>
+          </a:prstGeom>
+          <a:noFill/>
+        </p:spPr>
+        <p:txBody>
+          <a:bodyPr wrap="square" rtlCol="0">
+            <a:spAutoFit/>
+          </a:bodyPr>
+          <a:lstStyle/>
+          <a:p>
+            <a:pPr algn="ctr"/>
+            <a:endParaRPr lang="en-US" altLang="ko-KR" b="1" dirty="0"/>
+          </a:p>
+          <a:p>
+            <a:pPr algn="ctr"/>
+            <a:r>
+              <a:rPr lang="en-US" altLang="ko-KR" b="1" dirty="0"/>
+              <a:t>QAT (Quantization Aware Training)</a:t>
+            </a:r>
+          </a:p>
+          <a:p>
+            <a:pPr algn="ctr"/>
+            <a:endParaRPr lang="en-US" altLang="ko-KR" b="1" dirty="0"/>
+          </a:p>
+          <a:p>
+            <a:pPr algn="ctr"/>
+            <a:r>
+              <a:rPr lang="en-US" altLang="ko-KR" b="0" i="0" dirty="0">
+                <a:solidFill>
+                  <a:srgbClr val="000000"/>
+                </a:solidFill>
+                <a:effectLst/>
+                <a:latin typeface="noto"/>
+              </a:rPr>
+              <a:t>Straight-through Estimator(STE)[</a:t>
+            </a:r>
+            <a:endParaRPr lang="ko-KR" altLang="en-US" b="1" dirty="0"/>
+          </a:p>
+        </p:txBody>
+      </p:sp>
       <p:pic>
         <p:nvPicPr>
-          <p:cNvPr id="4" name="그림 3">
+          <p:cNvPr id="6" name="그림 5">
             <a:extLst>
               <a:ext uri="{FF2B5EF4-FFF2-40B4-BE49-F238E27FC236}">
-                <a16:creationId xmlns:a16="http://schemas.microsoft.com/office/drawing/2014/main" id="{A7EF133D-813D-995B-6DA4-7844F526FE22}"/>
+                <a16:creationId xmlns:a16="http://schemas.microsoft.com/office/drawing/2014/main" id="{07F0943B-315F-D155-3254-0FF45A676961}"/>
               </a:ext>
             </a:extLst>
           </p:cNvPr>
@@ -20998,8 +21982,38 @@
         </p:blipFill>
         <p:spPr>
           <a:xfrm>
-            <a:off x="4133576" y="1433234"/>
-            <a:ext cx="3924848" cy="3991532"/>
+            <a:off x="1330215" y="2132126"/>
+            <a:ext cx="6125430" cy="3477110"/>
+          </a:xfrm>
+          <a:prstGeom prst="rect">
+            <a:avLst/>
+          </a:prstGeom>
+        </p:spPr>
+      </p:pic>
+      <p:pic>
+        <p:nvPicPr>
+          <p:cNvPr id="9" name="그림 8">
+            <a:extLst>
+              <a:ext uri="{FF2B5EF4-FFF2-40B4-BE49-F238E27FC236}">
+                <a16:creationId xmlns:a16="http://schemas.microsoft.com/office/drawing/2014/main" id="{0B4C143E-9C55-BC09-3B33-553E24D4A9E4}"/>
+              </a:ext>
+            </a:extLst>
+          </p:cNvPr>
+          <p:cNvPicPr>
+            <a:picLocks noChangeAspect="1"/>
+          </p:cNvPicPr>
+          <p:nvPr/>
+        </p:nvPicPr>
+        <p:blipFill>
+          <a:blip r:embed="rId5"/>
+          <a:stretch>
+            <a:fillRect/>
+          </a:stretch>
+        </p:blipFill>
+        <p:spPr>
+          <a:xfrm>
+            <a:off x="8500110" y="3280410"/>
+            <a:ext cx="1981200" cy="923925"/>
           </a:xfrm>
           <a:prstGeom prst="rect">
             <a:avLst/>
@@ -21009,7 +22023,7 @@
     </p:spTree>
     <p:extLst>
       <p:ext uri="{BB962C8B-B14F-4D97-AF65-F5344CB8AC3E}">
-        <p14:creationId xmlns:p14="http://schemas.microsoft.com/office/powerpoint/2010/main" val="2902754387"/>
+        <p14:creationId xmlns:p14="http://schemas.microsoft.com/office/powerpoint/2010/main" val="2612155211"/>
       </p:ext>
     </p:extLst>
   </p:cSld>
@@ -21340,10 +22354,40 @@
           </a:p>
         </p:txBody>
       </p:sp>
+      <p:pic>
+        <p:nvPicPr>
+          <p:cNvPr id="4" name="그림 3">
+            <a:extLst>
+              <a:ext uri="{FF2B5EF4-FFF2-40B4-BE49-F238E27FC236}">
+                <a16:creationId xmlns:a16="http://schemas.microsoft.com/office/drawing/2014/main" id="{A7EF133D-813D-995B-6DA4-7844F526FE22}"/>
+              </a:ext>
+            </a:extLst>
+          </p:cNvPr>
+          <p:cNvPicPr>
+            <a:picLocks noChangeAspect="1"/>
+          </p:cNvPicPr>
+          <p:nvPr/>
+        </p:nvPicPr>
+        <p:blipFill>
+          <a:blip r:embed="rId4"/>
+          <a:stretch>
+            <a:fillRect/>
+          </a:stretch>
+        </p:blipFill>
+        <p:spPr>
+          <a:xfrm>
+            <a:off x="3745093" y="1038150"/>
+            <a:ext cx="4701814" cy="4781699"/>
+          </a:xfrm>
+          <a:prstGeom prst="rect">
+            <a:avLst/>
+          </a:prstGeom>
+        </p:spPr>
+      </p:pic>
     </p:spTree>
     <p:extLst>
       <p:ext uri="{BB962C8B-B14F-4D97-AF65-F5344CB8AC3E}">
-        <p14:creationId xmlns:p14="http://schemas.microsoft.com/office/powerpoint/2010/main" val="4184828315"/>
+        <p14:creationId xmlns:p14="http://schemas.microsoft.com/office/powerpoint/2010/main" val="2902754387"/>
       </p:ext>
     </p:extLst>
   </p:cSld>
@@ -21477,10 +22521,10 @@
       </p:pic>
       <p:sp>
         <p:nvSpPr>
-          <p:cNvPr id="16" name="제목 1">
+          <p:cNvPr id="10" name="제목 1">
             <a:extLst>
               <a:ext uri="{FF2B5EF4-FFF2-40B4-BE49-F238E27FC236}">
-                <a16:creationId xmlns:a16="http://schemas.microsoft.com/office/drawing/2014/main" id="{61D58152-B98B-DC5A-1BCC-44D819B3BAF7}"/>
+                <a16:creationId xmlns:a16="http://schemas.microsoft.com/office/drawing/2014/main" id="{EFE71315-DABB-528D-BAAD-883F02790F2F}"/>
               </a:ext>
             </a:extLst>
           </p:cNvPr>
@@ -21541,10 +22585,10 @@
       </p:sp>
       <p:sp>
         <p:nvSpPr>
-          <p:cNvPr id="17" name="직사각형 16">
+          <p:cNvPr id="11" name="직사각형 10">
             <a:extLst>
               <a:ext uri="{FF2B5EF4-FFF2-40B4-BE49-F238E27FC236}">
-                <a16:creationId xmlns:a16="http://schemas.microsoft.com/office/drawing/2014/main" id="{8B342028-C111-D240-462D-363CFE17D9E3}"/>
+                <a16:creationId xmlns:a16="http://schemas.microsoft.com/office/drawing/2014/main" id="{0AFD44E6-5DC5-162A-F772-1AFAAA02DCDD}"/>
               </a:ext>
             </a:extLst>
           </p:cNvPr>
@@ -21604,10 +22648,10 @@
       </p:sp>
       <p:sp>
         <p:nvSpPr>
-          <p:cNvPr id="18" name="제목 1">
+          <p:cNvPr id="12" name="제목 1">
             <a:extLst>
               <a:ext uri="{FF2B5EF4-FFF2-40B4-BE49-F238E27FC236}">
-                <a16:creationId xmlns:a16="http://schemas.microsoft.com/office/drawing/2014/main" id="{A7C5E5DA-802A-6DA9-ADCE-933AEE373753}"/>
+                <a16:creationId xmlns:a16="http://schemas.microsoft.com/office/drawing/2014/main" id="{56071032-7EC3-3358-5325-8C22D6C3597F}"/>
               </a:ext>
             </a:extLst>
           </p:cNvPr>
@@ -21656,7 +22700,15 @@
                   <a:schemeClr val="bg1"/>
                 </a:solidFill>
               </a:rPr>
-              <a:t>References</a:t>
+              <a:t>TensorRT </a:t>
+            </a:r>
+            <a:r>
+              <a:rPr lang="en-US" altLang="ko-KR" sz="2400" b="1" dirty="0" err="1">
+                <a:solidFill>
+                  <a:schemeClr val="bg1"/>
+                </a:solidFill>
+              </a:rPr>
+              <a:t>Quantizations</a:t>
             </a:r>
             <a:endParaRPr lang="ko-KR" altLang="en-US" sz="2400" b="1" dirty="0">
               <a:solidFill>
@@ -21666,342 +22718,40 @@
           </a:p>
         </p:txBody>
       </p:sp>
-      <p:sp>
-        <p:nvSpPr>
-          <p:cNvPr id="8" name="TextBox 7">
+      <p:pic>
+        <p:nvPicPr>
+          <p:cNvPr id="7" name="그림 6">
             <a:extLst>
               <a:ext uri="{FF2B5EF4-FFF2-40B4-BE49-F238E27FC236}">
-                <a16:creationId xmlns:a16="http://schemas.microsoft.com/office/drawing/2014/main" id="{E53377D7-7B49-04EC-A65A-4D104E703CC7}"/>
+                <a16:creationId xmlns:a16="http://schemas.microsoft.com/office/drawing/2014/main" id="{7A90DADA-1736-923B-5FD4-37C3A34B8B27}"/>
               </a:ext>
             </a:extLst>
           </p:cNvPr>
-          <p:cNvSpPr txBox="1"/>
+          <p:cNvPicPr>
+            <a:picLocks noChangeAspect="1"/>
+          </p:cNvPicPr>
           <p:nvPr/>
-        </p:nvSpPr>
+        </p:nvPicPr>
+        <p:blipFill>
+          <a:blip r:embed="rId4"/>
+          <a:stretch>
+            <a:fillRect/>
+          </a:stretch>
+        </p:blipFill>
         <p:spPr>
           <a:xfrm>
-            <a:off x="1033901" y="2090172"/>
-            <a:ext cx="9877939" cy="2677656"/>
+            <a:off x="1881188" y="2374334"/>
+            <a:ext cx="8420100" cy="2247900"/>
           </a:xfrm>
           <a:prstGeom prst="rect">
             <a:avLst/>
           </a:prstGeom>
-          <a:noFill/>
         </p:spPr>
-        <p:txBody>
-          <a:bodyPr wrap="square">
-            <a:spAutoFit/>
-          </a:bodyPr>
-          <a:lstStyle/>
-          <a:p>
-            <a:pPr fontAlgn="ctr"/>
-            <a:r>
-              <a:rPr lang="en-US" altLang="ko-KR" sz="1200" b="1" i="1" dirty="0">
-                <a:solidFill>
-                  <a:schemeClr val="bg1">
-                    <a:lumMod val="65000"/>
-                  </a:schemeClr>
-                </a:solidFill>
-                <a:effectLst/>
-                <a:latin typeface="DINPro"/>
-                <a:hlinkClick r:id="rId4">
-                  <a:extLst>
-                    <a:ext uri="{A12FA001-AC4F-418D-AE19-62706E023703}">
-                      <ahyp:hlinkClr xmlns:ahyp="http://schemas.microsoft.com/office/drawing/2018/hyperlinkcolor" val="tx"/>
-                    </a:ext>
-                  </a:extLst>
-                </a:hlinkClick>
-              </a:rPr>
-              <a:t>NVIDIA TensorRT – Inference </a:t>
-            </a:r>
-            <a:r>
-              <a:rPr lang="ko-KR" altLang="en-US" sz="1200" b="1" i="1" dirty="0">
-                <a:solidFill>
-                  <a:schemeClr val="bg1">
-                    <a:lumMod val="65000"/>
-                  </a:schemeClr>
-                </a:solidFill>
-                <a:effectLst/>
-                <a:latin typeface="DINPro"/>
-                <a:hlinkClick r:id="rId4">
-                  <a:extLst>
-                    <a:ext uri="{A12FA001-AC4F-418D-AE19-62706E023703}">
-                      <ahyp:hlinkClr xmlns:ahyp="http://schemas.microsoft.com/office/drawing/2018/hyperlinkcolor" val="tx"/>
-                    </a:ext>
-                  </a:extLst>
-                </a:hlinkClick>
-              </a:rPr>
-              <a:t>최적화 및 가속화를 위한 </a:t>
-            </a:r>
-            <a:r>
-              <a:rPr lang="en-US" altLang="ko-KR" sz="1200" b="1" i="1" dirty="0">
-                <a:solidFill>
-                  <a:schemeClr val="bg1">
-                    <a:lumMod val="65000"/>
-                  </a:schemeClr>
-                </a:solidFill>
-                <a:effectLst/>
-                <a:latin typeface="DINPro"/>
-                <a:hlinkClick r:id="rId4">
-                  <a:extLst>
-                    <a:ext uri="{A12FA001-AC4F-418D-AE19-62706E023703}">
-                      <ahyp:hlinkClr xmlns:ahyp="http://schemas.microsoft.com/office/drawing/2018/hyperlinkcolor" val="tx"/>
-                    </a:ext>
-                  </a:extLst>
-                </a:hlinkClick>
-              </a:rPr>
-              <a:t>NVIDIA</a:t>
-            </a:r>
-            <a:r>
-              <a:rPr lang="ko-KR" altLang="en-US" sz="1200" b="1" i="1" dirty="0">
-                <a:solidFill>
-                  <a:schemeClr val="bg1">
-                    <a:lumMod val="65000"/>
-                  </a:schemeClr>
-                </a:solidFill>
-                <a:effectLst/>
-                <a:latin typeface="DINPro"/>
-                <a:hlinkClick r:id="rId4">
-                  <a:extLst>
-                    <a:ext uri="{A12FA001-AC4F-418D-AE19-62706E023703}">
-                      <ahyp:hlinkClr xmlns:ahyp="http://schemas.microsoft.com/office/drawing/2018/hyperlinkcolor" val="tx"/>
-                    </a:ext>
-                  </a:extLst>
-                </a:hlinkClick>
-              </a:rPr>
-              <a:t>의 </a:t>
-            </a:r>
-            <a:r>
-              <a:rPr lang="en-US" altLang="ko-KR" sz="1200" b="1" i="1" dirty="0">
-                <a:solidFill>
-                  <a:schemeClr val="bg1">
-                    <a:lumMod val="65000"/>
-                  </a:schemeClr>
-                </a:solidFill>
-                <a:effectLst/>
-                <a:latin typeface="DINPro"/>
-                <a:hlinkClick r:id="rId4">
-                  <a:extLst>
-                    <a:ext uri="{A12FA001-AC4F-418D-AE19-62706E023703}">
-                      <ahyp:hlinkClr xmlns:ahyp="http://schemas.microsoft.com/office/drawing/2018/hyperlinkcolor" val="tx"/>
-                    </a:ext>
-                  </a:extLst>
-                </a:hlinkClick>
-              </a:rPr>
-              <a:t>Toolkit</a:t>
-            </a:r>
-            <a:endParaRPr lang="en-US" altLang="ko-KR" sz="1200" b="1" i="1" dirty="0">
-              <a:solidFill>
-                <a:schemeClr val="bg1">
-                  <a:lumMod val="65000"/>
-                </a:schemeClr>
-              </a:solidFill>
-              <a:effectLst/>
-              <a:latin typeface="DINPro"/>
-            </a:endParaRPr>
-          </a:p>
-          <a:p>
-            <a:pPr fontAlgn="ctr"/>
-            <a:endParaRPr lang="en-US" altLang="ko-KR" sz="1200" b="1" i="1" dirty="0">
-              <a:solidFill>
-                <a:schemeClr val="bg1">
-                  <a:lumMod val="65000"/>
-                </a:schemeClr>
-              </a:solidFill>
-              <a:latin typeface="Arial" panose="020B0604020202020204" pitchFamily="34" charset="0"/>
-            </a:endParaRPr>
-          </a:p>
-          <a:p>
-            <a:pPr fontAlgn="ctr"/>
-            <a:endParaRPr lang="en-US" altLang="ko-KR" sz="1200" b="1" i="1" dirty="0">
-              <a:solidFill>
-                <a:schemeClr val="bg1">
-                  <a:lumMod val="65000"/>
-                </a:schemeClr>
-              </a:solidFill>
-              <a:latin typeface="Arial" panose="020B0604020202020204" pitchFamily="34" charset="0"/>
-            </a:endParaRPr>
-          </a:p>
-          <a:p>
-            <a:pPr fontAlgn="ctr"/>
-            <a:endParaRPr lang="en-US" altLang="ko-KR" sz="1200" b="1" i="1" dirty="0">
-              <a:solidFill>
-                <a:schemeClr val="bg1">
-                  <a:lumMod val="65000"/>
-                </a:schemeClr>
-              </a:solidFill>
-              <a:latin typeface="Arial" panose="020B0604020202020204" pitchFamily="34" charset="0"/>
-            </a:endParaRPr>
-          </a:p>
-          <a:p>
-            <a:pPr fontAlgn="ctr"/>
-            <a:r>
-              <a:rPr lang="en-US" altLang="ko-KR" sz="1200" b="1" i="1" dirty="0">
-                <a:solidFill>
-                  <a:schemeClr val="bg1">
-                    <a:lumMod val="65000"/>
-                  </a:schemeClr>
-                </a:solidFill>
-                <a:effectLst/>
-                <a:latin typeface="DINWebPro"/>
-                <a:hlinkClick r:id="rId5">
-                  <a:extLst>
-                    <a:ext uri="{A12FA001-AC4F-418D-AE19-62706E023703}">
-                      <ahyp:hlinkClr xmlns:ahyp="http://schemas.microsoft.com/office/drawing/2018/hyperlinkcolor" val="tx"/>
-                    </a:ext>
-                  </a:extLst>
-                </a:hlinkClick>
-              </a:rPr>
-              <a:t>How to Get Started with TensorRT</a:t>
-            </a:r>
-            <a:endParaRPr lang="en-US" altLang="ko-KR" sz="1200" b="1" i="1" dirty="0">
-              <a:solidFill>
-                <a:schemeClr val="bg1">
-                  <a:lumMod val="65000"/>
-                </a:schemeClr>
-              </a:solidFill>
-              <a:effectLst/>
-              <a:latin typeface="DINWebPro"/>
-            </a:endParaRPr>
-          </a:p>
-          <a:p>
-            <a:pPr fontAlgn="ctr"/>
-            <a:endParaRPr lang="en-US" altLang="ko-KR" sz="1200" b="1" i="1" dirty="0">
-              <a:solidFill>
-                <a:schemeClr val="bg1">
-                  <a:lumMod val="65000"/>
-                </a:schemeClr>
-              </a:solidFill>
-              <a:latin typeface="Arial" panose="020B0604020202020204" pitchFamily="34" charset="0"/>
-            </a:endParaRPr>
-          </a:p>
-          <a:p>
-            <a:pPr fontAlgn="ctr"/>
-            <a:endParaRPr lang="en-US" altLang="ko-KR" sz="1200" b="1" i="1" dirty="0">
-              <a:solidFill>
-                <a:schemeClr val="bg1">
-                  <a:lumMod val="65000"/>
-                </a:schemeClr>
-              </a:solidFill>
-              <a:latin typeface="Arial" panose="020B0604020202020204" pitchFamily="34" charset="0"/>
-            </a:endParaRPr>
-          </a:p>
-          <a:p>
-            <a:pPr fontAlgn="ctr"/>
-            <a:endParaRPr lang="en-US" altLang="ko-KR" sz="1200" b="1" i="1" dirty="0">
-              <a:solidFill>
-                <a:schemeClr val="bg1">
-                  <a:lumMod val="65000"/>
-                </a:schemeClr>
-              </a:solidFill>
-              <a:latin typeface="Arial" panose="020B0604020202020204" pitchFamily="34" charset="0"/>
-            </a:endParaRPr>
-          </a:p>
-          <a:p>
-            <a:pPr fontAlgn="ctr"/>
-            <a:r>
-              <a:rPr lang="en-US" altLang="ko-KR" sz="1200" b="1" i="1" dirty="0">
-                <a:solidFill>
-                  <a:schemeClr val="bg1">
-                    <a:lumMod val="65000"/>
-                  </a:schemeClr>
-                </a:solidFill>
-                <a:effectLst/>
-                <a:latin typeface="DINWebPro"/>
-                <a:hlinkClick r:id="rId6">
-                  <a:extLst>
-                    <a:ext uri="{A12FA001-AC4F-418D-AE19-62706E023703}">
-                      <ahyp:hlinkClr xmlns:ahyp="http://schemas.microsoft.com/office/drawing/2018/hyperlinkcolor" val="tx"/>
-                    </a:ext>
-                  </a:extLst>
-                </a:hlinkClick>
-              </a:rPr>
-              <a:t>NVIDIA TensorRT Introduction</a:t>
-            </a:r>
-            <a:endParaRPr lang="en-US" altLang="ko-KR" sz="1200" b="1" i="1" dirty="0">
-              <a:solidFill>
-                <a:schemeClr val="bg1">
-                  <a:lumMod val="65000"/>
-                </a:schemeClr>
-              </a:solidFill>
-              <a:effectLst/>
-              <a:latin typeface="DINWebPro"/>
-            </a:endParaRPr>
-          </a:p>
-          <a:p>
-            <a:pPr fontAlgn="ctr"/>
-            <a:endParaRPr lang="en-US" altLang="ko-KR" sz="1200" b="1" i="1" dirty="0">
-              <a:solidFill>
-                <a:schemeClr val="bg1">
-                  <a:lumMod val="65000"/>
-                </a:schemeClr>
-              </a:solidFill>
-              <a:latin typeface="Arial" panose="020B0604020202020204" pitchFamily="34" charset="0"/>
-            </a:endParaRPr>
-          </a:p>
-          <a:p>
-            <a:pPr fontAlgn="ctr"/>
-            <a:endParaRPr lang="en-US" altLang="ko-KR" sz="1200" b="1" i="1" dirty="0">
-              <a:solidFill>
-                <a:schemeClr val="bg1">
-                  <a:lumMod val="65000"/>
-                </a:schemeClr>
-              </a:solidFill>
-              <a:latin typeface="Arial" panose="020B0604020202020204" pitchFamily="34" charset="0"/>
-            </a:endParaRPr>
-          </a:p>
-          <a:p>
-            <a:pPr fontAlgn="ctr"/>
-            <a:endParaRPr lang="en-US" altLang="ko-KR" sz="1200" b="1" i="1" dirty="0">
-              <a:solidFill>
-                <a:schemeClr val="bg1">
-                  <a:lumMod val="65000"/>
-                </a:schemeClr>
-              </a:solidFill>
-              <a:latin typeface="Arial" panose="020B0604020202020204" pitchFamily="34" charset="0"/>
-            </a:endParaRPr>
-          </a:p>
-          <a:p>
-            <a:pPr fontAlgn="ctr"/>
-            <a:r>
-              <a:rPr lang="en-US" altLang="ko-KR" sz="1200" b="1" i="1" dirty="0">
-                <a:solidFill>
-                  <a:schemeClr val="bg1">
-                    <a:lumMod val="65000"/>
-                  </a:schemeClr>
-                </a:solidFill>
-                <a:latin typeface="Arial" panose="020B0604020202020204" pitchFamily="34" charset="0"/>
-                <a:hlinkClick r:id="rId7">
-                  <a:extLst>
-                    <a:ext uri="{A12FA001-AC4F-418D-AE19-62706E023703}">
-                      <ahyp:hlinkClr xmlns:ahyp="http://schemas.microsoft.com/office/drawing/2018/hyperlinkcolor" val="tx"/>
-                    </a:ext>
-                  </a:extLst>
-                </a:hlinkClick>
-              </a:rPr>
-              <a:t>TensorRT 8.4.2 Documentation</a:t>
-            </a:r>
-            <a:endParaRPr lang="en-US" altLang="ko-KR" sz="1200" b="1" i="1" dirty="0">
-              <a:solidFill>
-                <a:schemeClr val="bg1">
-                  <a:lumMod val="65000"/>
-                </a:schemeClr>
-              </a:solidFill>
-              <a:latin typeface="Arial" panose="020B0604020202020204" pitchFamily="34" charset="0"/>
-            </a:endParaRPr>
-          </a:p>
-          <a:p>
-            <a:pPr fontAlgn="ctr"/>
-            <a:endParaRPr lang="en-US" altLang="ko-KR" sz="1200" b="1" dirty="0">
-              <a:latin typeface="Arial" panose="020B0604020202020204" pitchFamily="34" charset="0"/>
-            </a:endParaRPr>
-          </a:p>
-        </p:txBody>
-      </p:sp>
+      </p:pic>
     </p:spTree>
     <p:extLst>
       <p:ext uri="{BB962C8B-B14F-4D97-AF65-F5344CB8AC3E}">
-        <p14:creationId xmlns:p14="http://schemas.microsoft.com/office/powerpoint/2010/main" val="2261373141"/>
+        <p14:creationId xmlns:p14="http://schemas.microsoft.com/office/powerpoint/2010/main" val="4184828315"/>
       </p:ext>
     </p:extLst>
   </p:cSld>
@@ -22012,258 +22762,6 @@
 </file>
 
 <file path=ppt/slides/slide25.xml><?xml version="1.0" encoding="utf-8"?>
-<p:sld xmlns:a="http://schemas.openxmlformats.org/drawingml/2006/main" xmlns:r="http://schemas.openxmlformats.org/officeDocument/2006/relationships" xmlns:p="http://schemas.openxmlformats.org/presentationml/2006/main">
-  <p:cSld>
-    <p:spTree>
-      <p:nvGrpSpPr>
-        <p:cNvPr id="1" name=""/>
-        <p:cNvGrpSpPr/>
-        <p:nvPr/>
-      </p:nvGrpSpPr>
-      <p:grpSpPr>
-        <a:xfrm>
-          <a:off x="0" y="0"/>
-          <a:ext cx="0" cy="0"/>
-          <a:chOff x="0" y="0"/>
-          <a:chExt cx="0" cy="0"/>
-        </a:xfrm>
-      </p:grpSpPr>
-      <p:sp>
-        <p:nvSpPr>
-          <p:cNvPr id="2" name="직사각형 1">
-            <a:extLst>
-              <a:ext uri="{FF2B5EF4-FFF2-40B4-BE49-F238E27FC236}">
-                <a16:creationId xmlns:a16="http://schemas.microsoft.com/office/drawing/2014/main" id="{4A931F68-6110-47CF-9A48-02BB17DEFA51}"/>
-              </a:ext>
-            </a:extLst>
-          </p:cNvPr>
-          <p:cNvSpPr/>
-          <p:nvPr/>
-        </p:nvSpPr>
-        <p:spPr>
-          <a:xfrm>
-            <a:off x="0" y="0"/>
-            <a:ext cx="12192000" cy="6858000"/>
-          </a:xfrm>
-          <a:prstGeom prst="rect">
-            <a:avLst/>
-          </a:prstGeom>
-          <a:solidFill>
-            <a:srgbClr val="144E25"/>
-          </a:solidFill>
-          <a:ln>
-            <a:noFill/>
-          </a:ln>
-        </p:spPr>
-        <p:style>
-          <a:lnRef idx="2">
-            <a:schemeClr val="accent1">
-              <a:shade val="50000"/>
-            </a:schemeClr>
-          </a:lnRef>
-          <a:fillRef idx="1">
-            <a:schemeClr val="accent1"/>
-          </a:fillRef>
-          <a:effectRef idx="0">
-            <a:schemeClr val="accent1"/>
-          </a:effectRef>
-          <a:fontRef idx="minor">
-            <a:schemeClr val="lt1"/>
-          </a:fontRef>
-        </p:style>
-        <p:txBody>
-          <a:bodyPr rtlCol="0" anchor="ctr"/>
-          <a:lstStyle/>
-          <a:p>
-            <a:pPr algn="ctr"/>
-            <a:endParaRPr lang="ko-KR" altLang="en-US" dirty="0"/>
-          </a:p>
-        </p:txBody>
-      </p:sp>
-      <p:sp>
-        <p:nvSpPr>
-          <p:cNvPr id="3" name="object 3"/>
-          <p:cNvSpPr txBox="1">
-            <a:spLocks noGrp="1"/>
-          </p:cNvSpPr>
-          <p:nvPr>
-            <p:ph type="title"/>
-          </p:nvPr>
-        </p:nvSpPr>
-        <p:spPr>
-          <a:xfrm>
-            <a:off x="5156731" y="3115132"/>
-            <a:ext cx="1875224" cy="627736"/>
-          </a:xfrm>
-          <a:prstGeom prst="rect">
-            <a:avLst/>
-          </a:prstGeom>
-        </p:spPr>
-        <p:txBody>
-          <a:bodyPr vert="horz" wrap="square" lIns="0" tIns="12065" rIns="0" bIns="0" rtlCol="0">
-            <a:spAutoFit/>
-          </a:bodyPr>
-          <a:lstStyle/>
-          <a:p>
-            <a:pPr marL="12700">
-              <a:lnSpc>
-                <a:spcPct val="100000"/>
-              </a:lnSpc>
-              <a:spcBef>
-                <a:spcPts val="95"/>
-              </a:spcBef>
-            </a:pPr>
-            <a:r>
-              <a:rPr lang="en-US" sz="4000" b="1" spc="-30" dirty="0">
-                <a:solidFill>
-                  <a:srgbClr val="F1F1F1"/>
-                </a:solidFill>
-              </a:rPr>
-              <a:t>Q &amp; A</a:t>
-            </a:r>
-          </a:p>
-        </p:txBody>
-      </p:sp>
-    </p:spTree>
-    <p:extLst>
-      <p:ext uri="{BB962C8B-B14F-4D97-AF65-F5344CB8AC3E}">
-        <p14:creationId xmlns:p14="http://schemas.microsoft.com/office/powerpoint/2010/main" val="984807770"/>
-      </p:ext>
-    </p:extLst>
-  </p:cSld>
-  <p:clrMapOvr>
-    <a:masterClrMapping/>
-  </p:clrMapOvr>
-</p:sld>
-</file>
-
-<file path=ppt/slides/slide26.xml><?xml version="1.0" encoding="utf-8"?>
-<p:sld xmlns:a="http://schemas.openxmlformats.org/drawingml/2006/main" xmlns:r="http://schemas.openxmlformats.org/officeDocument/2006/relationships" xmlns:p="http://schemas.openxmlformats.org/presentationml/2006/main">
-  <p:cSld>
-    <p:spTree>
-      <p:nvGrpSpPr>
-        <p:cNvPr id="1" name=""/>
-        <p:cNvGrpSpPr/>
-        <p:nvPr/>
-      </p:nvGrpSpPr>
-      <p:grpSpPr>
-        <a:xfrm>
-          <a:off x="0" y="0"/>
-          <a:ext cx="0" cy="0"/>
-          <a:chOff x="0" y="0"/>
-          <a:chExt cx="0" cy="0"/>
-        </a:xfrm>
-      </p:grpSpPr>
-      <p:sp>
-        <p:nvSpPr>
-          <p:cNvPr id="2" name="직사각형 1">
-            <a:extLst>
-              <a:ext uri="{FF2B5EF4-FFF2-40B4-BE49-F238E27FC236}">
-                <a16:creationId xmlns:a16="http://schemas.microsoft.com/office/drawing/2014/main" id="{4A931F68-6110-47CF-9A48-02BB17DEFA51}"/>
-              </a:ext>
-            </a:extLst>
-          </p:cNvPr>
-          <p:cNvSpPr/>
-          <p:nvPr/>
-        </p:nvSpPr>
-        <p:spPr>
-          <a:xfrm>
-            <a:off x="1" y="0"/>
-            <a:ext cx="12192000" cy="6858000"/>
-          </a:xfrm>
-          <a:prstGeom prst="rect">
-            <a:avLst/>
-          </a:prstGeom>
-          <a:solidFill>
-            <a:srgbClr val="144E25"/>
-          </a:solidFill>
-          <a:ln>
-            <a:noFill/>
-          </a:ln>
-        </p:spPr>
-        <p:style>
-          <a:lnRef idx="2">
-            <a:schemeClr val="accent1">
-              <a:shade val="50000"/>
-            </a:schemeClr>
-          </a:lnRef>
-          <a:fillRef idx="1">
-            <a:schemeClr val="accent1"/>
-          </a:fillRef>
-          <a:effectRef idx="0">
-            <a:schemeClr val="accent1"/>
-          </a:effectRef>
-          <a:fontRef idx="minor">
-            <a:schemeClr val="lt1"/>
-          </a:fontRef>
-        </p:style>
-        <p:txBody>
-          <a:bodyPr rtlCol="0" anchor="ctr"/>
-          <a:lstStyle/>
-          <a:p>
-            <a:pPr algn="ctr"/>
-            <a:endParaRPr lang="ko-KR" altLang="en-US"/>
-          </a:p>
-        </p:txBody>
-      </p:sp>
-      <p:sp>
-        <p:nvSpPr>
-          <p:cNvPr id="3" name="object 3"/>
-          <p:cNvSpPr txBox="1">
-            <a:spLocks noGrp="1"/>
-          </p:cNvSpPr>
-          <p:nvPr>
-            <p:ph type="title"/>
-          </p:nvPr>
-        </p:nvSpPr>
-        <p:spPr>
-          <a:xfrm>
-            <a:off x="4217894" y="3115132"/>
-            <a:ext cx="3886200" cy="627736"/>
-          </a:xfrm>
-          <a:prstGeom prst="rect">
-            <a:avLst/>
-          </a:prstGeom>
-        </p:spPr>
-        <p:txBody>
-          <a:bodyPr vert="horz" wrap="square" lIns="0" tIns="12065" rIns="0" bIns="0" rtlCol="0">
-            <a:spAutoFit/>
-          </a:bodyPr>
-          <a:lstStyle/>
-          <a:p>
-            <a:pPr marL="12700">
-              <a:lnSpc>
-                <a:spcPct val="100000"/>
-              </a:lnSpc>
-              <a:spcBef>
-                <a:spcPts val="95"/>
-              </a:spcBef>
-            </a:pPr>
-            <a:r>
-              <a:rPr lang="en-US" sz="4000" b="1" spc="-30" dirty="0">
-                <a:solidFill>
-                  <a:srgbClr val="F1F1F1"/>
-                </a:solidFill>
-              </a:rPr>
-              <a:t>Thank you 🙂</a:t>
-            </a:r>
-          </a:p>
-        </p:txBody>
-      </p:sp>
-    </p:spTree>
-    <p:extLst>
-      <p:ext uri="{BB962C8B-B14F-4D97-AF65-F5344CB8AC3E}">
-        <p14:creationId xmlns:p14="http://schemas.microsoft.com/office/powerpoint/2010/main" val="1448748692"/>
-      </p:ext>
-    </p:extLst>
-  </p:cSld>
-  <p:clrMapOvr>
-    <a:masterClrMapping/>
-  </p:clrMapOvr>
-</p:sld>
-</file>
-
-<file path=ppt/slides/slide27.xml><?xml version="1.0" encoding="utf-8"?>
 <p:sld xmlns:a="http://schemas.openxmlformats.org/drawingml/2006/main" xmlns:r="http://schemas.openxmlformats.org/officeDocument/2006/relationships" xmlns:p="http://schemas.openxmlformats.org/presentationml/2006/main">
   <p:cSld>
     <p:spTree>
@@ -22566,7 +23064,7 @@
                   <a:schemeClr val="bg1"/>
                 </a:solidFill>
               </a:rPr>
-              <a:t>TensorRT Developments</a:t>
+              <a:t>References</a:t>
             </a:r>
             <a:endParaRPr lang="ko-KR" altLang="en-US" sz="2400" b="1" dirty="0">
               <a:solidFill>
@@ -22576,40 +23074,944 @@
           </a:p>
         </p:txBody>
       </p:sp>
-      <p:pic>
-        <p:nvPicPr>
-          <p:cNvPr id="3" name="그림 2">
+      <p:sp>
+        <p:nvSpPr>
+          <p:cNvPr id="8" name="TextBox 7">
             <a:extLst>
               <a:ext uri="{FF2B5EF4-FFF2-40B4-BE49-F238E27FC236}">
-                <a16:creationId xmlns:a16="http://schemas.microsoft.com/office/drawing/2014/main" id="{00D13F8A-1F94-3BEA-05FA-47A41AE23F30}"/>
+                <a16:creationId xmlns:a16="http://schemas.microsoft.com/office/drawing/2014/main" id="{E53377D7-7B49-04EC-A65A-4D104E703CC7}"/>
               </a:ext>
             </a:extLst>
           </p:cNvPr>
-          <p:cNvPicPr>
-            <a:picLocks noChangeAspect="1"/>
-          </p:cNvPicPr>
+          <p:cNvSpPr txBox="1"/>
           <p:nvPr/>
-        </p:nvPicPr>
-        <p:blipFill>
-          <a:blip r:embed="rId4"/>
-          <a:stretch>
-            <a:fillRect/>
-          </a:stretch>
-        </p:blipFill>
+        </p:nvSpPr>
         <p:spPr>
           <a:xfrm>
-            <a:off x="1666257" y="623496"/>
-            <a:ext cx="8859486" cy="5611008"/>
+            <a:off x="828161" y="982176"/>
+            <a:ext cx="9877939" cy="4893647"/>
+          </a:xfrm>
+          <a:prstGeom prst="rect">
+            <a:avLst/>
+          </a:prstGeom>
+          <a:noFill/>
+        </p:spPr>
+        <p:txBody>
+          <a:bodyPr wrap="square">
+            <a:spAutoFit/>
+          </a:bodyPr>
+          <a:lstStyle/>
+          <a:p>
+            <a:pPr fontAlgn="ctr"/>
+            <a:r>
+              <a:rPr lang="en-US" altLang="ko-KR" sz="1200" b="1" i="1" dirty="0">
+                <a:solidFill>
+                  <a:schemeClr val="bg1">
+                    <a:lumMod val="65000"/>
+                  </a:schemeClr>
+                </a:solidFill>
+                <a:effectLst/>
+                <a:latin typeface="DINPro"/>
+                <a:hlinkClick r:id="rId4">
+                  <a:extLst>
+                    <a:ext uri="{A12FA001-AC4F-418D-AE19-62706E023703}">
+                      <ahyp:hlinkClr xmlns:ahyp="http://schemas.microsoft.com/office/drawing/2018/hyperlinkcolor" val="tx"/>
+                    </a:ext>
+                  </a:extLst>
+                </a:hlinkClick>
+              </a:rPr>
+              <a:t>NVIDIA </a:t>
+            </a:r>
+            <a:r>
+              <a:rPr lang="en-US" altLang="ko-KR" sz="1200" b="1" i="1" dirty="0">
+                <a:solidFill>
+                  <a:schemeClr val="bg1">
+                    <a:lumMod val="65000"/>
+                  </a:schemeClr>
+                </a:solidFill>
+                <a:latin typeface="DINWebPro"/>
+                <a:hlinkClick r:id="rId4">
+                  <a:extLst>
+                    <a:ext uri="{A12FA001-AC4F-418D-AE19-62706E023703}">
+                      <ahyp:hlinkClr xmlns:ahyp="http://schemas.microsoft.com/office/drawing/2018/hyperlinkcolor" val="tx"/>
+                    </a:ext>
+                  </a:extLst>
+                </a:hlinkClick>
+              </a:rPr>
+              <a:t>TensorRT – Inference </a:t>
+            </a:r>
+            <a:r>
+              <a:rPr lang="ko-KR" altLang="en-US" sz="1200" b="1" i="1" dirty="0">
+                <a:solidFill>
+                  <a:schemeClr val="bg1">
+                    <a:lumMod val="65000"/>
+                  </a:schemeClr>
+                </a:solidFill>
+                <a:latin typeface="DINWebPro"/>
+                <a:hlinkClick r:id="rId4">
+                  <a:extLst>
+                    <a:ext uri="{A12FA001-AC4F-418D-AE19-62706E023703}">
+                      <ahyp:hlinkClr xmlns:ahyp="http://schemas.microsoft.com/office/drawing/2018/hyperlinkcolor" val="tx"/>
+                    </a:ext>
+                  </a:extLst>
+                </a:hlinkClick>
+              </a:rPr>
+              <a:t>최적화 및 가속화를 위한 </a:t>
+            </a:r>
+            <a:r>
+              <a:rPr lang="en-US" altLang="ko-KR" sz="1200" b="1" i="1" dirty="0">
+                <a:solidFill>
+                  <a:schemeClr val="bg1">
+                    <a:lumMod val="65000"/>
+                  </a:schemeClr>
+                </a:solidFill>
+                <a:latin typeface="DINWebPro"/>
+                <a:hlinkClick r:id="rId4">
+                  <a:extLst>
+                    <a:ext uri="{A12FA001-AC4F-418D-AE19-62706E023703}">
+                      <ahyp:hlinkClr xmlns:ahyp="http://schemas.microsoft.com/office/drawing/2018/hyperlinkcolor" val="tx"/>
+                    </a:ext>
+                  </a:extLst>
+                </a:hlinkClick>
+              </a:rPr>
+              <a:t>NVIDIA</a:t>
+            </a:r>
+            <a:r>
+              <a:rPr lang="ko-KR" altLang="en-US" sz="1200" b="1" i="1" dirty="0">
+                <a:solidFill>
+                  <a:schemeClr val="bg1">
+                    <a:lumMod val="65000"/>
+                  </a:schemeClr>
+                </a:solidFill>
+                <a:latin typeface="DINWebPro"/>
+                <a:hlinkClick r:id="rId4">
+                  <a:extLst>
+                    <a:ext uri="{A12FA001-AC4F-418D-AE19-62706E023703}">
+                      <ahyp:hlinkClr xmlns:ahyp="http://schemas.microsoft.com/office/drawing/2018/hyperlinkcolor" val="tx"/>
+                    </a:ext>
+                  </a:extLst>
+                </a:hlinkClick>
+              </a:rPr>
+              <a:t>의 </a:t>
+            </a:r>
+            <a:r>
+              <a:rPr lang="en-US" altLang="ko-KR" sz="1200" b="1" i="1" dirty="0">
+                <a:solidFill>
+                  <a:schemeClr val="bg1">
+                    <a:lumMod val="65000"/>
+                  </a:schemeClr>
+                </a:solidFill>
+                <a:latin typeface="DINWebPro"/>
+                <a:hlinkClick r:id="rId4">
+                  <a:extLst>
+                    <a:ext uri="{A12FA001-AC4F-418D-AE19-62706E023703}">
+                      <ahyp:hlinkClr xmlns:ahyp="http://schemas.microsoft.com/office/drawing/2018/hyperlinkcolor" val="tx"/>
+                    </a:ext>
+                  </a:extLst>
+                </a:hlinkClick>
+              </a:rPr>
+              <a:t>Toolkit</a:t>
+            </a:r>
+            <a:endParaRPr lang="en-US" altLang="ko-KR" sz="1200" b="1" i="1" dirty="0">
+              <a:solidFill>
+                <a:schemeClr val="bg1">
+                  <a:lumMod val="65000"/>
+                </a:schemeClr>
+              </a:solidFill>
+              <a:latin typeface="DINWebPro"/>
+            </a:endParaRPr>
+          </a:p>
+          <a:p>
+            <a:pPr fontAlgn="ctr"/>
+            <a:endParaRPr lang="en-US" altLang="ko-KR" sz="1200" b="1" i="1" dirty="0">
+              <a:solidFill>
+                <a:schemeClr val="bg1">
+                  <a:lumMod val="65000"/>
+                </a:schemeClr>
+              </a:solidFill>
+              <a:latin typeface="DINWebPro"/>
+            </a:endParaRPr>
+          </a:p>
+          <a:p>
+            <a:pPr fontAlgn="ctr"/>
+            <a:endParaRPr lang="en-US" altLang="ko-KR" sz="1200" b="1" i="1" dirty="0">
+              <a:solidFill>
+                <a:schemeClr val="bg1">
+                  <a:lumMod val="65000"/>
+                </a:schemeClr>
+              </a:solidFill>
+              <a:latin typeface="DINWebPro"/>
+            </a:endParaRPr>
+          </a:p>
+          <a:p>
+            <a:pPr fontAlgn="ctr"/>
+            <a:endParaRPr lang="en-US" altLang="ko-KR" sz="1200" b="1" i="1" dirty="0">
+              <a:solidFill>
+                <a:schemeClr val="bg1">
+                  <a:lumMod val="65000"/>
+                </a:schemeClr>
+              </a:solidFill>
+              <a:latin typeface="DINWebPro"/>
+            </a:endParaRPr>
+          </a:p>
+          <a:p>
+            <a:pPr fontAlgn="ctr"/>
+            <a:r>
+              <a:rPr lang="en-US" altLang="ko-KR" sz="1200" b="1" i="1" dirty="0">
+                <a:solidFill>
+                  <a:schemeClr val="bg1">
+                    <a:lumMod val="65000"/>
+                  </a:schemeClr>
+                </a:solidFill>
+                <a:latin typeface="DINWebPro"/>
+                <a:hlinkClick r:id="rId5">
+                  <a:extLst>
+                    <a:ext uri="{A12FA001-AC4F-418D-AE19-62706E023703}">
+                      <ahyp:hlinkClr xmlns:ahyp="http://schemas.microsoft.com/office/drawing/2018/hyperlinkcolor" val="tx"/>
+                    </a:ext>
+                  </a:extLst>
+                </a:hlinkClick>
+              </a:rPr>
+              <a:t>How to Get Started with </a:t>
+            </a:r>
+            <a:r>
+              <a:rPr lang="en-US" altLang="ko-KR" sz="1200" b="1" i="1" dirty="0" err="1">
+                <a:solidFill>
+                  <a:schemeClr val="bg1">
+                    <a:lumMod val="65000"/>
+                  </a:schemeClr>
+                </a:solidFill>
+                <a:latin typeface="DINWebPro"/>
+                <a:hlinkClick r:id="rId5">
+                  <a:extLst>
+                    <a:ext uri="{A12FA001-AC4F-418D-AE19-62706E023703}">
+                      <ahyp:hlinkClr xmlns:ahyp="http://schemas.microsoft.com/office/drawing/2018/hyperlinkcolor" val="tx"/>
+                    </a:ext>
+                  </a:extLst>
+                </a:hlinkClick>
+              </a:rPr>
+              <a:t>TensorRT</a:t>
+            </a:r>
+            <a:endParaRPr lang="en-US" altLang="ko-KR" sz="1200" b="1" i="1" dirty="0">
+              <a:solidFill>
+                <a:schemeClr val="bg1">
+                  <a:lumMod val="65000"/>
+                </a:schemeClr>
+              </a:solidFill>
+              <a:latin typeface="DINWebPro"/>
+            </a:endParaRPr>
+          </a:p>
+          <a:p>
+            <a:pPr fontAlgn="ctr"/>
+            <a:endParaRPr lang="en-US" altLang="ko-KR" sz="1200" b="1" i="1" dirty="0">
+              <a:solidFill>
+                <a:schemeClr val="bg1">
+                  <a:lumMod val="65000"/>
+                </a:schemeClr>
+              </a:solidFill>
+              <a:latin typeface="DINWebPro"/>
+            </a:endParaRPr>
+          </a:p>
+          <a:p>
+            <a:pPr fontAlgn="ctr"/>
+            <a:endParaRPr lang="en-US" altLang="ko-KR" sz="1200" b="1" i="1" dirty="0">
+              <a:solidFill>
+                <a:schemeClr val="bg1">
+                  <a:lumMod val="65000"/>
+                </a:schemeClr>
+              </a:solidFill>
+              <a:latin typeface="DINWebPro"/>
+            </a:endParaRPr>
+          </a:p>
+          <a:p>
+            <a:pPr fontAlgn="ctr"/>
+            <a:endParaRPr lang="en-US" altLang="ko-KR" sz="1200" b="1" i="1" dirty="0">
+              <a:solidFill>
+                <a:schemeClr val="bg1">
+                  <a:lumMod val="65000"/>
+                </a:schemeClr>
+              </a:solidFill>
+              <a:latin typeface="DINWebPro"/>
+            </a:endParaRPr>
+          </a:p>
+          <a:p>
+            <a:pPr fontAlgn="ctr"/>
+            <a:r>
+              <a:rPr lang="en-US" altLang="ko-KR" sz="1200" b="1" i="1" dirty="0">
+                <a:solidFill>
+                  <a:schemeClr val="bg1">
+                    <a:lumMod val="65000"/>
+                  </a:schemeClr>
+                </a:solidFill>
+                <a:latin typeface="DINWebPro"/>
+                <a:hlinkClick r:id="rId6">
+                  <a:extLst>
+                    <a:ext uri="{A12FA001-AC4F-418D-AE19-62706E023703}">
+                      <ahyp:hlinkClr xmlns:ahyp="http://schemas.microsoft.com/office/drawing/2018/hyperlinkcolor" val="tx"/>
+                    </a:ext>
+                  </a:extLst>
+                </a:hlinkClick>
+              </a:rPr>
+              <a:t>NVIDIA </a:t>
+            </a:r>
+            <a:r>
+              <a:rPr lang="en-US" altLang="ko-KR" sz="1200" b="1" i="1" dirty="0" err="1">
+                <a:solidFill>
+                  <a:schemeClr val="bg1">
+                    <a:lumMod val="65000"/>
+                  </a:schemeClr>
+                </a:solidFill>
+                <a:latin typeface="DINWebPro"/>
+                <a:hlinkClick r:id="rId6">
+                  <a:extLst>
+                    <a:ext uri="{A12FA001-AC4F-418D-AE19-62706E023703}">
+                      <ahyp:hlinkClr xmlns:ahyp="http://schemas.microsoft.com/office/drawing/2018/hyperlinkcolor" val="tx"/>
+                    </a:ext>
+                  </a:extLst>
+                </a:hlinkClick>
+              </a:rPr>
+              <a:t>TensorRT</a:t>
+            </a:r>
+            <a:r>
+              <a:rPr lang="en-US" altLang="ko-KR" sz="1200" b="1" i="1" dirty="0">
+                <a:solidFill>
+                  <a:schemeClr val="bg1">
+                    <a:lumMod val="65000"/>
+                  </a:schemeClr>
+                </a:solidFill>
+                <a:latin typeface="DINWebPro"/>
+                <a:hlinkClick r:id="rId6">
+                  <a:extLst>
+                    <a:ext uri="{A12FA001-AC4F-418D-AE19-62706E023703}">
+                      <ahyp:hlinkClr xmlns:ahyp="http://schemas.microsoft.com/office/drawing/2018/hyperlinkcolor" val="tx"/>
+                    </a:ext>
+                  </a:extLst>
+                </a:hlinkClick>
+              </a:rPr>
+              <a:t> Introduction</a:t>
+            </a:r>
+            <a:endParaRPr lang="en-US" altLang="ko-KR" sz="1200" b="1" i="1" dirty="0">
+              <a:solidFill>
+                <a:schemeClr val="bg1">
+                  <a:lumMod val="65000"/>
+                </a:schemeClr>
+              </a:solidFill>
+              <a:latin typeface="DINWebPro"/>
+            </a:endParaRPr>
+          </a:p>
+          <a:p>
+            <a:pPr fontAlgn="ctr"/>
+            <a:endParaRPr lang="en-US" altLang="ko-KR" sz="1200" b="1" i="1" dirty="0">
+              <a:solidFill>
+                <a:schemeClr val="bg1">
+                  <a:lumMod val="65000"/>
+                </a:schemeClr>
+              </a:solidFill>
+              <a:latin typeface="DINWebPro"/>
+            </a:endParaRPr>
+          </a:p>
+          <a:p>
+            <a:pPr fontAlgn="ctr"/>
+            <a:endParaRPr lang="en-US" altLang="ko-KR" sz="1200" b="1" i="1" dirty="0">
+              <a:solidFill>
+                <a:schemeClr val="bg1">
+                  <a:lumMod val="65000"/>
+                </a:schemeClr>
+              </a:solidFill>
+              <a:latin typeface="DINWebPro"/>
+            </a:endParaRPr>
+          </a:p>
+          <a:p>
+            <a:pPr fontAlgn="ctr"/>
+            <a:endParaRPr lang="en-US" altLang="ko-KR" sz="1200" b="1" i="1" dirty="0">
+              <a:solidFill>
+                <a:schemeClr val="bg1">
+                  <a:lumMod val="65000"/>
+                </a:schemeClr>
+              </a:solidFill>
+              <a:latin typeface="DINWebPro"/>
+            </a:endParaRPr>
+          </a:p>
+          <a:p>
+            <a:pPr fontAlgn="ctr"/>
+            <a:r>
+              <a:rPr lang="en-US" altLang="ko-KR" sz="1200" b="1" i="1" dirty="0">
+                <a:solidFill>
+                  <a:schemeClr val="bg1">
+                    <a:lumMod val="65000"/>
+                  </a:schemeClr>
+                </a:solidFill>
+                <a:latin typeface="DINWebPro"/>
+                <a:hlinkClick r:id="rId7">
+                  <a:extLst>
+                    <a:ext uri="{A12FA001-AC4F-418D-AE19-62706E023703}">
+                      <ahyp:hlinkClr xmlns:ahyp="http://schemas.microsoft.com/office/drawing/2018/hyperlinkcolor" val="tx"/>
+                    </a:ext>
+                  </a:extLst>
+                </a:hlinkClick>
+              </a:rPr>
+              <a:t>TensorRT 8.4.2 Documentation</a:t>
+            </a:r>
+            <a:endParaRPr lang="en-US" altLang="ko-KR" sz="1200" b="1" i="1" dirty="0">
+              <a:solidFill>
+                <a:schemeClr val="bg1">
+                  <a:lumMod val="65000"/>
+                </a:schemeClr>
+              </a:solidFill>
+              <a:latin typeface="DINWebPro"/>
+            </a:endParaRPr>
+          </a:p>
+          <a:p>
+            <a:pPr fontAlgn="ctr"/>
+            <a:br>
+              <a:rPr lang="en-US" altLang="ko-KR" sz="1200" b="1" i="1" dirty="0">
+                <a:solidFill>
+                  <a:schemeClr val="bg1">
+                    <a:lumMod val="65000"/>
+                  </a:schemeClr>
+                </a:solidFill>
+                <a:latin typeface="DINWebPro"/>
+              </a:rPr>
+            </a:br>
+            <a:endParaRPr lang="en-US" altLang="ko-KR" sz="1200" b="1" i="1" dirty="0">
+              <a:solidFill>
+                <a:schemeClr val="bg1">
+                  <a:lumMod val="65000"/>
+                </a:schemeClr>
+              </a:solidFill>
+              <a:latin typeface="DINWebPro"/>
+            </a:endParaRPr>
+          </a:p>
+          <a:p>
+            <a:pPr fontAlgn="ctr"/>
+            <a:endParaRPr lang="en-US" altLang="ko-KR" sz="1200" b="1" i="1" dirty="0">
+              <a:solidFill>
+                <a:schemeClr val="bg1">
+                  <a:lumMod val="65000"/>
+                </a:schemeClr>
+              </a:solidFill>
+              <a:latin typeface="DINWebPro"/>
+            </a:endParaRPr>
+          </a:p>
+          <a:p>
+            <a:pPr fontAlgn="ctr"/>
+            <a:r>
+              <a:rPr lang="en-US" altLang="ko-KR" sz="1200" b="1" i="1" dirty="0">
+                <a:solidFill>
+                  <a:schemeClr val="bg1">
+                    <a:lumMod val="65000"/>
+                  </a:schemeClr>
+                </a:solidFill>
+                <a:latin typeface="DINWebPro"/>
+                <a:hlinkClick r:id="rId8">
+                  <a:extLst>
+                    <a:ext uri="{A12FA001-AC4F-418D-AE19-62706E023703}">
+                      <ahyp:hlinkClr xmlns:ahyp="http://schemas.microsoft.com/office/drawing/2018/hyperlinkcolor" val="tx"/>
+                    </a:ext>
+                  </a:extLst>
+                </a:hlinkClick>
+              </a:rPr>
+              <a:t>NVIDIA </a:t>
+            </a:r>
+            <a:r>
+              <a:rPr lang="en-US" altLang="ko-KR" sz="1200" b="1" i="1" dirty="0" err="1">
+                <a:solidFill>
+                  <a:schemeClr val="bg1">
+                    <a:lumMod val="65000"/>
+                  </a:schemeClr>
+                </a:solidFill>
+                <a:latin typeface="DINWebPro"/>
+                <a:hlinkClick r:id="rId8">
+                  <a:extLst>
+                    <a:ext uri="{A12FA001-AC4F-418D-AE19-62706E023703}">
+                      <ahyp:hlinkClr xmlns:ahyp="http://schemas.microsoft.com/office/drawing/2018/hyperlinkcolor" val="tx"/>
+                    </a:ext>
+                  </a:extLst>
+                </a:hlinkClick>
+              </a:rPr>
+              <a:t>TensorRT</a:t>
+            </a:r>
+            <a:r>
+              <a:rPr lang="en-US" altLang="ko-KR" sz="1200" b="1" i="1" dirty="0">
+                <a:solidFill>
+                  <a:schemeClr val="bg1">
+                    <a:lumMod val="65000"/>
+                  </a:schemeClr>
+                </a:solidFill>
+                <a:latin typeface="DINWebPro"/>
+                <a:hlinkClick r:id="rId8">
+                  <a:extLst>
+                    <a:ext uri="{A12FA001-AC4F-418D-AE19-62706E023703}">
+                      <ahyp:hlinkClr xmlns:ahyp="http://schemas.microsoft.com/office/drawing/2018/hyperlinkcolor" val="tx"/>
+                    </a:ext>
+                  </a:extLst>
+                </a:hlinkClick>
+              </a:rPr>
+              <a:t> Documentation</a:t>
+            </a:r>
+            <a:endParaRPr lang="en-US" altLang="ko-KR" sz="1200" b="1" i="1" dirty="0">
+              <a:solidFill>
+                <a:schemeClr val="bg1">
+                  <a:lumMod val="65000"/>
+                </a:schemeClr>
+              </a:solidFill>
+              <a:latin typeface="DINWebPro"/>
+            </a:endParaRPr>
+          </a:p>
+          <a:p>
+            <a:pPr fontAlgn="ctr"/>
+            <a:endParaRPr lang="en-US" altLang="ko-KR" sz="1200" b="1" i="1" dirty="0">
+              <a:solidFill>
+                <a:schemeClr val="bg1">
+                  <a:lumMod val="65000"/>
+                </a:schemeClr>
+              </a:solidFill>
+              <a:latin typeface="DINWebPro"/>
+            </a:endParaRPr>
+          </a:p>
+          <a:p>
+            <a:pPr fontAlgn="ctr"/>
+            <a:endParaRPr lang="en-US" altLang="ko-KR" sz="1200" b="1" i="1" dirty="0">
+              <a:solidFill>
+                <a:schemeClr val="bg1">
+                  <a:lumMod val="65000"/>
+                </a:schemeClr>
+              </a:solidFill>
+              <a:latin typeface="DINWebPro"/>
+            </a:endParaRPr>
+          </a:p>
+          <a:p>
+            <a:pPr fontAlgn="ctr"/>
+            <a:endParaRPr lang="en-US" altLang="ko-KR" sz="1200" b="1" i="1" dirty="0">
+              <a:solidFill>
+                <a:schemeClr val="bg1">
+                  <a:lumMod val="65000"/>
+                </a:schemeClr>
+              </a:solidFill>
+              <a:latin typeface="DINWebPro"/>
+            </a:endParaRPr>
+          </a:p>
+          <a:p>
+            <a:pPr fontAlgn="ctr"/>
+            <a:r>
+              <a:rPr lang="en-US" altLang="ko-KR" sz="1200" b="1" i="1" dirty="0">
+                <a:solidFill>
+                  <a:schemeClr val="bg1">
+                    <a:lumMod val="65000"/>
+                  </a:schemeClr>
+                </a:solidFill>
+                <a:latin typeface="DINWebPro"/>
+                <a:hlinkClick r:id="rId9">
+                  <a:extLst>
+                    <a:ext uri="{A12FA001-AC4F-418D-AE19-62706E023703}">
+                      <ahyp:hlinkClr xmlns:ahyp="http://schemas.microsoft.com/office/drawing/2018/hyperlinkcolor" val="tx"/>
+                    </a:ext>
+                  </a:extLst>
+                </a:hlinkClick>
+              </a:rPr>
+              <a:t>NVIDIA </a:t>
+            </a:r>
+            <a:r>
+              <a:rPr lang="en-US" altLang="ko-KR" sz="1200" b="1" i="1" dirty="0" err="1">
+                <a:solidFill>
+                  <a:schemeClr val="bg1">
+                    <a:lumMod val="65000"/>
+                  </a:schemeClr>
+                </a:solidFill>
+                <a:latin typeface="DINWebPro"/>
+                <a:hlinkClick r:id="rId9">
+                  <a:extLst>
+                    <a:ext uri="{A12FA001-AC4F-418D-AE19-62706E023703}">
+                      <ahyp:hlinkClr xmlns:ahyp="http://schemas.microsoft.com/office/drawing/2018/hyperlinkcolor" val="tx"/>
+                    </a:ext>
+                  </a:extLst>
+                </a:hlinkClick>
+              </a:rPr>
+              <a:t>TensorRT</a:t>
+            </a:r>
+            <a:r>
+              <a:rPr lang="en-US" altLang="ko-KR" sz="1200" b="1" i="1" dirty="0">
+                <a:solidFill>
+                  <a:schemeClr val="bg1">
+                    <a:lumMod val="65000"/>
+                  </a:schemeClr>
+                </a:solidFill>
+                <a:latin typeface="DINWebPro"/>
+                <a:hlinkClick r:id="rId9">
+                  <a:extLst>
+                    <a:ext uri="{A12FA001-AC4F-418D-AE19-62706E023703}">
+                      <ahyp:hlinkClr xmlns:ahyp="http://schemas.microsoft.com/office/drawing/2018/hyperlinkcolor" val="tx"/>
+                    </a:ext>
+                  </a:extLst>
+                </a:hlinkClick>
+              </a:rPr>
+              <a:t> SSD Object Detection Demo</a:t>
+            </a:r>
+            <a:endParaRPr lang="en-US" altLang="ko-KR" sz="1200" b="1" i="1" dirty="0">
+              <a:solidFill>
+                <a:schemeClr val="bg1">
+                  <a:lumMod val="65000"/>
+                </a:schemeClr>
+              </a:solidFill>
+              <a:latin typeface="DINWebPro"/>
+            </a:endParaRPr>
+          </a:p>
+          <a:p>
+            <a:pPr fontAlgn="ctr"/>
+            <a:endParaRPr lang="en-US" altLang="ko-KR" sz="1200" b="1" i="1" dirty="0">
+              <a:solidFill>
+                <a:schemeClr val="bg1">
+                  <a:lumMod val="65000"/>
+                </a:schemeClr>
+              </a:solidFill>
+              <a:latin typeface="DINWebPro"/>
+            </a:endParaRPr>
+          </a:p>
+          <a:p>
+            <a:pPr fontAlgn="ctr"/>
+            <a:endParaRPr lang="en-US" altLang="ko-KR" sz="1200" b="1" i="1" dirty="0">
+              <a:solidFill>
+                <a:schemeClr val="bg1">
+                  <a:lumMod val="65000"/>
+                </a:schemeClr>
+              </a:solidFill>
+              <a:latin typeface="DINWebPro"/>
+            </a:endParaRPr>
+          </a:p>
+          <a:p>
+            <a:pPr fontAlgn="ctr"/>
+            <a:endParaRPr lang="en-US" altLang="ko-KR" sz="1200" b="1" i="1" dirty="0">
+              <a:solidFill>
+                <a:schemeClr val="bg1">
+                  <a:lumMod val="65000"/>
+                </a:schemeClr>
+              </a:solidFill>
+              <a:latin typeface="DINWebPro"/>
+            </a:endParaRPr>
+          </a:p>
+          <a:p>
+            <a:pPr fontAlgn="ctr"/>
+            <a:r>
+              <a:rPr lang="en-US" altLang="ko-KR" sz="1200" b="1" i="1" dirty="0">
+                <a:solidFill>
+                  <a:schemeClr val="bg1">
+                    <a:lumMod val="65000"/>
+                  </a:schemeClr>
+                </a:solidFill>
+                <a:latin typeface="DINWebPro"/>
+                <a:hlinkClick r:id="rId10">
+                  <a:extLst>
+                    <a:ext uri="{A12FA001-AC4F-418D-AE19-62706E023703}">
+                      <ahyp:hlinkClr xmlns:ahyp="http://schemas.microsoft.com/office/drawing/2018/hyperlinkcolor" val="tx"/>
+                    </a:ext>
+                  </a:extLst>
+                </a:hlinkClick>
+              </a:rPr>
+              <a:t>NVIDIA </a:t>
+            </a:r>
+            <a:r>
+              <a:rPr lang="en-US" altLang="ko-KR" sz="1200" b="1" i="1" dirty="0" err="1">
+                <a:solidFill>
+                  <a:schemeClr val="bg1">
+                    <a:lumMod val="65000"/>
+                  </a:schemeClr>
+                </a:solidFill>
+                <a:latin typeface="DINWebPro"/>
+                <a:hlinkClick r:id="rId10">
+                  <a:extLst>
+                    <a:ext uri="{A12FA001-AC4F-418D-AE19-62706E023703}">
+                      <ahyp:hlinkClr xmlns:ahyp="http://schemas.microsoft.com/office/drawing/2018/hyperlinkcolor" val="tx"/>
+                    </a:ext>
+                  </a:extLst>
+                </a:hlinkClick>
+              </a:rPr>
+              <a:t>TensorRT</a:t>
+            </a:r>
+            <a:r>
+              <a:rPr lang="en-US" altLang="ko-KR" sz="1200" b="1" i="1" dirty="0">
+                <a:solidFill>
+                  <a:schemeClr val="bg1">
+                    <a:lumMod val="65000"/>
+                  </a:schemeClr>
+                </a:solidFill>
+                <a:latin typeface="DINWebPro"/>
+                <a:hlinkClick r:id="rId10">
+                  <a:extLst>
+                    <a:ext uri="{A12FA001-AC4F-418D-AE19-62706E023703}">
+                      <ahyp:hlinkClr xmlns:ahyp="http://schemas.microsoft.com/office/drawing/2018/hyperlinkcolor" val="tx"/>
+                    </a:ext>
+                  </a:extLst>
+                </a:hlinkClick>
+              </a:rPr>
+              <a:t> Quantization Aware Training Article</a:t>
+            </a:r>
+            <a:endParaRPr lang="en-US" altLang="ko-KR" sz="1200" b="1" i="1" dirty="0">
+              <a:solidFill>
+                <a:schemeClr val="bg1">
+                  <a:lumMod val="65000"/>
+                </a:schemeClr>
+              </a:solidFill>
+              <a:latin typeface="DINWebPro"/>
+            </a:endParaRPr>
+          </a:p>
+        </p:txBody>
+      </p:sp>
+    </p:spTree>
+    <p:extLst>
+      <p:ext uri="{BB962C8B-B14F-4D97-AF65-F5344CB8AC3E}">
+        <p14:creationId xmlns:p14="http://schemas.microsoft.com/office/powerpoint/2010/main" val="2261373141"/>
+      </p:ext>
+    </p:extLst>
+  </p:cSld>
+  <p:clrMapOvr>
+    <a:masterClrMapping/>
+  </p:clrMapOvr>
+</p:sld>
+</file>
+
+<file path=ppt/slides/slide26.xml><?xml version="1.0" encoding="utf-8"?>
+<p:sld xmlns:a="http://schemas.openxmlformats.org/drawingml/2006/main" xmlns:r="http://schemas.openxmlformats.org/officeDocument/2006/relationships" xmlns:p="http://schemas.openxmlformats.org/presentationml/2006/main">
+  <p:cSld>
+    <p:spTree>
+      <p:nvGrpSpPr>
+        <p:cNvPr id="1" name=""/>
+        <p:cNvGrpSpPr/>
+        <p:nvPr/>
+      </p:nvGrpSpPr>
+      <p:grpSpPr>
+        <a:xfrm>
+          <a:off x="0" y="0"/>
+          <a:ext cx="0" cy="0"/>
+          <a:chOff x="0" y="0"/>
+          <a:chExt cx="0" cy="0"/>
+        </a:xfrm>
+      </p:grpSpPr>
+      <p:sp>
+        <p:nvSpPr>
+          <p:cNvPr id="2" name="직사각형 1">
+            <a:extLst>
+              <a:ext uri="{FF2B5EF4-FFF2-40B4-BE49-F238E27FC236}">
+                <a16:creationId xmlns:a16="http://schemas.microsoft.com/office/drawing/2014/main" id="{4A931F68-6110-47CF-9A48-02BB17DEFA51}"/>
+              </a:ext>
+            </a:extLst>
+          </p:cNvPr>
+          <p:cNvSpPr/>
+          <p:nvPr/>
+        </p:nvSpPr>
+        <p:spPr>
+          <a:xfrm>
+            <a:off x="0" y="0"/>
+            <a:ext cx="12192000" cy="6858000"/>
+          </a:xfrm>
+          <a:prstGeom prst="rect">
+            <a:avLst/>
+          </a:prstGeom>
+          <a:solidFill>
+            <a:srgbClr val="144E25"/>
+          </a:solidFill>
+          <a:ln>
+            <a:noFill/>
+          </a:ln>
+        </p:spPr>
+        <p:style>
+          <a:lnRef idx="2">
+            <a:schemeClr val="accent1">
+              <a:shade val="50000"/>
+            </a:schemeClr>
+          </a:lnRef>
+          <a:fillRef idx="1">
+            <a:schemeClr val="accent1"/>
+          </a:fillRef>
+          <a:effectRef idx="0">
+            <a:schemeClr val="accent1"/>
+          </a:effectRef>
+          <a:fontRef idx="minor">
+            <a:schemeClr val="lt1"/>
+          </a:fontRef>
+        </p:style>
+        <p:txBody>
+          <a:bodyPr rtlCol="0" anchor="ctr"/>
+          <a:lstStyle/>
+          <a:p>
+            <a:pPr algn="ctr"/>
+            <a:endParaRPr lang="ko-KR" altLang="en-US" dirty="0"/>
+          </a:p>
+        </p:txBody>
+      </p:sp>
+      <p:sp>
+        <p:nvSpPr>
+          <p:cNvPr id="3" name="object 3"/>
+          <p:cNvSpPr txBox="1">
+            <a:spLocks noGrp="1"/>
+          </p:cNvSpPr>
+          <p:nvPr>
+            <p:ph type="title"/>
+          </p:nvPr>
+        </p:nvSpPr>
+        <p:spPr>
+          <a:xfrm>
+            <a:off x="5156731" y="3115132"/>
+            <a:ext cx="1875224" cy="627736"/>
           </a:xfrm>
           <a:prstGeom prst="rect">
             <a:avLst/>
           </a:prstGeom>
         </p:spPr>
-      </p:pic>
+        <p:txBody>
+          <a:bodyPr vert="horz" wrap="square" lIns="0" tIns="12065" rIns="0" bIns="0" rtlCol="0">
+            <a:spAutoFit/>
+          </a:bodyPr>
+          <a:lstStyle/>
+          <a:p>
+            <a:pPr marL="12700">
+              <a:lnSpc>
+                <a:spcPct val="100000"/>
+              </a:lnSpc>
+              <a:spcBef>
+                <a:spcPts val="95"/>
+              </a:spcBef>
+            </a:pPr>
+            <a:r>
+              <a:rPr lang="en-US" sz="4000" b="1" spc="-30" dirty="0">
+                <a:solidFill>
+                  <a:srgbClr val="F1F1F1"/>
+                </a:solidFill>
+              </a:rPr>
+              <a:t>Q &amp; A</a:t>
+            </a:r>
+          </a:p>
+        </p:txBody>
+      </p:sp>
     </p:spTree>
     <p:extLst>
       <p:ext uri="{BB962C8B-B14F-4D97-AF65-F5344CB8AC3E}">
-        <p14:creationId xmlns:p14="http://schemas.microsoft.com/office/powerpoint/2010/main" val="2784632561"/>
+        <p14:creationId xmlns:p14="http://schemas.microsoft.com/office/powerpoint/2010/main" val="984807770"/>
+      </p:ext>
+    </p:extLst>
+  </p:cSld>
+  <p:clrMapOvr>
+    <a:masterClrMapping/>
+  </p:clrMapOvr>
+</p:sld>
+</file>
+
+<file path=ppt/slides/slide27.xml><?xml version="1.0" encoding="utf-8"?>
+<p:sld xmlns:a="http://schemas.openxmlformats.org/drawingml/2006/main" xmlns:r="http://schemas.openxmlformats.org/officeDocument/2006/relationships" xmlns:p="http://schemas.openxmlformats.org/presentationml/2006/main">
+  <p:cSld>
+    <p:spTree>
+      <p:nvGrpSpPr>
+        <p:cNvPr id="1" name=""/>
+        <p:cNvGrpSpPr/>
+        <p:nvPr/>
+      </p:nvGrpSpPr>
+      <p:grpSpPr>
+        <a:xfrm>
+          <a:off x="0" y="0"/>
+          <a:ext cx="0" cy="0"/>
+          <a:chOff x="0" y="0"/>
+          <a:chExt cx="0" cy="0"/>
+        </a:xfrm>
+      </p:grpSpPr>
+      <p:sp>
+        <p:nvSpPr>
+          <p:cNvPr id="2" name="직사각형 1">
+            <a:extLst>
+              <a:ext uri="{FF2B5EF4-FFF2-40B4-BE49-F238E27FC236}">
+                <a16:creationId xmlns:a16="http://schemas.microsoft.com/office/drawing/2014/main" id="{4A931F68-6110-47CF-9A48-02BB17DEFA51}"/>
+              </a:ext>
+            </a:extLst>
+          </p:cNvPr>
+          <p:cNvSpPr/>
+          <p:nvPr/>
+        </p:nvSpPr>
+        <p:spPr>
+          <a:xfrm>
+            <a:off x="1" y="0"/>
+            <a:ext cx="12192000" cy="6858000"/>
+          </a:xfrm>
+          <a:prstGeom prst="rect">
+            <a:avLst/>
+          </a:prstGeom>
+          <a:solidFill>
+            <a:srgbClr val="144E25"/>
+          </a:solidFill>
+          <a:ln>
+            <a:noFill/>
+          </a:ln>
+        </p:spPr>
+        <p:style>
+          <a:lnRef idx="2">
+            <a:schemeClr val="accent1">
+              <a:shade val="50000"/>
+            </a:schemeClr>
+          </a:lnRef>
+          <a:fillRef idx="1">
+            <a:schemeClr val="accent1"/>
+          </a:fillRef>
+          <a:effectRef idx="0">
+            <a:schemeClr val="accent1"/>
+          </a:effectRef>
+          <a:fontRef idx="minor">
+            <a:schemeClr val="lt1"/>
+          </a:fontRef>
+        </p:style>
+        <p:txBody>
+          <a:bodyPr rtlCol="0" anchor="ctr"/>
+          <a:lstStyle/>
+          <a:p>
+            <a:pPr algn="ctr"/>
+            <a:endParaRPr lang="ko-KR" altLang="en-US"/>
+          </a:p>
+        </p:txBody>
+      </p:sp>
+      <p:sp>
+        <p:nvSpPr>
+          <p:cNvPr id="3" name="object 3"/>
+          <p:cNvSpPr txBox="1">
+            <a:spLocks noGrp="1"/>
+          </p:cNvSpPr>
+          <p:nvPr>
+            <p:ph type="title"/>
+          </p:nvPr>
+        </p:nvSpPr>
+        <p:spPr>
+          <a:xfrm>
+            <a:off x="4217894" y="3115132"/>
+            <a:ext cx="3886200" cy="627736"/>
+          </a:xfrm>
+          <a:prstGeom prst="rect">
+            <a:avLst/>
+          </a:prstGeom>
+        </p:spPr>
+        <p:txBody>
+          <a:bodyPr vert="horz" wrap="square" lIns="0" tIns="12065" rIns="0" bIns="0" rtlCol="0">
+            <a:spAutoFit/>
+          </a:bodyPr>
+          <a:lstStyle/>
+          <a:p>
+            <a:pPr marL="12700">
+              <a:lnSpc>
+                <a:spcPct val="100000"/>
+              </a:lnSpc>
+              <a:spcBef>
+                <a:spcPts val="95"/>
+              </a:spcBef>
+            </a:pPr>
+            <a:r>
+              <a:rPr lang="en-US" sz="4000" b="1" spc="-30" dirty="0">
+                <a:solidFill>
+                  <a:srgbClr val="F1F1F1"/>
+                </a:solidFill>
+              </a:rPr>
+              <a:t>Thank you 🙂</a:t>
+            </a:r>
+          </a:p>
+        </p:txBody>
+      </p:sp>
+    </p:spTree>
+    <p:extLst>
+      <p:ext uri="{BB962C8B-B14F-4D97-AF65-F5344CB8AC3E}">
+        <p14:creationId xmlns:p14="http://schemas.microsoft.com/office/powerpoint/2010/main" val="1448748692"/>
       </p:ext>
     </p:extLst>
   </p:cSld>
